--- a/docs/slide/221014骨髄バンク介入実験分析.pptx
+++ b/docs/slide/221014骨髄バンク介入実験分析.pptx
@@ -3721,7 +3721,7 @@
             </a:pPr>
             <a:r>
               <a:rPr/>
-              <a:t>Only You: A Field Experiment of Text Message to Prevent Free-riding in Japan Marrow Donor Program</a:t>
+              <a:t>Only You: A Field Experiment of Text Message to Prevent Free-Riding in Japan Marrow Donor Program</a:t>
             </a:r>
           </a:p>
         </p:txBody>
@@ -3868,14 +3868,22 @@
             </a:pPr>
             <a:r>
               <a:rPr/>
-              <a:t>「骨髄バンクを介して移植ができる患者さんは現在約6割にとどまっています。 骨髄等を提供するドナーが早く見つかれば、その比率を高めることができます。」</a:t>
+              <a:t>「骨髄バンクを介して移植ができる患者さんは現在約6割にとどまっています。</a:t>
+            </a:r>
+            <a:r>
+              <a:rPr b="1"/>
+              <a:t>骨髄等を提供するドナーが早く見つかれば、その比率を高めることができます。</a:t>
+            </a:r>
+            <a:r>
+              <a:rPr/>
+              <a:t>」</a:t>
             </a:r>
           </a:p>
           <a:p>
             <a:pPr lvl="0"/>
             <a:r>
               <a:rPr/>
-              <a:t>クラウディング・アウト効果の解消と併せて、 利他的なモチベーションを刺激することを目的としたもの</a:t>
+              <a:t>クラウディング・アウト効果の解消と併せて、返信スピードを促進することを目的としたもの</a:t>
             </a:r>
           </a:p>
         </p:txBody>
@@ -3964,7 +3972,7 @@
             </a:pPr>
             <a:r>
               <a:rPr/>
-              <a:t>2つの介入を組み合わせて、4つの実験群を作成した。 実験群の割り当ては骨髄バンク側の業務の無理のない範囲でクラスターランダム化した。</a:t>
+              <a:t>2つの介入を組み合わせて、4つの実験群を作成した。 実験群の割り当ては骨髄バンク側の業務の無理のない範囲で週単位でクラスターランダム化した。 そのとき、週・月の固定効果を取り除くために、実験群は月・週でバランスするように配慮。</a:t>
             </a:r>
           </a:p>
           <a:p>
@@ -4055,361 +4063,36 @@
           </a:p>
         </p:txBody>
       </p:sp>
-      <p:sp>
-        <p:nvSpPr>
-          <p:cNvPr id="3" name="コンテンツ プレースホルダー 2">
-            <a:extLst>
-              <a:ext uri="{FF2B5EF4-FFF2-40B4-BE49-F238E27FC236}">
-                <a16:creationId xmlns:a16="http://schemas.microsoft.com/office/drawing/2014/main" id="{29CB1BB5-CF30-D8DC-0EA9-79805907379B}"/>
-              </a:ext>
-            </a:extLst>
-          </p:cNvPr>
-          <p:cNvSpPr>
-            <a:spLocks noGrp="1"/>
-          </p:cNvSpPr>
-          <p:nvPr>
-            <p:ph idx="1"/>
-          </p:nvPr>
-        </p:nvSpPr>
-        <p:spPr/>
-        <p:txBody>
-          <a:bodyPr/>
-          <a:lstStyle/>
-          <a:p>
-            <a:pPr lvl="0" indent="0" marL="0">
-              <a:buNone/>
-            </a:pPr>
-            <a:r>
-              <a:rPr/>
-              <a:t>週・月の固定効果を取り除くために、実験群は月・週でバランスするように週単位で割り当てた</a:t>
-            </a:r>
-          </a:p>
-          <a:p>
-            <a:pPr lvl="0" indent="0" marL="0">
-              <a:buNone/>
-            </a:pPr>
-            <a:r>
-              <a:rPr/>
-              <a:t>月/年</a:t>
-            </a:r>
-          </a:p>
-          <a:p>
-            <a:pPr lvl="0" indent="0" marL="0">
-              <a:buNone/>
-            </a:pPr>
-            <a:r>
-              <a:rPr/>
-              <a:t>週</a:t>
-            </a:r>
-          </a:p>
-          <a:p>
-            <a:pPr lvl="0" indent="0" marL="0">
-              <a:buNone/>
-            </a:pPr>
-            <a:r>
-              <a:rPr/>
-              <a:t>9/21</a:t>
-            </a:r>
-          </a:p>
-          <a:p>
-            <a:pPr lvl="0" indent="0" marL="0">
-              <a:buNone/>
-            </a:pPr>
-            <a:r>
-              <a:rPr/>
-              <a:t>10/21</a:t>
-            </a:r>
-          </a:p>
-          <a:p>
-            <a:pPr lvl="0" indent="0" marL="0">
-              <a:buNone/>
-            </a:pPr>
-            <a:r>
-              <a:rPr/>
-              <a:t>11/21</a:t>
-            </a:r>
-          </a:p>
-          <a:p>
-            <a:pPr lvl="0" indent="0" marL="0">
-              <a:buNone/>
-            </a:pPr>
-            <a:r>
-              <a:rPr/>
-              <a:t>12/21</a:t>
-            </a:r>
-          </a:p>
-          <a:p>
-            <a:pPr lvl="0" indent="0" marL="0">
-              <a:buNone/>
-            </a:pPr>
-            <a:r>
-              <a:rPr/>
-              <a:t>1/22</a:t>
-            </a:r>
-          </a:p>
-          <a:p>
-            <a:pPr lvl="0" indent="0" marL="0">
-              <a:buNone/>
-            </a:pPr>
-            <a:r>
-              <a:rPr/>
-              <a:t>2/22</a:t>
-            </a:r>
-          </a:p>
-          <a:p>
-            <a:pPr lvl="0" indent="0" marL="0">
-              <a:buNone/>
-            </a:pPr>
-            <a:r>
-              <a:rPr/>
-              <a:t>1</a:t>
-            </a:r>
-          </a:p>
-          <a:p>
-            <a:pPr lvl="0" indent="0" marL="0">
-              <a:buNone/>
-            </a:pPr>
-            <a:r>
-              <a:rPr/>
-              <a:t>B</a:t>
-            </a:r>
-          </a:p>
-          <a:p>
-            <a:pPr lvl="0" indent="0" marL="0">
-              <a:buNone/>
-            </a:pPr>
-            <a:r>
-              <a:rPr/>
-              <a:t>C</a:t>
-            </a:r>
-          </a:p>
-          <a:p>
-            <a:pPr lvl="0" indent="0" marL="0">
-              <a:buNone/>
-            </a:pPr>
-            <a:r>
-              <a:rPr/>
-              <a:t>C</a:t>
-            </a:r>
-          </a:p>
-          <a:p>
-            <a:pPr lvl="0" indent="0" marL="0">
-              <a:buNone/>
-            </a:pPr>
-            <a:r>
-              <a:rPr/>
-              <a:t>D</a:t>
-            </a:r>
-          </a:p>
-          <a:p>
-            <a:pPr lvl="0" indent="0" marL="0">
-              <a:buNone/>
-            </a:pPr>
-            <a:r>
-              <a:rPr/>
-              <a:t>B</a:t>
-            </a:r>
-          </a:p>
-          <a:p>
-            <a:pPr lvl="0" indent="0" marL="0">
-              <a:buNone/>
-            </a:pPr>
-            <a:r>
-              <a:rPr/>
-              <a:t>A</a:t>
-            </a:r>
-          </a:p>
-          <a:p>
-            <a:pPr lvl="0" indent="0" marL="0">
-              <a:buNone/>
-            </a:pPr>
-            <a:r>
-              <a:rPr/>
-              <a:t>2</a:t>
-            </a:r>
-          </a:p>
-          <a:p>
-            <a:pPr lvl="0" indent="0" marL="0">
-              <a:buNone/>
-            </a:pPr>
-            <a:r>
-              <a:rPr/>
-              <a:t>D</a:t>
-            </a:r>
-          </a:p>
-          <a:p>
-            <a:pPr lvl="0" indent="0" marL="0">
-              <a:buNone/>
-            </a:pPr>
-            <a:r>
-              <a:rPr/>
-              <a:t>B</a:t>
-            </a:r>
-          </a:p>
-          <a:p>
-            <a:pPr lvl="0" indent="0" marL="0">
-              <a:buNone/>
-            </a:pPr>
-            <a:r>
-              <a:rPr/>
-              <a:t>A</a:t>
-            </a:r>
-          </a:p>
-          <a:p>
-            <a:pPr lvl="0" indent="0" marL="0">
-              <a:buNone/>
-            </a:pPr>
-            <a:r>
-              <a:rPr/>
-              <a:t>A</a:t>
-            </a:r>
-          </a:p>
-          <a:p>
-            <a:pPr lvl="0" indent="0" marL="0">
-              <a:buNone/>
-            </a:pPr>
-            <a:r>
-              <a:rPr/>
-              <a:t>C</a:t>
-            </a:r>
-          </a:p>
-          <a:p>
-            <a:pPr lvl="0" indent="0" marL="0">
-              <a:buNone/>
-            </a:pPr>
-            <a:r>
-              <a:rPr/>
-              <a:t>B</a:t>
-            </a:r>
-          </a:p>
-          <a:p>
-            <a:pPr lvl="0" indent="0" marL="0">
-              <a:buNone/>
-            </a:pPr>
-            <a:r>
-              <a:rPr/>
-              <a:t>3</a:t>
-            </a:r>
-          </a:p>
-          <a:p>
-            <a:pPr lvl="0" indent="0" marL="0">
-              <a:buNone/>
-            </a:pPr>
-            <a:r>
-              <a:rPr/>
-              <a:t>A</a:t>
-            </a:r>
-          </a:p>
-          <a:p>
-            <a:pPr lvl="0" indent="0" marL="0">
-              <a:buNone/>
-            </a:pPr>
-            <a:r>
-              <a:rPr/>
-              <a:t>D</a:t>
-            </a:r>
-          </a:p>
-          <a:p>
-            <a:pPr lvl="0" indent="0" marL="0">
-              <a:buNone/>
-            </a:pPr>
-            <a:r>
-              <a:rPr/>
-              <a:t>B</a:t>
-            </a:r>
-          </a:p>
-          <a:p>
-            <a:pPr lvl="0" indent="0" marL="0">
-              <a:buNone/>
-            </a:pPr>
-            <a:r>
-              <a:rPr/>
-              <a:t>C</a:t>
-            </a:r>
-          </a:p>
-          <a:p>
-            <a:pPr lvl="0" indent="0" marL="0">
-              <a:buNone/>
-            </a:pPr>
-            <a:r>
-              <a:rPr/>
-              <a:t>D</a:t>
-            </a:r>
-          </a:p>
-          <a:p>
-            <a:pPr lvl="0" indent="0" marL="0">
-              <a:buNone/>
-            </a:pPr>
-            <a:r>
-              <a:rPr/>
-              <a:t>C</a:t>
-            </a:r>
-          </a:p>
-          <a:p>
-            <a:pPr lvl="0" indent="0" marL="0">
-              <a:buNone/>
-            </a:pPr>
-            <a:r>
-              <a:rPr/>
-              <a:t>4</a:t>
-            </a:r>
-          </a:p>
-          <a:p>
-            <a:pPr lvl="0" indent="0" marL="0">
-              <a:buNone/>
-            </a:pPr>
-            <a:r>
-              <a:rPr/>
-              <a:t>C</a:t>
-            </a:r>
-          </a:p>
-          <a:p>
-            <a:pPr lvl="0" indent="0" marL="0">
-              <a:buNone/>
-            </a:pPr>
-            <a:r>
-              <a:rPr/>
-              <a:t>A</a:t>
-            </a:r>
-          </a:p>
-          <a:p>
-            <a:pPr lvl="0" indent="0" marL="0">
-              <a:buNone/>
-            </a:pPr>
-            <a:r>
-              <a:rPr/>
-              <a:t>D</a:t>
-            </a:r>
-          </a:p>
-          <a:p>
-            <a:pPr lvl="0" indent="0" marL="0">
-              <a:buNone/>
-            </a:pPr>
-            <a:r>
-              <a:rPr/>
-              <a:t>B</a:t>
-            </a:r>
-          </a:p>
-          <a:p>
-            <a:pPr lvl="0" indent="0" marL="0">
-              <a:buNone/>
-            </a:pPr>
-            <a:r>
-              <a:rPr/>
-              <a:t>A</a:t>
-            </a:r>
-          </a:p>
-          <a:p>
-            <a:pPr lvl="0" indent="0" marL="0">
-              <a:buNone/>
-            </a:pPr>
-            <a:r>
-              <a:rPr/>
-              <a:t>D</a:t>
-            </a:r>
-          </a:p>
-        </p:txBody>
-      </p:sp>
+      <p:pic>
+        <p:nvPicPr>
+          <p:cNvPr descr="C:\Users\vge00\AppData\Local\Temp\RtmpsJoy65\file2bc456e171df.png" id="0" name="Picture 1"/>
+          <p:cNvPicPr>
+            <a:picLocks noGrp="1" noChangeAspect="1"/>
+          </p:cNvPicPr>
+          <p:nvPr/>
+        </p:nvPicPr>
+        <p:blipFill>
+          <a:blip r:embed="rId2"/>
+          <a:stretch>
+            <a:fillRect/>
+          </a:stretch>
+        </p:blipFill>
+        <p:spPr bwMode="auto">
+          <a:xfrm>
+            <a:off x="342900" y="1562100"/>
+            <a:ext cx="11480800" cy="4356100"/>
+          </a:xfrm>
+          <a:prstGeom prst="rect">
+            <a:avLst/>
+          </a:prstGeom>
+          <a:noFill/>
+          <a:ln w="9525">
+            <a:noFill/>
+            <a:headEnd/>
+            <a:tailEnd/>
+          </a:ln>
+        </p:spPr>
+      </p:pic>
     </p:spTree>
   </p:cSld>
 </p:sld>
@@ -4654,469 +4337,36 @@
           </a:p>
         </p:txBody>
       </p:sp>
-      <p:sp>
-        <p:nvSpPr>
-          <p:cNvPr id="3" name="コンテンツ プレースホルダー 2">
-            <a:extLst>
-              <a:ext uri="{FF2B5EF4-FFF2-40B4-BE49-F238E27FC236}">
-                <a16:creationId xmlns:a16="http://schemas.microsoft.com/office/drawing/2014/main" id="{29CB1BB5-CF30-D8DC-0EA9-79805907379B}"/>
-              </a:ext>
-            </a:extLst>
-          </p:cNvPr>
-          <p:cNvSpPr>
-            <a:spLocks noGrp="1"/>
-          </p:cNvSpPr>
-          <p:nvPr>
-            <p:ph idx="1"/>
-          </p:nvPr>
-        </p:nvSpPr>
-        <p:spPr/>
-        <p:txBody>
-          <a:bodyPr/>
-          <a:lstStyle/>
-          <a:p>
-            <a:pPr lvl="0" indent="0" marL="0">
-              <a:buNone/>
-            </a:pPr>
-            <a:r>
-              <a:rPr/>
-              <a:t>実験群</a:t>
-            </a:r>
-          </a:p>
-          <a:p>
-            <a:pPr lvl="0" indent="0" marL="0">
-              <a:buNone/>
-            </a:pPr>
-            <a:r>
-              <a:rPr/>
-              <a:t>A</a:t>
-            </a:r>
-          </a:p>
-          <a:p>
-            <a:pPr lvl="0" indent="0" marL="0">
-              <a:buNone/>
-            </a:pPr>
-            <a:r>
-              <a:rPr/>
-              <a:t>B</a:t>
-            </a:r>
-          </a:p>
-          <a:p>
-            <a:pPr lvl="0" indent="0" marL="0">
-              <a:buNone/>
-            </a:pPr>
-            <a:r>
-              <a:rPr/>
-              <a:t>C</a:t>
-            </a:r>
-          </a:p>
-          <a:p>
-            <a:pPr lvl="0" indent="0" marL="0">
-              <a:buNone/>
-            </a:pPr>
-            <a:r>
-              <a:rPr/>
-              <a:t>D</a:t>
-            </a:r>
-          </a:p>
-          <a:p>
-            <a:pPr lvl="0" indent="0" marL="0">
-              <a:buNone/>
-            </a:pPr>
-            <a:r>
-              <a:rPr/>
-              <a:t>p-value</a:t>
-            </a:r>
-          </a:p>
-          <a:p>
-            <a:pPr lvl="0" indent="0" marL="0">
-              <a:buNone/>
-            </a:pPr>
-            <a:r>
-              <a:rPr/>
-              <a:t>A. 介入</a:t>
-            </a:r>
-          </a:p>
-          <a:p>
-            <a:pPr lvl="0" indent="0" marL="0">
-              <a:buNone/>
-            </a:pPr>
-            <a:r>
-              <a:rPr/>
-              <a:t>通常の適合通知</a:t>
-            </a:r>
-          </a:p>
-          <a:p>
-            <a:pPr lvl="0" indent="0" marL="0">
-              <a:buNone/>
-            </a:pPr>
-            <a:r>
-              <a:rPr/>
-              <a:t>X</a:t>
-            </a:r>
-          </a:p>
-          <a:p>
-            <a:pPr lvl="0" indent="0" marL="0">
-              <a:buNone/>
-            </a:pPr>
-            <a:r>
-              <a:rPr/>
-              <a:t>X</a:t>
-            </a:r>
-          </a:p>
-          <a:p>
-            <a:pPr lvl="0" indent="0" marL="0">
-              <a:buNone/>
-            </a:pPr>
-            <a:r>
-              <a:rPr/>
-              <a:t>X</a:t>
-            </a:r>
-          </a:p>
-          <a:p>
-            <a:pPr lvl="0" indent="0" marL="0">
-              <a:buNone/>
-            </a:pPr>
-            <a:r>
-              <a:rPr/>
-              <a:t>X</a:t>
-            </a:r>
-          </a:p>
-          <a:p>
-            <a:pPr lvl="0" indent="0" marL="0">
-              <a:buNone/>
-            </a:pPr>
-            <a:r>
-              <a:rPr/>
-              <a:t>確率メッセージ</a:t>
-            </a:r>
-          </a:p>
-          <a:p>
-            <a:pPr lvl="0" indent="0" marL="0">
-              <a:buNone/>
-            </a:pPr>
-            <a:r>
-              <a:rPr/>
-              <a:t>X</a:t>
-            </a:r>
-          </a:p>
-          <a:p>
-            <a:pPr lvl="0" indent="0" marL="0">
-              <a:buNone/>
-            </a:pPr>
-            <a:r>
-              <a:rPr/>
-              <a:t>X</a:t>
-            </a:r>
-          </a:p>
-          <a:p>
-            <a:pPr lvl="0" indent="0" marL="0">
-              <a:buNone/>
-            </a:pPr>
-            <a:r>
-              <a:rPr/>
-              <a:t>移植患者情報</a:t>
-            </a:r>
-          </a:p>
-          <a:p>
-            <a:pPr lvl="0" indent="0" marL="0">
-              <a:buNone/>
-            </a:pPr>
-            <a:r>
-              <a:rPr/>
-              <a:t>X</a:t>
-            </a:r>
-          </a:p>
-          <a:p>
-            <a:pPr lvl="0" indent="0" marL="0">
-              <a:buNone/>
-            </a:pPr>
-            <a:r>
-              <a:rPr/>
-              <a:t>X</a:t>
-            </a:r>
-          </a:p>
-          <a:p>
-            <a:pPr lvl="0" indent="0" marL="0">
-              <a:buNone/>
-            </a:pPr>
-            <a:r>
-              <a:rPr/>
-              <a:t>B. サンプルサイズ</a:t>
-            </a:r>
-          </a:p>
-          <a:p>
-            <a:pPr lvl="0" indent="0" marL="0">
-              <a:buNone/>
-            </a:pPr>
-            <a:r>
-              <a:rPr/>
-              <a:t>サンプルサイズ</a:t>
-            </a:r>
-          </a:p>
-          <a:p>
-            <a:pPr lvl="0" indent="0" marL="0">
-              <a:buNone/>
-            </a:pPr>
-            <a:r>
-              <a:rPr/>
-              <a:t>2535</a:t>
-            </a:r>
-          </a:p>
-          <a:p>
-            <a:pPr lvl="0" indent="0" marL="0">
-              <a:buNone/>
-            </a:pPr>
-            <a:r>
-              <a:rPr/>
-              <a:t>3053</a:t>
-            </a:r>
-          </a:p>
-          <a:p>
-            <a:pPr lvl="0" indent="0" marL="0">
-              <a:buNone/>
-            </a:pPr>
-            <a:r>
-              <a:rPr/>
-              <a:t>2726</a:t>
-            </a:r>
-          </a:p>
-          <a:p>
-            <a:pPr lvl="0" indent="0" marL="0">
-              <a:buNone/>
-            </a:pPr>
-            <a:r>
-              <a:rPr/>
-              <a:t>2735</a:t>
-            </a:r>
-          </a:p>
-          <a:p>
-            <a:pPr lvl="0" indent="0" marL="0">
-              <a:buNone/>
-            </a:pPr>
-            <a:r>
-              <a:rPr/>
-              <a:t>C. 共変量</a:t>
-            </a:r>
-          </a:p>
-          <a:p>
-            <a:pPr lvl="0" indent="0" marL="0">
-              <a:buNone/>
-            </a:pPr>
-            <a:r>
-              <a:rPr/>
-              <a:t>年齢</a:t>
-            </a:r>
-          </a:p>
-          <a:p>
-            <a:pPr lvl="0" indent="0" marL="0">
-              <a:buNone/>
-            </a:pPr>
-            <a:r>
-              <a:rPr/>
-              <a:t>38.38</a:t>
-            </a:r>
-          </a:p>
-          <a:p>
-            <a:pPr lvl="0" indent="0" marL="0">
-              <a:buNone/>
-            </a:pPr>
-            <a:r>
-              <a:rPr/>
-              <a:t>38.12</a:t>
-            </a:r>
-          </a:p>
-          <a:p>
-            <a:pPr lvl="0" indent="0" marL="0">
-              <a:buNone/>
-            </a:pPr>
-            <a:r>
-              <a:rPr/>
-              <a:t>37.45</a:t>
-            </a:r>
-          </a:p>
-          <a:p>
-            <a:pPr lvl="0" indent="0" marL="0">
-              <a:buNone/>
-            </a:pPr>
-            <a:r>
-              <a:rPr/>
-              <a:t>37.98</a:t>
-            </a:r>
-          </a:p>
-          <a:p>
-            <a:pPr lvl="0" indent="0" marL="0">
-              <a:buNone/>
-            </a:pPr>
-            <a:r>
-              <a:rPr/>
-              <a:t>0.00</a:t>
-            </a:r>
-          </a:p>
-          <a:p>
-            <a:pPr lvl="0" indent="0" marL="0">
-              <a:buNone/>
-            </a:pPr>
-            <a:r>
-              <a:rPr/>
-              <a:t>初回コーディネーション</a:t>
-            </a:r>
-          </a:p>
-          <a:p>
-            <a:pPr lvl="0" indent="0" marL="0">
-              <a:buNone/>
-            </a:pPr>
-            <a:r>
-              <a:rPr/>
-              <a:t>0.63</a:t>
-            </a:r>
-          </a:p>
-          <a:p>
-            <a:pPr lvl="0" indent="0" marL="0">
-              <a:buNone/>
-            </a:pPr>
-            <a:r>
-              <a:rPr/>
-              <a:t>0.64</a:t>
-            </a:r>
-          </a:p>
-          <a:p>
-            <a:pPr lvl="0" indent="0" marL="0">
-              <a:buNone/>
-            </a:pPr>
-            <a:r>
-              <a:rPr/>
-              <a:t>0.62</a:t>
-            </a:r>
-          </a:p>
-          <a:p>
-            <a:pPr lvl="0" indent="0" marL="0">
-              <a:buNone/>
-            </a:pPr>
-            <a:r>
-              <a:rPr/>
-              <a:t>0.65</a:t>
-            </a:r>
-          </a:p>
-          <a:p>
-            <a:pPr lvl="0" indent="0" marL="0">
-              <a:buNone/>
-            </a:pPr>
-            <a:r>
-              <a:rPr/>
-              <a:t>0.05</a:t>
-            </a:r>
-          </a:p>
-          <a:p>
-            <a:pPr lvl="0" indent="0" marL="0">
-              <a:buNone/>
-            </a:pPr>
-            <a:r>
-              <a:rPr/>
-              <a:t>男性</a:t>
-            </a:r>
-          </a:p>
-          <a:p>
-            <a:pPr lvl="0" indent="0" marL="0">
-              <a:buNone/>
-            </a:pPr>
-            <a:r>
-              <a:rPr/>
-              <a:t>0.62</a:t>
-            </a:r>
-          </a:p>
-          <a:p>
-            <a:pPr lvl="0" indent="0" marL="0">
-              <a:buNone/>
-            </a:pPr>
-            <a:r>
-              <a:rPr/>
-              <a:t>0.63</a:t>
-            </a:r>
-          </a:p>
-          <a:p>
-            <a:pPr lvl="0" indent="0" marL="0">
-              <a:buNone/>
-            </a:pPr>
-            <a:r>
-              <a:rPr/>
-              <a:t>0.63</a:t>
-            </a:r>
-          </a:p>
-          <a:p>
-            <a:pPr lvl="0" indent="0" marL="0">
-              <a:buNone/>
-            </a:pPr>
-            <a:r>
-              <a:rPr/>
-              <a:t>0.61</a:t>
-            </a:r>
-          </a:p>
-          <a:p>
-            <a:pPr lvl="0" indent="0" marL="0">
-              <a:buNone/>
-            </a:pPr>
-            <a:r>
-              <a:rPr/>
-              <a:t>0.23</a:t>
-            </a:r>
-          </a:p>
-          <a:p>
-            <a:pPr lvl="0" indent="0" marL="0">
-              <a:buNone/>
-            </a:pPr>
-            <a:r>
-              <a:rPr/>
-              <a:t>東京・大阪・神奈川・愛知</a:t>
-            </a:r>
-          </a:p>
-          <a:p>
-            <a:pPr lvl="0" indent="0" marL="0">
-              <a:buNone/>
-            </a:pPr>
-            <a:r>
-              <a:rPr/>
-              <a:t>0.28</a:t>
-            </a:r>
-          </a:p>
-          <a:p>
-            <a:pPr lvl="0" indent="0" marL="0">
-              <a:buNone/>
-            </a:pPr>
-            <a:r>
-              <a:rPr/>
-              <a:t>0.29</a:t>
-            </a:r>
-          </a:p>
-          <a:p>
-            <a:pPr lvl="0" indent="0" marL="0">
-              <a:buNone/>
-            </a:pPr>
-            <a:r>
-              <a:rPr/>
-              <a:t>0.29</a:t>
-            </a:r>
-          </a:p>
-          <a:p>
-            <a:pPr lvl="0" indent="0" marL="0">
-              <a:buNone/>
-            </a:pPr>
-            <a:r>
-              <a:rPr/>
-              <a:t>0.28</a:t>
-            </a:r>
-          </a:p>
-          <a:p>
-            <a:pPr lvl="0" indent="0" marL="0">
-              <a:buNone/>
-            </a:pPr>
-            <a:r>
-              <a:rPr/>
-              <a:t>0.57</a:t>
-            </a:r>
-          </a:p>
-        </p:txBody>
-      </p:sp>
+      <p:pic>
+        <p:nvPicPr>
+          <p:cNvPr descr="C:\Users\vge00\AppData\Local\Temp\RtmpsJoy65\file2bc457e641da.png" id="0" name="Picture 1"/>
+          <p:cNvPicPr>
+            <a:picLocks noGrp="1" noChangeAspect="1"/>
+          </p:cNvPicPr>
+          <p:nvPr/>
+        </p:nvPicPr>
+        <p:blipFill>
+          <a:blip r:embed="rId2"/>
+          <a:stretch>
+            <a:fillRect/>
+          </a:stretch>
+        </p:blipFill>
+        <p:spPr bwMode="auto">
+          <a:xfrm>
+            <a:off x="3873500" y="1308100"/>
+            <a:ext cx="4406900" cy="4864100"/>
+          </a:xfrm>
+          <a:prstGeom prst="rect">
+            <a:avLst/>
+          </a:prstGeom>
+          <a:noFill/>
+          <a:ln w="9525">
+            <a:noFill/>
+            <a:headEnd/>
+            <a:tailEnd/>
+          </a:ln>
+        </p:spPr>
+      </p:pic>
     </p:spTree>
   </p:cSld>
 </p:sld>
@@ -5968,667 +5218,36 @@
           </a:p>
         </p:txBody>
       </p:sp>
-      <p:sp>
-        <p:nvSpPr>
-          <p:cNvPr id="3" name="コンテンツ プレースホルダー 2">
-            <a:extLst>
-              <a:ext uri="{FF2B5EF4-FFF2-40B4-BE49-F238E27FC236}">
-                <a16:creationId xmlns:a16="http://schemas.microsoft.com/office/drawing/2014/main" id="{29CB1BB5-CF30-D8DC-0EA9-79805907379B}"/>
-              </a:ext>
-            </a:extLst>
-          </p:cNvPr>
-          <p:cNvSpPr>
-            <a:spLocks noGrp="1"/>
-          </p:cNvSpPr>
-          <p:nvPr>
-            <p:ph idx="1"/>
-          </p:nvPr>
-        </p:nvSpPr>
-        <p:spPr/>
-        <p:txBody>
-          <a:bodyPr/>
-          <a:lstStyle/>
-          <a:p>
-            <a:pPr lvl="0" indent="0" marL="0">
-              <a:buNone/>
-            </a:pPr>
-            <a:r>
-              <a:rPr/>
-              <a:t>Reply within specific day</a:t>
-            </a:r>
-          </a:p>
-          <a:p>
-            <a:pPr lvl="0" indent="0" marL="0">
-              <a:buNone/>
-            </a:pPr>
-            <a:r>
-              <a:rPr/>
-              <a:t>Reply</a:t>
-            </a:r>
-          </a:p>
-          <a:p>
-            <a:pPr lvl="0" indent="0" marL="0">
-              <a:buNone/>
-            </a:pPr>
-            <a:r>
-              <a:rPr/>
-              <a:t>5 days</a:t>
-            </a:r>
-          </a:p>
-          <a:p>
-            <a:pPr lvl="0" indent="0" marL="0">
-              <a:buNone/>
-            </a:pPr>
-            <a:r>
-              <a:rPr/>
-              <a:t>10 days</a:t>
-            </a:r>
-          </a:p>
-          <a:p>
-            <a:pPr lvl="0" indent="0" marL="0">
-              <a:buNone/>
-            </a:pPr>
-            <a:r>
-              <a:rPr/>
-              <a:t>20 days</a:t>
-            </a:r>
-          </a:p>
-          <a:p>
-            <a:pPr lvl="0" indent="0" marL="0">
-              <a:buNone/>
-            </a:pPr>
-            <a:r>
-              <a:rPr/>
-              <a:t>30 days</a:t>
-            </a:r>
-          </a:p>
-          <a:p>
-            <a:pPr lvl="5" indent="0" marL="2286000">
-              <a:buNone/>
-            </a:pPr>
-            <a:r>
-              <a:rPr/>
-              <a:t>B</a:t>
-            </a:r>
-          </a:p>
-          <a:p>
-            <a:pPr lvl="5" indent="0" marL="2286000">
-              <a:buNone/>
-            </a:pPr>
-            <a:r>
-              <a:rPr/>
-              <a:t>0.014**</a:t>
-            </a:r>
-          </a:p>
-          <a:p>
-            <a:pPr lvl="5" indent="0" marL="2286000">
-              <a:buNone/>
-            </a:pPr>
-            <a:r>
-              <a:rPr/>
-              <a:t>0.005</a:t>
-            </a:r>
-          </a:p>
-          <a:p>
-            <a:pPr lvl="5" indent="0" marL="2286000">
-              <a:buNone/>
-            </a:pPr>
-            <a:r>
-              <a:rPr/>
-              <a:t>－0.048***</a:t>
-            </a:r>
-          </a:p>
-          <a:p>
-            <a:pPr lvl="5" indent="0" marL="2286000">
-              <a:buNone/>
-            </a:pPr>
-            <a:r>
-              <a:rPr/>
-              <a:t>0.013</a:t>
-            </a:r>
-          </a:p>
-          <a:p>
-            <a:pPr lvl="5" indent="0" marL="2286000">
-              <a:buNone/>
-            </a:pPr>
-            <a:r>
-              <a:rPr/>
-              <a:t>0.016**</a:t>
-            </a:r>
-          </a:p>
-          <a:p>
-            <a:pPr lvl="5" indent="0" marL="2286000">
-              <a:buNone/>
-            </a:pPr>
-            <a:r>
-              <a:rPr/>
-              <a:t>(0.006)</a:t>
-            </a:r>
-          </a:p>
-          <a:p>
-            <a:pPr lvl="5" indent="0" marL="2286000">
-              <a:buNone/>
-            </a:pPr>
-            <a:r>
-              <a:rPr/>
-              <a:t>(0.008)</a:t>
-            </a:r>
-          </a:p>
-          <a:p>
-            <a:pPr lvl="5" indent="0" marL="2286000">
-              <a:buNone/>
-            </a:pPr>
-            <a:r>
-              <a:rPr/>
-              <a:t>(0.014)</a:t>
-            </a:r>
-          </a:p>
-          <a:p>
-            <a:pPr lvl="5" indent="0" marL="2286000">
-              <a:buNone/>
-            </a:pPr>
-            <a:r>
-              <a:rPr/>
-              <a:t>(0.009)</a:t>
-            </a:r>
-          </a:p>
-          <a:p>
-            <a:pPr lvl="5" indent="0" marL="2286000">
-              <a:buNone/>
-            </a:pPr>
-            <a:r>
-              <a:rPr/>
-              <a:t>(0.006)</a:t>
-            </a:r>
-          </a:p>
-          <a:p>
-            <a:pPr lvl="5" indent="0" marL="2286000">
-              <a:buNone/>
-            </a:pPr>
-            <a:r>
-              <a:rPr/>
-              <a:t>C</a:t>
-            </a:r>
-          </a:p>
-          <a:p>
-            <a:pPr lvl="5" indent="0" marL="2286000">
-              <a:buNone/>
-            </a:pPr>
-            <a:r>
-              <a:rPr/>
-              <a:t>0.003</a:t>
-            </a:r>
-          </a:p>
-          <a:p>
-            <a:pPr lvl="5" indent="0" marL="2286000">
-              <a:buNone/>
-            </a:pPr>
-            <a:r>
-              <a:rPr/>
-              <a:t>0.002</a:t>
-            </a:r>
-          </a:p>
-          <a:p>
-            <a:pPr lvl="5" indent="0" marL="2286000">
-              <a:buNone/>
-            </a:pPr>
-            <a:r>
-              <a:rPr/>
-              <a:t>0.002</a:t>
-            </a:r>
-          </a:p>
-          <a:p>
-            <a:pPr lvl="5" indent="0" marL="2286000">
-              <a:buNone/>
-            </a:pPr>
-            <a:r>
-              <a:rPr/>
-              <a:t>0.008</a:t>
-            </a:r>
-          </a:p>
-          <a:p>
-            <a:pPr lvl="5" indent="0" marL="2286000">
-              <a:buNone/>
-            </a:pPr>
-            <a:r>
-              <a:rPr/>
-              <a:t>0.005</a:t>
-            </a:r>
-          </a:p>
-          <a:p>
-            <a:pPr lvl="5" indent="0" marL="2286000">
-              <a:buNone/>
-            </a:pPr>
-            <a:r>
-              <a:rPr/>
-              <a:t>(0.005)</a:t>
-            </a:r>
-          </a:p>
-          <a:p>
-            <a:pPr lvl="5" indent="0" marL="2286000">
-              <a:buNone/>
-            </a:pPr>
-            <a:r>
-              <a:rPr/>
-              <a:t>(0.007)</a:t>
-            </a:r>
-          </a:p>
-          <a:p>
-            <a:pPr lvl="5" indent="0" marL="2286000">
-              <a:buNone/>
-            </a:pPr>
-            <a:r>
-              <a:rPr/>
-              <a:t>(0.016)</a:t>
-            </a:r>
-          </a:p>
-          <a:p>
-            <a:pPr lvl="5" indent="0" marL="2286000">
-              <a:buNone/>
-            </a:pPr>
-            <a:r>
-              <a:rPr/>
-              <a:t>(0.006)</a:t>
-            </a:r>
-          </a:p>
-          <a:p>
-            <a:pPr lvl="5" indent="0" marL="2286000">
-              <a:buNone/>
-            </a:pPr>
-            <a:r>
-              <a:rPr/>
-              <a:t>(0.005)</a:t>
-            </a:r>
-          </a:p>
-          <a:p>
-            <a:pPr lvl="5" indent="0" marL="2286000">
-              <a:buNone/>
-            </a:pPr>
-            <a:r>
-              <a:rPr/>
-              <a:t>D</a:t>
-            </a:r>
-          </a:p>
-          <a:p>
-            <a:pPr lvl="5" indent="0" marL="2286000">
-              <a:buNone/>
-            </a:pPr>
-            <a:r>
-              <a:rPr/>
-              <a:t>0.006</a:t>
-            </a:r>
-          </a:p>
-          <a:p>
-            <a:pPr lvl="5" indent="0" marL="2286000">
-              <a:buNone/>
-            </a:pPr>
-            <a:r>
-              <a:rPr/>
-              <a:t>0.013</a:t>
-            </a:r>
-          </a:p>
-          <a:p>
-            <a:pPr lvl="5" indent="0" marL="2286000">
-              <a:buNone/>
-            </a:pPr>
-            <a:r>
-              <a:rPr/>
-              <a:t>－0.030**</a:t>
-            </a:r>
-          </a:p>
-          <a:p>
-            <a:pPr lvl="5" indent="0" marL="2286000">
-              <a:buNone/>
-            </a:pPr>
-            <a:r>
-              <a:rPr/>
-              <a:t>0.016**</a:t>
-            </a:r>
-          </a:p>
-          <a:p>
-            <a:pPr lvl="5" indent="0" marL="2286000">
-              <a:buNone/>
-            </a:pPr>
-            <a:r>
-              <a:rPr/>
-              <a:t>0.006</a:t>
-            </a:r>
-          </a:p>
-          <a:p>
-            <a:pPr lvl="5" indent="0" marL="2286000">
-              <a:buNone/>
-            </a:pPr>
-            <a:r>
-              <a:rPr/>
-              <a:t>(0.005)</a:t>
-            </a:r>
-          </a:p>
-          <a:p>
-            <a:pPr lvl="5" indent="0" marL="2286000">
-              <a:buNone/>
-            </a:pPr>
-            <a:r>
-              <a:rPr/>
-              <a:t>(0.009)</a:t>
-            </a:r>
-          </a:p>
-          <a:p>
-            <a:pPr lvl="5" indent="0" marL="2286000">
-              <a:buNone/>
-            </a:pPr>
-            <a:r>
-              <a:rPr/>
-              <a:t>(0.014)</a:t>
-            </a:r>
-          </a:p>
-          <a:p>
-            <a:pPr lvl="5" indent="0" marL="2286000">
-              <a:buNone/>
-            </a:pPr>
-            <a:r>
-              <a:rPr/>
-              <a:t>(0.007)</a:t>
-            </a:r>
-          </a:p>
-          <a:p>
-            <a:pPr lvl="5" indent="0" marL="2286000">
-              <a:buNone/>
-            </a:pPr>
-            <a:r>
-              <a:rPr/>
-              <a:t>(0.005)</a:t>
-            </a:r>
-          </a:p>
-          <a:p>
-            <a:pPr lvl="5" indent="0" marL="2286000">
-              <a:buNone/>
-            </a:pPr>
-            <a:r>
-              <a:rPr/>
-              <a:t>Num.Obs.</a:t>
-            </a:r>
-          </a:p>
-          <a:p>
-            <a:pPr lvl="5" indent="0" marL="2286000">
-              <a:buNone/>
-            </a:pPr>
-            <a:r>
-              <a:rPr/>
-              <a:t>10985</a:t>
-            </a:r>
-          </a:p>
-          <a:p>
-            <a:pPr lvl="5" indent="0" marL="2286000">
-              <a:buNone/>
-            </a:pPr>
-            <a:r>
-              <a:rPr/>
-              <a:t>10985</a:t>
-            </a:r>
-          </a:p>
-          <a:p>
-            <a:pPr lvl="5" indent="0" marL="2286000">
-              <a:buNone/>
-            </a:pPr>
-            <a:r>
-              <a:rPr/>
-              <a:t>10985</a:t>
-            </a:r>
-          </a:p>
-          <a:p>
-            <a:pPr lvl="5" indent="0" marL="2286000">
-              <a:buNone/>
-            </a:pPr>
-            <a:r>
-              <a:rPr/>
-              <a:t>10985</a:t>
-            </a:r>
-          </a:p>
-          <a:p>
-            <a:pPr lvl="5" indent="0" marL="2286000">
-              <a:buNone/>
-            </a:pPr>
-            <a:r>
-              <a:rPr/>
-              <a:t>10985</a:t>
-            </a:r>
-          </a:p>
-          <a:p>
-            <a:pPr lvl="5" indent="0" marL="2286000">
-              <a:buNone/>
-            </a:pPr>
-            <a:r>
-              <a:rPr/>
-              <a:t>Control Avg.</a:t>
-            </a:r>
-          </a:p>
-          <a:p>
-            <a:pPr lvl="5" indent="0" marL="2286000">
-              <a:buNone/>
-            </a:pPr>
-            <a:r>
-              <a:rPr/>
-              <a:t>0.884</a:t>
-            </a:r>
-          </a:p>
-          <a:p>
-            <a:pPr lvl="5" indent="0" marL="2286000">
-              <a:buNone/>
-            </a:pPr>
-            <a:r>
-              <a:rPr/>
-              <a:t>0.101</a:t>
-            </a:r>
-          </a:p>
-          <a:p>
-            <a:pPr lvl="5" indent="0" marL="2286000">
-              <a:buNone/>
-            </a:pPr>
-            <a:r>
-              <a:rPr/>
-              <a:t>0.551</a:t>
-            </a:r>
-          </a:p>
-          <a:p>
-            <a:pPr lvl="5" indent="0" marL="2286000">
-              <a:buNone/>
-            </a:pPr>
-            <a:r>
-              <a:rPr/>
-              <a:t>0.830</a:t>
-            </a:r>
-          </a:p>
-          <a:p>
-            <a:pPr lvl="5" indent="0" marL="2286000">
-              <a:buNone/>
-            </a:pPr>
-            <a:r>
-              <a:rPr/>
-              <a:t>0.875</a:t>
-            </a:r>
-          </a:p>
-          <a:p>
-            <a:pPr lvl="5" indent="0" marL="2286000">
-              <a:buNone/>
-            </a:pPr>
-            <a:r>
-              <a:rPr/>
-              <a:t>F-tests, p-value:</a:t>
-            </a:r>
-          </a:p>
-          <a:p>
-            <a:pPr lvl="5" indent="0" marL="2286000">
-              <a:buNone/>
-            </a:pPr>
-            <a:r>
-              <a:rPr/>
-              <a:t>B = C</a:t>
-            </a:r>
-          </a:p>
-          <a:p>
-            <a:pPr lvl="5" indent="0" marL="2286000">
-              <a:buNone/>
-            </a:pPr>
-            <a:r>
-              <a:rPr/>
-              <a:t>0.015</a:t>
-            </a:r>
-          </a:p>
-          <a:p>
-            <a:pPr lvl="5" indent="0" marL="2286000">
-              <a:buNone/>
-            </a:pPr>
-            <a:r>
-              <a:rPr/>
-              <a:t>0.680</a:t>
-            </a:r>
-          </a:p>
-          <a:p>
-            <a:pPr lvl="5" indent="0" marL="2286000">
-              <a:buNone/>
-            </a:pPr>
-            <a:r>
-              <a:rPr/>
-              <a:t>0.002</a:t>
-            </a:r>
-          </a:p>
-          <a:p>
-            <a:pPr lvl="5" indent="0" marL="2286000">
-              <a:buNone/>
-            </a:pPr>
-            <a:r>
-              <a:rPr/>
-              <a:t>0.381</a:t>
-            </a:r>
-          </a:p>
-          <a:p>
-            <a:pPr lvl="5" indent="0" marL="2286000">
-              <a:buNone/>
-            </a:pPr>
-            <a:r>
-              <a:rPr/>
-              <a:t>0.031</a:t>
-            </a:r>
-          </a:p>
-          <a:p>
-            <a:pPr lvl="5" indent="0" marL="2286000">
-              <a:buNone/>
-            </a:pPr>
-            <a:r>
-              <a:rPr/>
-              <a:t>B = D</a:t>
-            </a:r>
-          </a:p>
-          <a:p>
-            <a:pPr lvl="5" indent="0" marL="2286000">
-              <a:buNone/>
-            </a:pPr>
-            <a:r>
-              <a:rPr/>
-              <a:t>0.141</a:t>
-            </a:r>
-          </a:p>
-          <a:p>
-            <a:pPr lvl="5" indent="0" marL="2286000">
-              <a:buNone/>
-            </a:pPr>
-            <a:r>
-              <a:rPr/>
-              <a:t>0.377</a:t>
-            </a:r>
-          </a:p>
-          <a:p>
-            <a:pPr lvl="5" indent="0" marL="2286000">
-              <a:buNone/>
-            </a:pPr>
-            <a:r>
-              <a:rPr/>
-              <a:t>0.193</a:t>
-            </a:r>
-          </a:p>
-          <a:p>
-            <a:pPr lvl="5" indent="0" marL="2286000">
-              <a:buNone/>
-            </a:pPr>
-            <a:r>
-              <a:rPr/>
-              <a:t>0.630</a:t>
-            </a:r>
-          </a:p>
-          <a:p>
-            <a:pPr lvl="5" indent="0" marL="2286000">
-              <a:buNone/>
-            </a:pPr>
-            <a:r>
-              <a:rPr/>
-              <a:t>0.072</a:t>
-            </a:r>
-          </a:p>
-          <a:p>
-            <a:pPr lvl="5" indent="0" marL="2286000">
-              <a:buNone/>
-            </a:pPr>
-            <a:r>
-              <a:rPr/>
-              <a:t>C = D</a:t>
-            </a:r>
-          </a:p>
-          <a:p>
-            <a:pPr lvl="5" indent="0" marL="2286000">
-              <a:buNone/>
-            </a:pPr>
-            <a:r>
-              <a:rPr/>
-              <a:t>0.572</a:t>
-            </a:r>
-          </a:p>
-          <a:p>
-            <a:pPr lvl="5" indent="0" marL="2286000">
-              <a:buNone/>
-            </a:pPr>
-            <a:r>
-              <a:rPr/>
-              <a:t>0.148</a:t>
-            </a:r>
-          </a:p>
-          <a:p>
-            <a:pPr lvl="5" indent="0" marL="2286000">
-              <a:buNone/>
-            </a:pPr>
-            <a:r>
-              <a:rPr/>
-              <a:t>0.037</a:t>
-            </a:r>
-          </a:p>
-          <a:p>
-            <a:pPr lvl="5" indent="0" marL="2286000">
-              <a:buNone/>
-            </a:pPr>
-            <a:r>
-              <a:rPr/>
-              <a:t>0.096</a:t>
-            </a:r>
-          </a:p>
-          <a:p>
-            <a:pPr lvl="5" indent="0" marL="2286000">
-              <a:buNone/>
-            </a:pPr>
-            <a:r>
-              <a:rPr/>
-              <a:t>0.887</a:t>
-            </a:r>
-          </a:p>
-          <a:p>
-            <a:pPr lvl="5" indent="0" marL="2286000">
-              <a:buNone/>
-            </a:pPr>
-            <a:r>
-              <a:rPr/>
-              <a:t> * p &lt; 0.1, ** p &lt; 0.05, *** p &lt; 0.01</a:t>
-            </a:r>
-          </a:p>
-        </p:txBody>
-      </p:sp>
+      <p:pic>
+        <p:nvPicPr>
+          <p:cNvPr descr="C:\Users\vge00\AppData\Local\Temp\RtmpsJoy65\file2bc42e04b3e.png" id="0" name="Picture 1"/>
+          <p:cNvPicPr>
+            <a:picLocks noGrp="1" noChangeAspect="1"/>
+          </p:cNvPicPr>
+          <p:nvPr/>
+        </p:nvPicPr>
+        <p:blipFill>
+          <a:blip r:embed="rId2"/>
+          <a:stretch>
+            <a:fillRect/>
+          </a:stretch>
+        </p:blipFill>
+        <p:spPr bwMode="auto">
+          <a:xfrm>
+            <a:off x="4394200" y="1308100"/>
+            <a:ext cx="3378200" cy="4864100"/>
+          </a:xfrm>
+          <a:prstGeom prst="rect">
+            <a:avLst/>
+          </a:prstGeom>
+          <a:noFill/>
+          <a:ln w="9525">
+            <a:noFill/>
+            <a:headEnd/>
+            <a:tailEnd/>
+          </a:ln>
+        </p:spPr>
+      </p:pic>
     </p:spTree>
   </p:cSld>
 </p:sld>
@@ -6951,667 +5570,36 @@
           </a:p>
         </p:txBody>
       </p:sp>
-      <p:sp>
-        <p:nvSpPr>
-          <p:cNvPr id="3" name="コンテンツ プレースホルダー 2">
-            <a:extLst>
-              <a:ext uri="{FF2B5EF4-FFF2-40B4-BE49-F238E27FC236}">
-                <a16:creationId xmlns:a16="http://schemas.microsoft.com/office/drawing/2014/main" id="{29CB1BB5-CF30-D8DC-0EA9-79805907379B}"/>
-              </a:ext>
-            </a:extLst>
-          </p:cNvPr>
-          <p:cNvSpPr>
-            <a:spLocks noGrp="1"/>
-          </p:cNvSpPr>
-          <p:nvPr>
-            <p:ph idx="1"/>
-          </p:nvPr>
-        </p:nvSpPr>
-        <p:spPr/>
-        <p:txBody>
-          <a:bodyPr/>
-          <a:lstStyle/>
-          <a:p>
-            <a:pPr lvl="0" indent="0" marL="0">
-              <a:buNone/>
-            </a:pPr>
-            <a:r>
-              <a:rPr/>
-              <a:t>Reply within specific day with positive intention</a:t>
-            </a:r>
-          </a:p>
-          <a:p>
-            <a:pPr lvl="0" indent="0" marL="0">
-              <a:buNone/>
-            </a:pPr>
-            <a:r>
-              <a:rPr/>
-              <a:t>Positive intention</a:t>
-            </a:r>
-          </a:p>
-          <a:p>
-            <a:pPr lvl="0" indent="0" marL="0">
-              <a:buNone/>
-            </a:pPr>
-            <a:r>
-              <a:rPr/>
-              <a:t>5 days</a:t>
-            </a:r>
-          </a:p>
-          <a:p>
-            <a:pPr lvl="0" indent="0" marL="0">
-              <a:buNone/>
-            </a:pPr>
-            <a:r>
-              <a:rPr/>
-              <a:t>10 days</a:t>
-            </a:r>
-          </a:p>
-          <a:p>
-            <a:pPr lvl="0" indent="0" marL="0">
-              <a:buNone/>
-            </a:pPr>
-            <a:r>
-              <a:rPr/>
-              <a:t>20 days</a:t>
-            </a:r>
-          </a:p>
-          <a:p>
-            <a:pPr lvl="0" indent="0" marL="0">
-              <a:buNone/>
-            </a:pPr>
-            <a:r>
-              <a:rPr/>
-              <a:t>30 days</a:t>
-            </a:r>
-          </a:p>
-          <a:p>
-            <a:pPr lvl="5" indent="0" marL="2286000">
-              <a:buNone/>
-            </a:pPr>
-            <a:r>
-              <a:rPr/>
-              <a:t>B</a:t>
-            </a:r>
-          </a:p>
-          <a:p>
-            <a:pPr lvl="5" indent="0" marL="2286000">
-              <a:buNone/>
-            </a:pPr>
-            <a:r>
-              <a:rPr/>
-              <a:t>0.020</a:t>
-            </a:r>
-          </a:p>
-          <a:p>
-            <a:pPr lvl="5" indent="0" marL="2286000">
-              <a:buNone/>
-            </a:pPr>
-            <a:r>
-              <a:rPr/>
-              <a:t>0.013</a:t>
-            </a:r>
-          </a:p>
-          <a:p>
-            <a:pPr lvl="5" indent="0" marL="2286000">
-              <a:buNone/>
-            </a:pPr>
-            <a:r>
-              <a:rPr/>
-              <a:t>－0.020*</a:t>
-            </a:r>
-          </a:p>
-          <a:p>
-            <a:pPr lvl="5" indent="0" marL="2286000">
-              <a:buNone/>
-            </a:pPr>
-            <a:r>
-              <a:rPr/>
-              <a:t>0.021</a:t>
-            </a:r>
-          </a:p>
-          <a:p>
-            <a:pPr lvl="5" indent="0" marL="2286000">
-              <a:buNone/>
-            </a:pPr>
-            <a:r>
-              <a:rPr/>
-              <a:t>0.021</a:t>
-            </a:r>
-          </a:p>
-          <a:p>
-            <a:pPr lvl="5" indent="0" marL="2286000">
-              <a:buNone/>
-            </a:pPr>
-            <a:r>
-              <a:rPr/>
-              <a:t>(0.012)</a:t>
-            </a:r>
-          </a:p>
-          <a:p>
-            <a:pPr lvl="5" indent="0" marL="2286000">
-              <a:buNone/>
-            </a:pPr>
-            <a:r>
-              <a:rPr/>
-              <a:t>(0.009)</a:t>
-            </a:r>
-          </a:p>
-          <a:p>
-            <a:pPr lvl="5" indent="0" marL="2286000">
-              <a:buNone/>
-            </a:pPr>
-            <a:r>
-              <a:rPr/>
-              <a:t>(0.010)</a:t>
-            </a:r>
-          </a:p>
-          <a:p>
-            <a:pPr lvl="5" indent="0" marL="2286000">
-              <a:buNone/>
-            </a:pPr>
-            <a:r>
-              <a:rPr/>
-              <a:t>(0.013)</a:t>
-            </a:r>
-          </a:p>
-          <a:p>
-            <a:pPr lvl="5" indent="0" marL="2286000">
-              <a:buNone/>
-            </a:pPr>
-            <a:r>
-              <a:rPr/>
-              <a:t>(0.012)</a:t>
-            </a:r>
-          </a:p>
-          <a:p>
-            <a:pPr lvl="5" indent="0" marL="2286000">
-              <a:buNone/>
-            </a:pPr>
-            <a:r>
-              <a:rPr/>
-              <a:t>C</a:t>
-            </a:r>
-          </a:p>
-          <a:p>
-            <a:pPr lvl="5" indent="0" marL="2286000">
-              <a:buNone/>
-            </a:pPr>
-            <a:r>
-              <a:rPr/>
-              <a:t>－0.003</a:t>
-            </a:r>
-          </a:p>
-          <a:p>
-            <a:pPr lvl="5" indent="0" marL="2286000">
-              <a:buNone/>
-            </a:pPr>
-            <a:r>
-              <a:rPr/>
-              <a:t>0.004</a:t>
-            </a:r>
-          </a:p>
-          <a:p>
-            <a:pPr lvl="5" indent="0" marL="2286000">
-              <a:buNone/>
-            </a:pPr>
-            <a:r>
-              <a:rPr/>
-              <a:t>0.004</a:t>
-            </a:r>
-          </a:p>
-          <a:p>
-            <a:pPr lvl="5" indent="0" marL="2286000">
-              <a:buNone/>
-            </a:pPr>
-            <a:r>
-              <a:rPr/>
-              <a:t>－0.003</a:t>
-            </a:r>
-          </a:p>
-          <a:p>
-            <a:pPr lvl="5" indent="0" marL="2286000">
-              <a:buNone/>
-            </a:pPr>
-            <a:r>
-              <a:rPr/>
-              <a:t>－0.003</a:t>
-            </a:r>
-          </a:p>
-          <a:p>
-            <a:pPr lvl="5" indent="0" marL="2286000">
-              <a:buNone/>
-            </a:pPr>
-            <a:r>
-              <a:rPr/>
-              <a:t>(0.011)</a:t>
-            </a:r>
-          </a:p>
-          <a:p>
-            <a:pPr lvl="5" indent="0" marL="2286000">
-              <a:buNone/>
-            </a:pPr>
-            <a:r>
-              <a:rPr/>
-              <a:t>(0.009)</a:t>
-            </a:r>
-          </a:p>
-          <a:p>
-            <a:pPr lvl="5" indent="0" marL="2286000">
-              <a:buNone/>
-            </a:pPr>
-            <a:r>
-              <a:rPr/>
-              <a:t>(0.015)</a:t>
-            </a:r>
-          </a:p>
-          <a:p>
-            <a:pPr lvl="5" indent="0" marL="2286000">
-              <a:buNone/>
-            </a:pPr>
-            <a:r>
-              <a:rPr/>
-              <a:t>(0.011)</a:t>
-            </a:r>
-          </a:p>
-          <a:p>
-            <a:pPr lvl="5" indent="0" marL="2286000">
-              <a:buNone/>
-            </a:pPr>
-            <a:r>
-              <a:rPr/>
-              <a:t>(0.011)</a:t>
-            </a:r>
-          </a:p>
-          <a:p>
-            <a:pPr lvl="5" indent="0" marL="2286000">
-              <a:buNone/>
-            </a:pPr>
-            <a:r>
-              <a:rPr/>
-              <a:t>D</a:t>
-            </a:r>
-          </a:p>
-          <a:p>
-            <a:pPr lvl="5" indent="0" marL="2286000">
-              <a:buNone/>
-            </a:pPr>
-            <a:r>
-              <a:rPr/>
-              <a:t>0.006</a:t>
-            </a:r>
-          </a:p>
-          <a:p>
-            <a:pPr lvl="5" indent="0" marL="2286000">
-              <a:buNone/>
-            </a:pPr>
-            <a:r>
-              <a:rPr/>
-              <a:t>0.016</a:t>
-            </a:r>
-          </a:p>
-          <a:p>
-            <a:pPr lvl="5" indent="0" marL="2286000">
-              <a:buNone/>
-            </a:pPr>
-            <a:r>
-              <a:rPr/>
-              <a:t>－0.017</a:t>
-            </a:r>
-          </a:p>
-          <a:p>
-            <a:pPr lvl="5" indent="0" marL="2286000">
-              <a:buNone/>
-            </a:pPr>
-            <a:r>
-              <a:rPr/>
-              <a:t>0.013</a:t>
-            </a:r>
-          </a:p>
-          <a:p>
-            <a:pPr lvl="5" indent="0" marL="2286000">
-              <a:buNone/>
-            </a:pPr>
-            <a:r>
-              <a:rPr/>
-              <a:t>0.007</a:t>
-            </a:r>
-          </a:p>
-          <a:p>
-            <a:pPr lvl="5" indent="0" marL="2286000">
-              <a:buNone/>
-            </a:pPr>
-            <a:r>
-              <a:rPr/>
-              <a:t>(0.010)</a:t>
-            </a:r>
-          </a:p>
-          <a:p>
-            <a:pPr lvl="5" indent="0" marL="2286000">
-              <a:buNone/>
-            </a:pPr>
-            <a:r>
-              <a:rPr/>
-              <a:t>(0.010)</a:t>
-            </a:r>
-          </a:p>
-          <a:p>
-            <a:pPr lvl="5" indent="0" marL="2286000">
-              <a:buNone/>
-            </a:pPr>
-            <a:r>
-              <a:rPr/>
-              <a:t>(0.011)</a:t>
-            </a:r>
-          </a:p>
-          <a:p>
-            <a:pPr lvl="5" indent="0" marL="2286000">
-              <a:buNone/>
-            </a:pPr>
-            <a:r>
-              <a:rPr/>
-              <a:t>(0.011)</a:t>
-            </a:r>
-          </a:p>
-          <a:p>
-            <a:pPr lvl="5" indent="0" marL="2286000">
-              <a:buNone/>
-            </a:pPr>
-            <a:r>
-              <a:rPr/>
-              <a:t>(0.010)</a:t>
-            </a:r>
-          </a:p>
-          <a:p>
-            <a:pPr lvl="5" indent="0" marL="2286000">
-              <a:buNone/>
-            </a:pPr>
-            <a:r>
-              <a:rPr/>
-              <a:t>Num.Obs.</a:t>
-            </a:r>
-          </a:p>
-          <a:p>
-            <a:pPr lvl="5" indent="0" marL="2286000">
-              <a:buNone/>
-            </a:pPr>
-            <a:r>
-              <a:rPr/>
-              <a:t>10985</a:t>
-            </a:r>
-          </a:p>
-          <a:p>
-            <a:pPr lvl="5" indent="0" marL="2286000">
-              <a:buNone/>
-            </a:pPr>
-            <a:r>
-              <a:rPr/>
-              <a:t>10985</a:t>
-            </a:r>
-          </a:p>
-          <a:p>
-            <a:pPr lvl="5" indent="0" marL="2286000">
-              <a:buNone/>
-            </a:pPr>
-            <a:r>
-              <a:rPr/>
-              <a:t>10985</a:t>
-            </a:r>
-          </a:p>
-          <a:p>
-            <a:pPr lvl="5" indent="0" marL="2286000">
-              <a:buNone/>
-            </a:pPr>
-            <a:r>
-              <a:rPr/>
-              <a:t>10985</a:t>
-            </a:r>
-          </a:p>
-          <a:p>
-            <a:pPr lvl="5" indent="0" marL="2286000">
-              <a:buNone/>
-            </a:pPr>
-            <a:r>
-              <a:rPr/>
-              <a:t>10985</a:t>
-            </a:r>
-          </a:p>
-          <a:p>
-            <a:pPr lvl="5" indent="0" marL="2286000">
-              <a:buNone/>
-            </a:pPr>
-            <a:r>
-              <a:rPr/>
-              <a:t>Control Avg.</a:t>
-            </a:r>
-          </a:p>
-          <a:p>
-            <a:pPr lvl="5" indent="0" marL="2286000">
-              <a:buNone/>
-            </a:pPr>
-            <a:r>
-              <a:rPr/>
-              <a:t>0.553</a:t>
-            </a:r>
-          </a:p>
-          <a:p>
-            <a:pPr lvl="5" indent="0" marL="2286000">
-              <a:buNone/>
-            </a:pPr>
-            <a:r>
-              <a:rPr/>
-              <a:t>0.060</a:t>
-            </a:r>
-          </a:p>
-          <a:p>
-            <a:pPr lvl="5" indent="0" marL="2286000">
-              <a:buNone/>
-            </a:pPr>
-            <a:r>
-              <a:rPr/>
-              <a:t>0.384</a:t>
-            </a:r>
-          </a:p>
-          <a:p>
-            <a:pPr lvl="5" indent="0" marL="2286000">
-              <a:buNone/>
-            </a:pPr>
-            <a:r>
-              <a:rPr/>
-              <a:t>0.532</a:t>
-            </a:r>
-          </a:p>
-          <a:p>
-            <a:pPr lvl="5" indent="0" marL="2286000">
-              <a:buNone/>
-            </a:pPr>
-            <a:r>
-              <a:rPr/>
-              <a:t>0.550</a:t>
-            </a:r>
-          </a:p>
-          <a:p>
-            <a:pPr lvl="5" indent="0" marL="2286000">
-              <a:buNone/>
-            </a:pPr>
-            <a:r>
-              <a:rPr/>
-              <a:t>F-tests, p-value</a:t>
-            </a:r>
-          </a:p>
-          <a:p>
-            <a:pPr lvl="5" indent="0" marL="2286000">
-              <a:buNone/>
-            </a:pPr>
-            <a:r>
-              <a:rPr/>
-              <a:t>B = C</a:t>
-            </a:r>
-          </a:p>
-          <a:p>
-            <a:pPr lvl="5" indent="0" marL="2286000">
-              <a:buNone/>
-            </a:pPr>
-            <a:r>
-              <a:rPr/>
-              <a:t>0.011</a:t>
-            </a:r>
-          </a:p>
-          <a:p>
-            <a:pPr lvl="5" indent="0" marL="2286000">
-              <a:buNone/>
-            </a:pPr>
-            <a:r>
-              <a:rPr/>
-              <a:t>0.229</a:t>
-            </a:r>
-          </a:p>
-          <a:p>
-            <a:pPr lvl="5" indent="0" marL="2286000">
-              <a:buNone/>
-            </a:pPr>
-            <a:r>
-              <a:rPr/>
-              <a:t>0.088</a:t>
-            </a:r>
-          </a:p>
-          <a:p>
-            <a:pPr lvl="5" indent="0" marL="2286000">
-              <a:buNone/>
-            </a:pPr>
-            <a:r>
-              <a:rPr/>
-              <a:t>0.014</a:t>
-            </a:r>
-          </a:p>
-          <a:p>
-            <a:pPr lvl="5" indent="0" marL="2286000">
-              <a:buNone/>
-            </a:pPr>
-            <a:r>
-              <a:rPr/>
-              <a:t>0.007</a:t>
-            </a:r>
-          </a:p>
-          <a:p>
-            <a:pPr lvl="5" indent="0" marL="2286000">
-              <a:buNone/>
-            </a:pPr>
-            <a:r>
-              <a:rPr/>
-              <a:t>B = D</a:t>
-            </a:r>
-          </a:p>
-          <a:p>
-            <a:pPr lvl="5" indent="0" marL="2286000">
-              <a:buNone/>
-            </a:pPr>
-            <a:r>
-              <a:rPr/>
-              <a:t>0.068</a:t>
-            </a:r>
-          </a:p>
-          <a:p>
-            <a:pPr lvl="5" indent="0" marL="2286000">
-              <a:buNone/>
-            </a:pPr>
-            <a:r>
-              <a:rPr/>
-              <a:t>0.775</a:t>
-            </a:r>
-          </a:p>
-          <a:p>
-            <a:pPr lvl="5" indent="0" marL="2286000">
-              <a:buNone/>
-            </a:pPr>
-            <a:r>
-              <a:rPr/>
-              <a:t>0.698</a:t>
-            </a:r>
-          </a:p>
-          <a:p>
-            <a:pPr lvl="5" indent="0" marL="2286000">
-              <a:buNone/>
-            </a:pPr>
-            <a:r>
-              <a:rPr/>
-              <a:t>0.388</a:t>
-            </a:r>
-          </a:p>
-          <a:p>
-            <a:pPr lvl="5" indent="0" marL="2286000">
-              <a:buNone/>
-            </a:pPr>
-            <a:r>
-              <a:rPr/>
-              <a:t>0.075</a:t>
-            </a:r>
-          </a:p>
-          <a:p>
-            <a:pPr lvl="5" indent="0" marL="2286000">
-              <a:buNone/>
-            </a:pPr>
-            <a:r>
-              <a:rPr/>
-              <a:t>C = D</a:t>
-            </a:r>
-          </a:p>
-          <a:p>
-            <a:pPr lvl="5" indent="0" marL="2286000">
-              <a:buNone/>
-            </a:pPr>
-            <a:r>
-              <a:rPr/>
-              <a:t>0.267</a:t>
-            </a:r>
-          </a:p>
-          <a:p>
-            <a:pPr lvl="5" indent="0" marL="2286000">
-              <a:buNone/>
-            </a:pPr>
-            <a:r>
-              <a:rPr/>
-              <a:t>0.146</a:t>
-            </a:r>
-          </a:p>
-          <a:p>
-            <a:pPr lvl="5" indent="0" marL="2286000">
-              <a:buNone/>
-            </a:pPr>
-            <a:r>
-              <a:rPr/>
-              <a:t>0.121</a:t>
-            </a:r>
-          </a:p>
-          <a:p>
-            <a:pPr lvl="5" indent="0" marL="2286000">
-              <a:buNone/>
-            </a:pPr>
-            <a:r>
-              <a:rPr/>
-              <a:t>0.039</a:t>
-            </a:r>
-          </a:p>
-          <a:p>
-            <a:pPr lvl="5" indent="0" marL="2286000">
-              <a:buNone/>
-            </a:pPr>
-            <a:r>
-              <a:rPr/>
-              <a:t>0.156</a:t>
-            </a:r>
-          </a:p>
-          <a:p>
-            <a:pPr lvl="5" indent="0" marL="2286000">
-              <a:buNone/>
-            </a:pPr>
-            <a:r>
-              <a:rPr/>
-              <a:t> * p &lt; 0.1, ** p &lt; 0.05, *** p &lt; 0.01</a:t>
-            </a:r>
-          </a:p>
-        </p:txBody>
-      </p:sp>
+      <p:pic>
+        <p:nvPicPr>
+          <p:cNvPr descr="C:\Users\vge00\AppData\Local\Temp\RtmpsJoy65\file2bc44e172136.png" id="0" name="Picture 1"/>
+          <p:cNvPicPr>
+            <a:picLocks noGrp="1" noChangeAspect="1"/>
+          </p:cNvPicPr>
+          <p:nvPr/>
+        </p:nvPicPr>
+        <p:blipFill>
+          <a:blip r:embed="rId2"/>
+          <a:stretch>
+            <a:fillRect/>
+          </a:stretch>
+        </p:blipFill>
+        <p:spPr bwMode="auto">
+          <a:xfrm>
+            <a:off x="4267200" y="1308100"/>
+            <a:ext cx="3644900" cy="4864100"/>
+          </a:xfrm>
+          <a:prstGeom prst="rect">
+            <a:avLst/>
+          </a:prstGeom>
+          <a:noFill/>
+          <a:ln w="9525">
+            <a:noFill/>
+            <a:headEnd/>
+            <a:tailEnd/>
+          </a:ln>
+        </p:spPr>
+      </p:pic>
     </p:spTree>
   </p:cSld>
 </p:sld>
@@ -7670,667 +5658,36 @@
           </a:p>
         </p:txBody>
       </p:sp>
-      <p:sp>
-        <p:nvSpPr>
-          <p:cNvPr id="3" name="コンテンツ プレースホルダー 2">
-            <a:extLst>
-              <a:ext uri="{FF2B5EF4-FFF2-40B4-BE49-F238E27FC236}">
-                <a16:creationId xmlns:a16="http://schemas.microsoft.com/office/drawing/2014/main" id="{29CB1BB5-CF30-D8DC-0EA9-79805907379B}"/>
-              </a:ext>
-            </a:extLst>
-          </p:cNvPr>
-          <p:cNvSpPr>
-            <a:spLocks noGrp="1"/>
-          </p:cNvSpPr>
-          <p:nvPr>
-            <p:ph idx="1"/>
-          </p:nvPr>
-        </p:nvSpPr>
-        <p:spPr/>
-        <p:txBody>
-          <a:bodyPr/>
-          <a:lstStyle/>
-          <a:p>
-            <a:pPr lvl="0" indent="0" marL="0">
-              <a:buNone/>
-            </a:pPr>
-            <a:r>
-              <a:rPr/>
-              <a:t>Reply within specific day with negative intention</a:t>
-            </a:r>
-          </a:p>
-          <a:p>
-            <a:pPr lvl="0" indent="0" marL="0">
-              <a:buNone/>
-            </a:pPr>
-            <a:r>
-              <a:rPr/>
-              <a:t>Negative intention</a:t>
-            </a:r>
-          </a:p>
-          <a:p>
-            <a:pPr lvl="0" indent="0" marL="0">
-              <a:buNone/>
-            </a:pPr>
-            <a:r>
-              <a:rPr/>
-              <a:t>5 days</a:t>
-            </a:r>
-          </a:p>
-          <a:p>
-            <a:pPr lvl="0" indent="0" marL="0">
-              <a:buNone/>
-            </a:pPr>
-            <a:r>
-              <a:rPr/>
-              <a:t>10 days</a:t>
-            </a:r>
-          </a:p>
-          <a:p>
-            <a:pPr lvl="0" indent="0" marL="0">
-              <a:buNone/>
-            </a:pPr>
-            <a:r>
-              <a:rPr/>
-              <a:t>20 days</a:t>
-            </a:r>
-          </a:p>
-          <a:p>
-            <a:pPr lvl="0" indent="0" marL="0">
-              <a:buNone/>
-            </a:pPr>
-            <a:r>
-              <a:rPr/>
-              <a:t>30 days</a:t>
-            </a:r>
-          </a:p>
-          <a:p>
-            <a:pPr lvl="5" indent="0" marL="2286000">
-              <a:buNone/>
-            </a:pPr>
-            <a:r>
-              <a:rPr/>
-              <a:t>B</a:t>
-            </a:r>
-          </a:p>
-          <a:p>
-            <a:pPr lvl="5" indent="0" marL="2286000">
-              <a:buNone/>
-            </a:pPr>
-            <a:r>
-              <a:rPr/>
-              <a:t>－0.006</a:t>
-            </a:r>
-          </a:p>
-          <a:p>
-            <a:pPr lvl="5" indent="0" marL="2286000">
-              <a:buNone/>
-            </a:pPr>
-            <a:r>
-              <a:rPr/>
-              <a:t>－0.008*</a:t>
-            </a:r>
-          </a:p>
-          <a:p>
-            <a:pPr lvl="5" indent="0" marL="2286000">
-              <a:buNone/>
-            </a:pPr>
-            <a:r>
-              <a:rPr/>
-              <a:t>－0.028***</a:t>
-            </a:r>
-          </a:p>
-          <a:p>
-            <a:pPr lvl="5" indent="0" marL="2286000">
-              <a:buNone/>
-            </a:pPr>
-            <a:r>
-              <a:rPr/>
-              <a:t>－0.008</a:t>
-            </a:r>
-          </a:p>
-          <a:p>
-            <a:pPr lvl="5" indent="0" marL="2286000">
-              <a:buNone/>
-            </a:pPr>
-            <a:r>
-              <a:rPr/>
-              <a:t>－0.005</a:t>
-            </a:r>
-          </a:p>
-          <a:p>
-            <a:pPr lvl="5" indent="0" marL="2286000">
-              <a:buNone/>
-            </a:pPr>
-            <a:r>
-              <a:rPr/>
-              <a:t>(0.008)</a:t>
-            </a:r>
-          </a:p>
-          <a:p>
-            <a:pPr lvl="5" indent="0" marL="2286000">
-              <a:buNone/>
-            </a:pPr>
-            <a:r>
-              <a:rPr/>
-              <a:t>(0.005)</a:t>
-            </a:r>
-          </a:p>
-          <a:p>
-            <a:pPr lvl="5" indent="0" marL="2286000">
-              <a:buNone/>
-            </a:pPr>
-            <a:r>
-              <a:rPr/>
-              <a:t>(0.008)</a:t>
-            </a:r>
-          </a:p>
-          <a:p>
-            <a:pPr lvl="5" indent="0" marL="2286000">
-              <a:buNone/>
-            </a:pPr>
-            <a:r>
-              <a:rPr/>
-              <a:t>(0.007)</a:t>
-            </a:r>
-          </a:p>
-          <a:p>
-            <a:pPr lvl="5" indent="0" marL="2286000">
-              <a:buNone/>
-            </a:pPr>
-            <a:r>
-              <a:rPr/>
-              <a:t>(0.007)</a:t>
-            </a:r>
-          </a:p>
-          <a:p>
-            <a:pPr lvl="5" indent="0" marL="2286000">
-              <a:buNone/>
-            </a:pPr>
-            <a:r>
-              <a:rPr/>
-              <a:t>C</a:t>
-            </a:r>
-          </a:p>
-          <a:p>
-            <a:pPr lvl="5" indent="0" marL="2286000">
-              <a:buNone/>
-            </a:pPr>
-            <a:r>
-              <a:rPr/>
-              <a:t>0.006</a:t>
-            </a:r>
-          </a:p>
-          <a:p>
-            <a:pPr lvl="5" indent="0" marL="2286000">
-              <a:buNone/>
-            </a:pPr>
-            <a:r>
-              <a:rPr/>
-              <a:t>－0.002</a:t>
-            </a:r>
-          </a:p>
-          <a:p>
-            <a:pPr lvl="5" indent="0" marL="2286000">
-              <a:buNone/>
-            </a:pPr>
-            <a:r>
-              <a:rPr/>
-              <a:t>－0.002</a:t>
-            </a:r>
-          </a:p>
-          <a:p>
-            <a:pPr lvl="5" indent="0" marL="2286000">
-              <a:buNone/>
-            </a:pPr>
-            <a:r>
-              <a:rPr/>
-              <a:t>0.010</a:t>
-            </a:r>
-          </a:p>
-          <a:p>
-            <a:pPr lvl="5" indent="0" marL="2286000">
-              <a:buNone/>
-            </a:pPr>
-            <a:r>
-              <a:rPr/>
-              <a:t>0.009</a:t>
-            </a:r>
-          </a:p>
-          <a:p>
-            <a:pPr lvl="5" indent="0" marL="2286000">
-              <a:buNone/>
-            </a:pPr>
-            <a:r>
-              <a:rPr/>
-              <a:t>(0.010)</a:t>
-            </a:r>
-          </a:p>
-          <a:p>
-            <a:pPr lvl="5" indent="0" marL="2286000">
-              <a:buNone/>
-            </a:pPr>
-            <a:r>
-              <a:rPr/>
-              <a:t>(0.005)</a:t>
-            </a:r>
-          </a:p>
-          <a:p>
-            <a:pPr lvl="5" indent="0" marL="2286000">
-              <a:buNone/>
-            </a:pPr>
-            <a:r>
-              <a:rPr/>
-              <a:t>(0.009)</a:t>
-            </a:r>
-          </a:p>
-          <a:p>
-            <a:pPr lvl="5" indent="0" marL="2286000">
-              <a:buNone/>
-            </a:pPr>
-            <a:r>
-              <a:rPr/>
-              <a:t>(0.007)</a:t>
-            </a:r>
-          </a:p>
-          <a:p>
-            <a:pPr lvl="5" indent="0" marL="2286000">
-              <a:buNone/>
-            </a:pPr>
-            <a:r>
-              <a:rPr/>
-              <a:t>(0.009)</a:t>
-            </a:r>
-          </a:p>
-          <a:p>
-            <a:pPr lvl="5" indent="0" marL="2286000">
-              <a:buNone/>
-            </a:pPr>
-            <a:r>
-              <a:rPr/>
-              <a:t>D</a:t>
-            </a:r>
-          </a:p>
-          <a:p>
-            <a:pPr lvl="5" indent="0" marL="2286000">
-              <a:buNone/>
-            </a:pPr>
-            <a:r>
-              <a:rPr/>
-              <a:t>0.000</a:t>
-            </a:r>
-          </a:p>
-          <a:p>
-            <a:pPr lvl="5" indent="0" marL="2286000">
-              <a:buNone/>
-            </a:pPr>
-            <a:r>
-              <a:rPr/>
-              <a:t>－0.003</a:t>
-            </a:r>
-          </a:p>
-          <a:p>
-            <a:pPr lvl="5" indent="0" marL="2286000">
-              <a:buNone/>
-            </a:pPr>
-            <a:r>
-              <a:rPr/>
-              <a:t>－0.013*</a:t>
-            </a:r>
-          </a:p>
-          <a:p>
-            <a:pPr lvl="5" indent="0" marL="2286000">
-              <a:buNone/>
-            </a:pPr>
-            <a:r>
-              <a:rPr/>
-              <a:t>0.003</a:t>
-            </a:r>
-          </a:p>
-          <a:p>
-            <a:pPr lvl="5" indent="0" marL="2286000">
-              <a:buNone/>
-            </a:pPr>
-            <a:r>
-              <a:rPr/>
-              <a:t>－0.001</a:t>
-            </a:r>
-          </a:p>
-          <a:p>
-            <a:pPr lvl="5" indent="0" marL="2286000">
-              <a:buNone/>
-            </a:pPr>
-            <a:r>
-              <a:rPr/>
-              <a:t>(0.007)</a:t>
-            </a:r>
-          </a:p>
-          <a:p>
-            <a:pPr lvl="5" indent="0" marL="2286000">
-              <a:buNone/>
-            </a:pPr>
-            <a:r>
-              <a:rPr/>
-              <a:t>(0.005)</a:t>
-            </a:r>
-          </a:p>
-          <a:p>
-            <a:pPr lvl="5" indent="0" marL="2286000">
-              <a:buNone/>
-            </a:pPr>
-            <a:r>
-              <a:rPr/>
-              <a:t>(0.007)</a:t>
-            </a:r>
-          </a:p>
-          <a:p>
-            <a:pPr lvl="5" indent="0" marL="2286000">
-              <a:buNone/>
-            </a:pPr>
-            <a:r>
-              <a:rPr/>
-              <a:t>(0.007)</a:t>
-            </a:r>
-          </a:p>
-          <a:p>
-            <a:pPr lvl="5" indent="0" marL="2286000">
-              <a:buNone/>
-            </a:pPr>
-            <a:r>
-              <a:rPr/>
-              <a:t>(0.007)</a:t>
-            </a:r>
-          </a:p>
-          <a:p>
-            <a:pPr lvl="5" indent="0" marL="2286000">
-              <a:buNone/>
-            </a:pPr>
-            <a:r>
-              <a:rPr/>
-              <a:t>Num.Obs.</a:t>
-            </a:r>
-          </a:p>
-          <a:p>
-            <a:pPr lvl="5" indent="0" marL="2286000">
-              <a:buNone/>
-            </a:pPr>
-            <a:r>
-              <a:rPr/>
-              <a:t>10985</a:t>
-            </a:r>
-          </a:p>
-          <a:p>
-            <a:pPr lvl="5" indent="0" marL="2286000">
-              <a:buNone/>
-            </a:pPr>
-            <a:r>
-              <a:rPr/>
-              <a:t>10985</a:t>
-            </a:r>
-          </a:p>
-          <a:p>
-            <a:pPr lvl="5" indent="0" marL="2286000">
-              <a:buNone/>
-            </a:pPr>
-            <a:r>
-              <a:rPr/>
-              <a:t>10985</a:t>
-            </a:r>
-          </a:p>
-          <a:p>
-            <a:pPr lvl="5" indent="0" marL="2286000">
-              <a:buNone/>
-            </a:pPr>
-            <a:r>
-              <a:rPr/>
-              <a:t>10985</a:t>
-            </a:r>
-          </a:p>
-          <a:p>
-            <a:pPr lvl="5" indent="0" marL="2286000">
-              <a:buNone/>
-            </a:pPr>
-            <a:r>
-              <a:rPr/>
-              <a:t>10985</a:t>
-            </a:r>
-          </a:p>
-          <a:p>
-            <a:pPr lvl="5" indent="0" marL="2286000">
-              <a:buNone/>
-            </a:pPr>
-            <a:r>
-              <a:rPr/>
-              <a:t>Control Avg.</a:t>
-            </a:r>
-          </a:p>
-          <a:p>
-            <a:pPr lvl="5" indent="0" marL="2286000">
-              <a:buNone/>
-            </a:pPr>
-            <a:r>
-              <a:rPr/>
-              <a:t>0.330</a:t>
-            </a:r>
-          </a:p>
-          <a:p>
-            <a:pPr lvl="5" indent="0" marL="2286000">
-              <a:buNone/>
-            </a:pPr>
-            <a:r>
-              <a:rPr/>
-              <a:t>0.041</a:t>
-            </a:r>
-          </a:p>
-          <a:p>
-            <a:pPr lvl="5" indent="0" marL="2286000">
-              <a:buNone/>
-            </a:pPr>
-            <a:r>
-              <a:rPr/>
-              <a:t>0.168</a:t>
-            </a:r>
-          </a:p>
-          <a:p>
-            <a:pPr lvl="5" indent="0" marL="2286000">
-              <a:buNone/>
-            </a:pPr>
-            <a:r>
-              <a:rPr/>
-              <a:t>0.298</a:t>
-            </a:r>
-          </a:p>
-          <a:p>
-            <a:pPr lvl="5" indent="0" marL="2286000">
-              <a:buNone/>
-            </a:pPr>
-            <a:r>
-              <a:rPr/>
-              <a:t>0.325</a:t>
-            </a:r>
-          </a:p>
-          <a:p>
-            <a:pPr lvl="5" indent="0" marL="2286000">
-              <a:buNone/>
-            </a:pPr>
-            <a:r>
-              <a:rPr/>
-              <a:t>F-tests, p-value</a:t>
-            </a:r>
-          </a:p>
-          <a:p>
-            <a:pPr lvl="5" indent="0" marL="2286000">
-              <a:buNone/>
-            </a:pPr>
-            <a:r>
-              <a:rPr/>
-              <a:t>B = C</a:t>
-            </a:r>
-          </a:p>
-          <a:p>
-            <a:pPr lvl="5" indent="0" marL="2286000">
-              <a:buNone/>
-            </a:pPr>
-            <a:r>
-              <a:rPr/>
-              <a:t>0.158</a:t>
-            </a:r>
-          </a:p>
-          <a:p>
-            <a:pPr lvl="5" indent="0" marL="2286000">
-              <a:buNone/>
-            </a:pPr>
-            <a:r>
-              <a:rPr/>
-              <a:t>0.114</a:t>
-            </a:r>
-          </a:p>
-          <a:p>
-            <a:pPr lvl="5" indent="0" marL="2286000">
-              <a:buNone/>
-            </a:pPr>
-            <a:r>
-              <a:rPr/>
-              <a:t>0.014</a:t>
-            </a:r>
-          </a:p>
-          <a:p>
-            <a:pPr lvl="5" indent="0" marL="2286000">
-              <a:buNone/>
-            </a:pPr>
-            <a:r>
-              <a:rPr/>
-              <a:t>0.007</a:t>
-            </a:r>
-          </a:p>
-          <a:p>
-            <a:pPr lvl="5" indent="0" marL="2286000">
-              <a:buNone/>
-            </a:pPr>
-            <a:r>
-              <a:rPr/>
-              <a:t>0.078</a:t>
-            </a:r>
-          </a:p>
-          <a:p>
-            <a:pPr lvl="5" indent="0" marL="2286000">
-              <a:buNone/>
-            </a:pPr>
-            <a:r>
-              <a:rPr/>
-              <a:t>B = D</a:t>
-            </a:r>
-          </a:p>
-          <a:p>
-            <a:pPr lvl="5" indent="0" marL="2286000">
-              <a:buNone/>
-            </a:pPr>
-            <a:r>
-              <a:rPr/>
-              <a:t>0.195</a:t>
-            </a:r>
-          </a:p>
-          <a:p>
-            <a:pPr lvl="5" indent="0" marL="2286000">
-              <a:buNone/>
-            </a:pPr>
-            <a:r>
-              <a:rPr/>
-              <a:t>0.138</a:t>
-            </a:r>
-          </a:p>
-          <a:p>
-            <a:pPr lvl="5" indent="0" marL="2286000">
-              <a:buNone/>
-            </a:pPr>
-            <a:r>
-              <a:rPr/>
-              <a:t>0.117</a:t>
-            </a:r>
-          </a:p>
-          <a:p>
-            <a:pPr lvl="5" indent="0" marL="2286000">
-              <a:buNone/>
-            </a:pPr>
-            <a:r>
-              <a:rPr/>
-              <a:t>0.061</a:t>
-            </a:r>
-          </a:p>
-          <a:p>
-            <a:pPr lvl="5" indent="0" marL="2286000">
-              <a:buNone/>
-            </a:pPr>
-            <a:r>
-              <a:rPr/>
-              <a:t>0.388</a:t>
-            </a:r>
-          </a:p>
-          <a:p>
-            <a:pPr lvl="5" indent="0" marL="2286000">
-              <a:buNone/>
-            </a:pPr>
-            <a:r>
-              <a:rPr/>
-              <a:t>C = D</a:t>
-            </a:r>
-          </a:p>
-          <a:p>
-            <a:pPr lvl="5" indent="0" marL="2286000">
-              <a:buNone/>
-            </a:pPr>
-            <a:r>
-              <a:rPr/>
-              <a:t>0.448</a:t>
-            </a:r>
-          </a:p>
-          <a:p>
-            <a:pPr lvl="5" indent="0" marL="2286000">
-              <a:buNone/>
-            </a:pPr>
-            <a:r>
-              <a:rPr/>
-              <a:t>0.820</a:t>
-            </a:r>
-          </a:p>
-          <a:p>
-            <a:pPr lvl="5" indent="0" marL="2286000">
-              <a:buNone/>
-            </a:pPr>
-            <a:r>
-              <a:rPr/>
-              <a:t>0.255</a:t>
-            </a:r>
-          </a:p>
-          <a:p>
-            <a:pPr lvl="5" indent="0" marL="2286000">
-              <a:buNone/>
-            </a:pPr>
-            <a:r>
-              <a:rPr/>
-              <a:t>0.297</a:t>
-            </a:r>
-          </a:p>
-          <a:p>
-            <a:pPr lvl="5" indent="0" marL="2286000">
-              <a:buNone/>
-            </a:pPr>
-            <a:r>
-              <a:rPr/>
-              <a:t>0.191</a:t>
-            </a:r>
-          </a:p>
-          <a:p>
-            <a:pPr lvl="5" indent="0" marL="2286000">
-              <a:buNone/>
-            </a:pPr>
-            <a:r>
-              <a:rPr/>
-              <a:t> * p &lt; 0.1, ** p &lt; 0.05, *** p &lt; 0.01</a:t>
-            </a:r>
-          </a:p>
-        </p:txBody>
-      </p:sp>
+      <p:pic>
+        <p:nvPicPr>
+          <p:cNvPr descr="C:\Users\vge00\AppData\Local\Temp\RtmpsJoy65\file2bc49343460.png" id="0" name="Picture 1"/>
+          <p:cNvPicPr>
+            <a:picLocks noGrp="1" noChangeAspect="1"/>
+          </p:cNvPicPr>
+          <p:nvPr/>
+        </p:nvPicPr>
+        <p:blipFill>
+          <a:blip r:embed="rId2"/>
+          <a:stretch>
+            <a:fillRect/>
+          </a:stretch>
+        </p:blipFill>
+        <p:spPr bwMode="auto">
+          <a:xfrm>
+            <a:off x="4254500" y="1308100"/>
+            <a:ext cx="3644900" cy="4864100"/>
+          </a:xfrm>
+          <a:prstGeom prst="rect">
+            <a:avLst/>
+          </a:prstGeom>
+          <a:noFill/>
+          <a:ln w="9525">
+            <a:noFill/>
+            <a:headEnd/>
+            <a:tailEnd/>
+          </a:ln>
+        </p:spPr>
+      </p:pic>
     </p:spTree>
   </p:cSld>
 </p:sld>
@@ -9483,550 +6840,36 @@
           </a:p>
         </p:txBody>
       </p:sp>
-      <p:sp>
-        <p:nvSpPr>
-          <p:cNvPr id="3" name="コンテンツ プレースホルダー 2">
-            <a:extLst>
-              <a:ext uri="{FF2B5EF4-FFF2-40B4-BE49-F238E27FC236}">
-                <a16:creationId xmlns:a16="http://schemas.microsoft.com/office/drawing/2014/main" id="{29CB1BB5-CF30-D8DC-0EA9-79805907379B}"/>
-              </a:ext>
-            </a:extLst>
-          </p:cNvPr>
-          <p:cNvSpPr>
-            <a:spLocks noGrp="1"/>
-          </p:cNvSpPr>
-          <p:nvPr>
-            <p:ph idx="1"/>
-          </p:nvPr>
-        </p:nvSpPr>
-        <p:spPr/>
-        <p:txBody>
-          <a:bodyPr/>
-          <a:lstStyle/>
-          <a:p>
-            <a:pPr lvl="0" indent="0" marL="0">
-              <a:buNone/>
-            </a:pPr>
-            <a:r>
-              <a:rPr/>
-              <a:t>CT</a:t>
-            </a:r>
-          </a:p>
-          <a:p>
-            <a:pPr lvl="0" indent="0" marL="0">
-              <a:buNone/>
-            </a:pPr>
-            <a:r>
-              <a:rPr/>
-              <a:t>Candidate</a:t>
-            </a:r>
-          </a:p>
-          <a:p>
-            <a:pPr lvl="0" indent="0" marL="0">
-              <a:buNone/>
-            </a:pPr>
-            <a:r>
-              <a:rPr/>
-              <a:t>Consent</a:t>
-            </a:r>
-          </a:p>
-          <a:p>
-            <a:pPr lvl="0" indent="0" marL="0">
-              <a:buNone/>
-            </a:pPr>
-            <a:r>
-              <a:rPr/>
-              <a:t>Donation</a:t>
-            </a:r>
-          </a:p>
-          <a:p>
-            <a:pPr lvl="4" indent="0" marL="1828800">
-              <a:buNone/>
-            </a:pPr>
-            <a:r>
-              <a:rPr/>
-              <a:t>B</a:t>
-            </a:r>
-          </a:p>
-          <a:p>
-            <a:pPr lvl="4" indent="0" marL="1828800">
-              <a:buNone/>
-            </a:pPr>
-            <a:r>
-              <a:rPr/>
-              <a:t>0.032***</a:t>
-            </a:r>
-          </a:p>
-          <a:p>
-            <a:pPr lvl="4" indent="0" marL="1828800">
-              <a:buNone/>
-            </a:pPr>
-            <a:r>
-              <a:rPr/>
-              <a:t>0.003</a:t>
-            </a:r>
-          </a:p>
-          <a:p>
-            <a:pPr lvl="4" indent="0" marL="1828800">
-              <a:buNone/>
-            </a:pPr>
-            <a:r>
-              <a:rPr/>
-              <a:t>0.004</a:t>
-            </a:r>
-          </a:p>
-          <a:p>
-            <a:pPr lvl="4" indent="0" marL="1828800">
-              <a:buNone/>
-            </a:pPr>
-            <a:r>
-              <a:rPr/>
-              <a:t>0.002</a:t>
-            </a:r>
-          </a:p>
-          <a:p>
-            <a:pPr lvl="4" indent="0" marL="1828800">
-              <a:buNone/>
-            </a:pPr>
-            <a:r>
-              <a:rPr/>
-              <a:t>(0.008)</a:t>
-            </a:r>
-          </a:p>
-          <a:p>
-            <a:pPr lvl="4" indent="0" marL="1828800">
-              <a:buNone/>
-            </a:pPr>
-            <a:r>
-              <a:rPr/>
-              <a:t>(0.005)</a:t>
-            </a:r>
-          </a:p>
-          <a:p>
-            <a:pPr lvl="4" indent="0" marL="1828800">
-              <a:buNone/>
-            </a:pPr>
-            <a:r>
-              <a:rPr/>
-              <a:t>(0.004)</a:t>
-            </a:r>
-          </a:p>
-          <a:p>
-            <a:pPr lvl="4" indent="0" marL="1828800">
-              <a:buNone/>
-            </a:pPr>
-            <a:r>
-              <a:rPr/>
-              <a:t>(0.004)</a:t>
-            </a:r>
-          </a:p>
-          <a:p>
-            <a:pPr lvl="4" indent="0" marL="1828800">
-              <a:buNone/>
-            </a:pPr>
-            <a:r>
-              <a:rPr/>
-              <a:t>C</a:t>
-            </a:r>
-          </a:p>
-          <a:p>
-            <a:pPr lvl="4" indent="0" marL="1828800">
-              <a:buNone/>
-            </a:pPr>
-            <a:r>
-              <a:rPr/>
-              <a:t>0.013</a:t>
-            </a:r>
-          </a:p>
-          <a:p>
-            <a:pPr lvl="4" indent="0" marL="1828800">
-              <a:buNone/>
-            </a:pPr>
-            <a:r>
-              <a:rPr/>
-              <a:t>－0.002</a:t>
-            </a:r>
-          </a:p>
-          <a:p>
-            <a:pPr lvl="4" indent="0" marL="1828800">
-              <a:buNone/>
-            </a:pPr>
-            <a:r>
-              <a:rPr/>
-              <a:t>－0.001</a:t>
-            </a:r>
-          </a:p>
-          <a:p>
-            <a:pPr lvl="4" indent="0" marL="1828800">
-              <a:buNone/>
-            </a:pPr>
-            <a:r>
-              <a:rPr/>
-              <a:t>－0.001</a:t>
-            </a:r>
-          </a:p>
-          <a:p>
-            <a:pPr lvl="4" indent="0" marL="1828800">
-              <a:buNone/>
-            </a:pPr>
-            <a:r>
-              <a:rPr/>
-              <a:t>(0.009)</a:t>
-            </a:r>
-          </a:p>
-          <a:p>
-            <a:pPr lvl="4" indent="0" marL="1828800">
-              <a:buNone/>
-            </a:pPr>
-            <a:r>
-              <a:rPr/>
-              <a:t>(0.006)</a:t>
-            </a:r>
-          </a:p>
-          <a:p>
-            <a:pPr lvl="4" indent="0" marL="1828800">
-              <a:buNone/>
-            </a:pPr>
-            <a:r>
-              <a:rPr/>
-              <a:t>(0.005)</a:t>
-            </a:r>
-          </a:p>
-          <a:p>
-            <a:pPr lvl="4" indent="0" marL="1828800">
-              <a:buNone/>
-            </a:pPr>
-            <a:r>
-              <a:rPr/>
-              <a:t>(0.005)</a:t>
-            </a:r>
-          </a:p>
-          <a:p>
-            <a:pPr lvl="4" indent="0" marL="1828800">
-              <a:buNone/>
-            </a:pPr>
-            <a:r>
-              <a:rPr/>
-              <a:t>D</a:t>
-            </a:r>
-          </a:p>
-          <a:p>
-            <a:pPr lvl="4" indent="0" marL="1828800">
-              <a:buNone/>
-            </a:pPr>
-            <a:r>
-              <a:rPr/>
-              <a:t>0.030***</a:t>
-            </a:r>
-          </a:p>
-          <a:p>
-            <a:pPr lvl="4" indent="0" marL="1828800">
-              <a:buNone/>
-            </a:pPr>
-            <a:r>
-              <a:rPr/>
-              <a:t>0.009*</a:t>
-            </a:r>
-          </a:p>
-          <a:p>
-            <a:pPr lvl="4" indent="0" marL="1828800">
-              <a:buNone/>
-            </a:pPr>
-            <a:r>
-              <a:rPr/>
-              <a:t>0.010**</a:t>
-            </a:r>
-          </a:p>
-          <a:p>
-            <a:pPr lvl="4" indent="0" marL="1828800">
-              <a:buNone/>
-            </a:pPr>
-            <a:r>
-              <a:rPr/>
-              <a:t>0.003</a:t>
-            </a:r>
-          </a:p>
-          <a:p>
-            <a:pPr lvl="4" indent="0" marL="1828800">
-              <a:buNone/>
-            </a:pPr>
-            <a:r>
-              <a:rPr/>
-              <a:t>(0.008)</a:t>
-            </a:r>
-          </a:p>
-          <a:p>
-            <a:pPr lvl="4" indent="0" marL="1828800">
-              <a:buNone/>
-            </a:pPr>
-            <a:r>
-              <a:rPr/>
-              <a:t>(0.005)</a:t>
-            </a:r>
-          </a:p>
-          <a:p>
-            <a:pPr lvl="4" indent="0" marL="1828800">
-              <a:buNone/>
-            </a:pPr>
-            <a:r>
-              <a:rPr/>
-              <a:t>(0.005)</a:t>
-            </a:r>
-          </a:p>
-          <a:p>
-            <a:pPr lvl="4" indent="0" marL="1828800">
-              <a:buNone/>
-            </a:pPr>
-            <a:r>
-              <a:rPr/>
-              <a:t>(0.005)</a:t>
-            </a:r>
-          </a:p>
-          <a:p>
-            <a:pPr lvl="4" indent="0" marL="1828800">
-              <a:buNone/>
-            </a:pPr>
-            <a:r>
-              <a:rPr/>
-              <a:t>Num.Obs.</a:t>
-            </a:r>
-          </a:p>
-          <a:p>
-            <a:pPr lvl="4" indent="0" marL="1828800">
-              <a:buNone/>
-            </a:pPr>
-            <a:r>
-              <a:rPr/>
-              <a:t>10435</a:t>
-            </a:r>
-          </a:p>
-          <a:p>
-            <a:pPr lvl="4" indent="0" marL="1828800">
-              <a:buNone/>
-            </a:pPr>
-            <a:r>
-              <a:rPr/>
-              <a:t>8587</a:t>
-            </a:r>
-          </a:p>
-          <a:p>
-            <a:pPr lvl="4" indent="0" marL="1828800">
-              <a:buNone/>
-            </a:pPr>
-            <a:r>
-              <a:rPr/>
-              <a:t>8558</a:t>
-            </a:r>
-          </a:p>
-          <a:p>
-            <a:pPr lvl="4" indent="0" marL="1828800">
-              <a:buNone/>
-            </a:pPr>
-            <a:r>
-              <a:rPr/>
-              <a:t>8441</a:t>
-            </a:r>
-          </a:p>
-          <a:p>
-            <a:pPr lvl="4" indent="0" marL="1828800">
-              <a:buNone/>
-            </a:pPr>
-            <a:r>
-              <a:rPr/>
-              <a:t>Control Avg.</a:t>
-            </a:r>
-          </a:p>
-          <a:p>
-            <a:pPr lvl="4" indent="0" marL="1828800">
-              <a:buNone/>
-            </a:pPr>
-            <a:r>
-              <a:rPr/>
-              <a:t>0.235</a:t>
-            </a:r>
-          </a:p>
-          <a:p>
-            <a:pPr lvl="4" indent="0" marL="1828800">
-              <a:buNone/>
-            </a:pPr>
-            <a:r>
-              <a:rPr/>
-              <a:t>0.078</a:t>
-            </a:r>
-          </a:p>
-          <a:p>
-            <a:pPr lvl="4" indent="0" marL="1828800">
-              <a:buNone/>
-            </a:pPr>
-            <a:r>
-              <a:rPr/>
-              <a:t>0.069</a:t>
-            </a:r>
-          </a:p>
-          <a:p>
-            <a:pPr lvl="4" indent="0" marL="1828800">
-              <a:buNone/>
-            </a:pPr>
-            <a:r>
-              <a:rPr/>
-              <a:t>0.057</a:t>
-            </a:r>
-          </a:p>
-          <a:p>
-            <a:pPr lvl="4" indent="0" marL="1828800">
-              <a:buNone/>
-            </a:pPr>
-            <a:r>
-              <a:rPr/>
-              <a:t>F-tests, p-value</a:t>
-            </a:r>
-          </a:p>
-          <a:p>
-            <a:pPr lvl="4" indent="0" marL="1828800">
-              <a:buNone/>
-            </a:pPr>
-            <a:r>
-              <a:rPr/>
-              <a:t>B = C</a:t>
-            </a:r>
-          </a:p>
-          <a:p>
-            <a:pPr lvl="4" indent="0" marL="1828800">
-              <a:buNone/>
-            </a:pPr>
-            <a:r>
-              <a:rPr/>
-              <a:t>0.082</a:t>
-            </a:r>
-          </a:p>
-          <a:p>
-            <a:pPr lvl="4" indent="0" marL="1828800">
-              <a:buNone/>
-            </a:pPr>
-            <a:r>
-              <a:rPr/>
-              <a:t>0.439</a:t>
-            </a:r>
-          </a:p>
-          <a:p>
-            <a:pPr lvl="4" indent="0" marL="1828800">
-              <a:buNone/>
-            </a:pPr>
-            <a:r>
-              <a:rPr/>
-              <a:t>0.419</a:t>
-            </a:r>
-          </a:p>
-          <a:p>
-            <a:pPr lvl="4" indent="0" marL="1828800">
-              <a:buNone/>
-            </a:pPr>
-            <a:r>
-              <a:rPr/>
-              <a:t>0.475</a:t>
-            </a:r>
-          </a:p>
-          <a:p>
-            <a:pPr lvl="4" indent="0" marL="1828800">
-              <a:buNone/>
-            </a:pPr>
-            <a:r>
-              <a:rPr/>
-              <a:t>B = D</a:t>
-            </a:r>
-          </a:p>
-          <a:p>
-            <a:pPr lvl="4" indent="0" marL="1828800">
-              <a:buNone/>
-            </a:pPr>
-            <a:r>
-              <a:rPr/>
-              <a:t>0.821</a:t>
-            </a:r>
-          </a:p>
-          <a:p>
-            <a:pPr lvl="4" indent="0" marL="1828800">
-              <a:buNone/>
-            </a:pPr>
-            <a:r>
-              <a:rPr/>
-              <a:t>0.234</a:t>
-            </a:r>
-          </a:p>
-          <a:p>
-            <a:pPr lvl="4" indent="0" marL="1828800">
-              <a:buNone/>
-            </a:pPr>
-            <a:r>
-              <a:rPr/>
-              <a:t>0.219</a:t>
-            </a:r>
-          </a:p>
-          <a:p>
-            <a:pPr lvl="4" indent="0" marL="1828800">
-              <a:buNone/>
-            </a:pPr>
-            <a:r>
-              <a:rPr/>
-              <a:t>0.823</a:t>
-            </a:r>
-          </a:p>
-          <a:p>
-            <a:pPr lvl="4" indent="0" marL="1828800">
-              <a:buNone/>
-            </a:pPr>
-            <a:r>
-              <a:rPr/>
-              <a:t>C = D</a:t>
-            </a:r>
-          </a:p>
-          <a:p>
-            <a:pPr lvl="4" indent="0" marL="1828800">
-              <a:buNone/>
-            </a:pPr>
-            <a:r>
-              <a:rPr/>
-              <a:t>0.130</a:t>
-            </a:r>
-          </a:p>
-          <a:p>
-            <a:pPr lvl="4" indent="0" marL="1828800">
-              <a:buNone/>
-            </a:pPr>
-            <a:r>
-              <a:rPr/>
-              <a:t>0.054</a:t>
-            </a:r>
-          </a:p>
-          <a:p>
-            <a:pPr lvl="4" indent="0" marL="1828800">
-              <a:buNone/>
-            </a:pPr>
-            <a:r>
-              <a:rPr/>
-              <a:t>0.041</a:t>
-            </a:r>
-          </a:p>
-          <a:p>
-            <a:pPr lvl="4" indent="0" marL="1828800">
-              <a:buNone/>
-            </a:pPr>
-            <a:r>
-              <a:rPr/>
-              <a:t>0.386</a:t>
-            </a:r>
-          </a:p>
-          <a:p>
-            <a:pPr lvl="4" indent="0" marL="1828800">
-              <a:buNone/>
-            </a:pPr>
-            <a:r>
-              <a:rPr/>
-              <a:t> * p &lt; 0.1, ** p &lt; 0.05, *** p &lt; 0.01</a:t>
-            </a:r>
-          </a:p>
-        </p:txBody>
-      </p:sp>
+      <p:pic>
+        <p:nvPicPr>
+          <p:cNvPr descr="C:\Users\vge00\AppData\Local\Temp\RtmpsJoy65\file2bc47dce32e7.png" id="0" name="Picture 1"/>
+          <p:cNvPicPr>
+            <a:picLocks noGrp="1" noChangeAspect="1"/>
+          </p:cNvPicPr>
+          <p:nvPr/>
+        </p:nvPicPr>
+        <p:blipFill>
+          <a:blip r:embed="rId2"/>
+          <a:stretch>
+            <a:fillRect/>
+          </a:stretch>
+        </p:blipFill>
+        <p:spPr bwMode="auto">
+          <a:xfrm>
+            <a:off x="4597400" y="1308100"/>
+            <a:ext cx="2971800" cy="4864100"/>
+          </a:xfrm>
+          <a:prstGeom prst="rect">
+            <a:avLst/>
+          </a:prstGeom>
+          <a:noFill/>
+          <a:ln w="9525">
+            <a:noFill/>
+            <a:headEnd/>
+            <a:tailEnd/>
+          </a:ln>
+        </p:spPr>
+      </p:pic>
     </p:spTree>
   </p:cSld>
 </p:sld>
@@ -11694,7 +8537,7 @@
             </a:pPr>
             <a:r>
               <a:rPr/>
-              <a:t>この度、あなたと骨髄バンクの登録患者さんのHLA型（白血球の型）が一致し、 ドナー候補者のおひとりに選ばれました。 今後、ご提供に向け詳しい検査や面談を希望されるかをお伺いしたく連絡させていただきました。 同封の資料をよくお読みいただき、コーディネートが可能かどうか検討の上、 この案内が届いてから７日以内に返信用紙ほかをご返送ください。 返送後、コーディネートを進めさせていただく場合は、 担当者よりご相談のお電話を差し上げますのでよろしくお願い申し上げます。</a:t>
+              <a:t>「この度、あなたと骨髄バンクの登録患者さんのHLA型（白血球の型）が一致し、ドナー候補者のおひとりに選ばれました。今後、ご提供に向け詳しい検査や面談を希望されるかをお伺いしたく連絡させていただきました。同封の資料をよくお読みいただき、コーディネートが可能かどうか検討の上、この案内が届いてから7日以内に返信用紙ほかをご返送ください。返送後、コーディネートを進めさせていただく場合は、担当者よりご相談のお電話を差し上げますのでよろしくお願い申し上げます。」</a:t>
             </a:r>
           </a:p>
         </p:txBody>
@@ -11791,14 +8634,14 @@
             </a:r>
             <a:r>
               <a:rPr/>
-              <a:t>です。 ドナー候補者が複数みつかる場合もありますが、多くはないこともご理解頂ければ幸いです。」</a:t>
+              <a:t>です。ドナー候補者が複数みつかる場合もありますが、多くはないこともご理解頂ければ幸いです。」</a:t>
             </a:r>
           </a:p>
           <a:p>
             <a:pPr lvl="0"/>
             <a:r>
               <a:rPr/>
-              <a:t>他のドナー候補者が多くいるという過大推定による クラウディング・アウト効果を解消することを目的としたもの</a:t>
+              <a:t>他のドナー候補者が多くいるという過大推定によるクラウディング・アウト効果を解消することを目的としたもの</a:t>
             </a:r>
           </a:p>
         </p:txBody>

--- a/docs/slide/221014骨髄バンク介入実験分析.pptx
+++ b/docs/slide/221014骨髄バンク介入実験分析.pptx
@@ -1,6 +1,6 @@
 
 <file path=ppt/presentation.xml><?xml version="1.0" encoding="utf-8"?>
-<p:presentation xmlns:a="http://schemas.openxmlformats.org/drawingml/2006/main" xmlns:p="http://schemas.openxmlformats.org/presentationml/2006/main" xmlns:r="http://schemas.openxmlformats.org/officeDocument/2006/relationships" saveSubsetFonts="1">
+<p:presentation xmlns:a="http://schemas.openxmlformats.org/drawingml/2006/main" xmlns:r="http://schemas.openxmlformats.org/officeDocument/2006/relationships" xmlns:p="http://schemas.openxmlformats.org/presentationml/2006/main" saveSubsetFonts="1">
   <p:sldMasterIdLst>
     <p:sldMasterId id="2147483648" r:id="rId1"/>
   </p:sldMasterIdLst>
@@ -57,8 +57,8 @@
     <a:defPPr>
       <a:defRPr lang="ja-JP"/>
     </a:defPPr>
-    <a:lvl1pPr algn="l" defTabSz="914400" eaLnBrk="1" hangingPunct="1" latinLnBrk="0" marL="0" rtl="0">
-      <a:defRPr kern="1200" kumimoji="1" sz="1800">
+    <a:lvl1pPr marL="0" algn="l" defTabSz="914400" rtl="0" eaLnBrk="1" latinLnBrk="0" hangingPunct="1">
+      <a:defRPr kumimoji="1" sz="1800" kern="1200">
         <a:solidFill>
           <a:schemeClr val="tx1"/>
         </a:solidFill>
@@ -67,8 +67,8 @@
         <a:cs typeface="+mn-cs"/>
       </a:defRPr>
     </a:lvl1pPr>
-    <a:lvl2pPr algn="l" defTabSz="914400" eaLnBrk="1" hangingPunct="1" latinLnBrk="0" marL="457200" rtl="0">
-      <a:defRPr kern="1200" kumimoji="1" sz="1800">
+    <a:lvl2pPr marL="457200" algn="l" defTabSz="914400" rtl="0" eaLnBrk="1" latinLnBrk="0" hangingPunct="1">
+      <a:defRPr kumimoji="1" sz="1800" kern="1200">
         <a:solidFill>
           <a:schemeClr val="tx1"/>
         </a:solidFill>
@@ -77,8 +77,8 @@
         <a:cs typeface="+mn-cs"/>
       </a:defRPr>
     </a:lvl2pPr>
-    <a:lvl3pPr algn="l" defTabSz="914400" eaLnBrk="1" hangingPunct="1" latinLnBrk="0" marL="914400" rtl="0">
-      <a:defRPr kern="1200" kumimoji="1" sz="1800">
+    <a:lvl3pPr marL="914400" algn="l" defTabSz="914400" rtl="0" eaLnBrk="1" latinLnBrk="0" hangingPunct="1">
+      <a:defRPr kumimoji="1" sz="1800" kern="1200">
         <a:solidFill>
           <a:schemeClr val="tx1"/>
         </a:solidFill>
@@ -87,8 +87,8 @@
         <a:cs typeface="+mn-cs"/>
       </a:defRPr>
     </a:lvl3pPr>
-    <a:lvl4pPr algn="l" defTabSz="914400" eaLnBrk="1" hangingPunct="1" latinLnBrk="0" marL="1371600" rtl="0">
-      <a:defRPr kern="1200" kumimoji="1" sz="1800">
+    <a:lvl4pPr marL="1371600" algn="l" defTabSz="914400" rtl="0" eaLnBrk="1" latinLnBrk="0" hangingPunct="1">
+      <a:defRPr kumimoji="1" sz="1800" kern="1200">
         <a:solidFill>
           <a:schemeClr val="tx1"/>
         </a:solidFill>
@@ -97,8 +97,8 @@
         <a:cs typeface="+mn-cs"/>
       </a:defRPr>
     </a:lvl4pPr>
-    <a:lvl5pPr algn="l" defTabSz="914400" eaLnBrk="1" hangingPunct="1" latinLnBrk="0" marL="1828800" rtl="0">
-      <a:defRPr kern="1200" kumimoji="1" sz="1800">
+    <a:lvl5pPr marL="1828800" algn="l" defTabSz="914400" rtl="0" eaLnBrk="1" latinLnBrk="0" hangingPunct="1">
+      <a:defRPr kumimoji="1" sz="1800" kern="1200">
         <a:solidFill>
           <a:schemeClr val="tx1"/>
         </a:solidFill>
@@ -107,8 +107,8 @@
         <a:cs typeface="+mn-cs"/>
       </a:defRPr>
     </a:lvl5pPr>
-    <a:lvl6pPr algn="l" defTabSz="914400" eaLnBrk="1" hangingPunct="1" latinLnBrk="0" marL="2286000" rtl="0">
-      <a:defRPr kern="1200" kumimoji="1" sz="1800">
+    <a:lvl6pPr marL="2286000" algn="l" defTabSz="914400" rtl="0" eaLnBrk="1" latinLnBrk="0" hangingPunct="1">
+      <a:defRPr kumimoji="1" sz="1800" kern="1200">
         <a:solidFill>
           <a:schemeClr val="tx1"/>
         </a:solidFill>
@@ -117,8 +117,8 @@
         <a:cs typeface="+mn-cs"/>
       </a:defRPr>
     </a:lvl6pPr>
-    <a:lvl7pPr algn="l" defTabSz="914400" eaLnBrk="1" hangingPunct="1" latinLnBrk="0" marL="2743200" rtl="0">
-      <a:defRPr kern="1200" kumimoji="1" sz="1800">
+    <a:lvl7pPr marL="2743200" algn="l" defTabSz="914400" rtl="0" eaLnBrk="1" latinLnBrk="0" hangingPunct="1">
+      <a:defRPr kumimoji="1" sz="1800" kern="1200">
         <a:solidFill>
           <a:schemeClr val="tx1"/>
         </a:solidFill>
@@ -127,8 +127,8 @@
         <a:cs typeface="+mn-cs"/>
       </a:defRPr>
     </a:lvl7pPr>
-    <a:lvl8pPr algn="l" defTabSz="914400" eaLnBrk="1" hangingPunct="1" latinLnBrk="0" marL="3200400" rtl="0">
-      <a:defRPr kern="1200" kumimoji="1" sz="1800">
+    <a:lvl8pPr marL="3200400" algn="l" defTabSz="914400" rtl="0" eaLnBrk="1" latinLnBrk="0" hangingPunct="1">
+      <a:defRPr kumimoji="1" sz="1800" kern="1200">
         <a:solidFill>
           <a:schemeClr val="tx1"/>
         </a:solidFill>
@@ -137,8 +137,8 @@
         <a:cs typeface="+mn-cs"/>
       </a:defRPr>
     </a:lvl8pPr>
-    <a:lvl9pPr algn="l" defTabSz="914400" eaLnBrk="1" hangingPunct="1" latinLnBrk="0" marL="3657600" rtl="0">
-      <a:defRPr kern="1200" kumimoji="1" sz="1800">
+    <a:lvl9pPr marL="3657600" algn="l" defTabSz="914400" rtl="0" eaLnBrk="1" latinLnBrk="0" hangingPunct="1">
+      <a:defRPr kumimoji="1" sz="1800" kern="1200">
         <a:solidFill>
           <a:schemeClr val="tx1"/>
         </a:solidFill>
@@ -467,352 +467,6 @@
       </p15:sldGuideLst>
     </p:ext>
   </p:extLst>
-</p:sldLayout>
-</file>
-
-<file path=ppt/slideLayouts/slideLayout10.xml><?xml version="1.0" encoding="utf-8"?>
-<p:sldLayout xmlns:a="http://schemas.openxmlformats.org/drawingml/2006/main" xmlns:r="http://schemas.openxmlformats.org/officeDocument/2006/relationships" xmlns:p="http://schemas.openxmlformats.org/presentationml/2006/main" type="vertTx" preserve="1">
-  <p:cSld name="Title and Vertical Text">
-    <p:spTree>
-      <p:nvGrpSpPr>
-        <p:cNvPr id="1" name=""/>
-        <p:cNvGrpSpPr/>
-        <p:nvPr/>
-      </p:nvGrpSpPr>
-      <p:grpSpPr>
-        <a:xfrm>
-          <a:off x="0" y="0"/>
-          <a:ext cx="0" cy="0"/>
-          <a:chOff x="0" y="0"/>
-          <a:chExt cx="0" cy="0"/>
-        </a:xfrm>
-      </p:grpSpPr>
-      <p:sp>
-        <p:nvSpPr>
-          <p:cNvPr id="2" name="Title 1"/>
-          <p:cNvSpPr>
-            <a:spLocks noGrp="1"/>
-          </p:cNvSpPr>
-          <p:nvPr>
-            <p:ph type="title"/>
-          </p:nvPr>
-        </p:nvSpPr>
-        <p:spPr/>
-        <p:txBody>
-          <a:bodyPr/>
-          <a:lstStyle/>
-          <a:p>
-            <a:r>
-              <a:rPr lang="en-US"/>
-              <a:t>Click to edit Master title style</a:t>
-            </a:r>
-          </a:p>
-        </p:txBody>
-      </p:sp>
-      <p:sp>
-        <p:nvSpPr>
-          <p:cNvPr id="3" name="Vertical Text Placeholder 2"/>
-          <p:cNvSpPr>
-            <a:spLocks noGrp="1"/>
-          </p:cNvSpPr>
-          <p:nvPr>
-            <p:ph type="body" orient="vert" idx="1"/>
-          </p:nvPr>
-        </p:nvSpPr>
-        <p:spPr/>
-        <p:txBody>
-          <a:bodyPr vert="eaVert"/>
-          <a:lstStyle/>
-          <a:p>
-            <a:pPr lvl="0"/>
-            <a:r>
-              <a:rPr lang="en-US"/>
-              <a:t>Click to edit Master text styles</a:t>
-            </a:r>
-          </a:p>
-          <a:p>
-            <a:pPr lvl="1"/>
-            <a:r>
-              <a:rPr lang="en-US"/>
-              <a:t>Second level</a:t>
-            </a:r>
-          </a:p>
-          <a:p>
-            <a:pPr lvl="2"/>
-            <a:r>
-              <a:rPr lang="en-US"/>
-              <a:t>Third level</a:t>
-            </a:r>
-          </a:p>
-          <a:p>
-            <a:pPr lvl="3"/>
-            <a:r>
-              <a:rPr lang="en-US"/>
-              <a:t>Fourth level</a:t>
-            </a:r>
-          </a:p>
-          <a:p>
-            <a:pPr lvl="4"/>
-            <a:r>
-              <a:rPr lang="en-US"/>
-              <a:t>Fifth level</a:t>
-            </a:r>
-          </a:p>
-        </p:txBody>
-      </p:sp>
-      <p:sp>
-        <p:nvSpPr>
-          <p:cNvPr id="4" name="Date Placeholder 3"/>
-          <p:cNvSpPr>
-            <a:spLocks noGrp="1"/>
-          </p:cNvSpPr>
-          <p:nvPr>
-            <p:ph type="dt" sz="half" idx="10"/>
-          </p:nvPr>
-        </p:nvSpPr>
-        <p:spPr/>
-        <p:txBody>
-          <a:bodyPr/>
-          <a:lstStyle/>
-          <a:p>
-            <a:fld id="{241EB5C9-1307-BA42-ABA2-0BC069CD8E7F}" type="datetimeFigureOut">
-              <a:rPr lang="en-US" smtClean="0"/>
-              <a:t>1/2/22</a:t>
-            </a:fld>
-            <a:endParaRPr lang="en-US"/>
-          </a:p>
-        </p:txBody>
-      </p:sp>
-      <p:sp>
-        <p:nvSpPr>
-          <p:cNvPr id="5" name="Footer Placeholder 4"/>
-          <p:cNvSpPr>
-            <a:spLocks noGrp="1"/>
-          </p:cNvSpPr>
-          <p:nvPr>
-            <p:ph type="ftr" sz="quarter" idx="11"/>
-          </p:nvPr>
-        </p:nvSpPr>
-        <p:spPr/>
-        <p:txBody>
-          <a:bodyPr/>
-          <a:lstStyle/>
-          <a:p>
-            <a:endParaRPr lang="en-US"/>
-          </a:p>
-        </p:txBody>
-      </p:sp>
-      <p:sp>
-        <p:nvSpPr>
-          <p:cNvPr id="6" name="Slide Number Placeholder 5"/>
-          <p:cNvSpPr>
-            <a:spLocks noGrp="1"/>
-          </p:cNvSpPr>
-          <p:nvPr>
-            <p:ph type="sldNum" sz="quarter" idx="12"/>
-          </p:nvPr>
-        </p:nvSpPr>
-        <p:spPr/>
-        <p:txBody>
-          <a:bodyPr/>
-          <a:lstStyle/>
-          <a:p>
-            <a:fld id="{C5EF2332-01BF-834F-8236-50238282D533}" type="slidenum">
-              <a:rPr lang="en-US" smtClean="0"/>
-              <a:t>‹#›</a:t>
-            </a:fld>
-            <a:endParaRPr lang="en-US"/>
-          </a:p>
-        </p:txBody>
-      </p:sp>
-    </p:spTree>
-    <p:extLst>
-      <p:ext uri="{BB962C8B-B14F-4D97-AF65-F5344CB8AC3E}">
-        <p14:creationId xmlns:p14="http://schemas.microsoft.com/office/powerpoint/2010/main" val="313914798"/>
-      </p:ext>
-    </p:extLst>
-  </p:cSld>
-  <p:clrMapOvr>
-    <a:masterClrMapping/>
-  </p:clrMapOvr>
-</p:sldLayout>
-</file>
-
-<file path=ppt/slideLayouts/slideLayout11.xml><?xml version="1.0" encoding="utf-8"?>
-<p:sldLayout xmlns:a="http://schemas.openxmlformats.org/drawingml/2006/main" xmlns:r="http://schemas.openxmlformats.org/officeDocument/2006/relationships" xmlns:p="http://schemas.openxmlformats.org/presentationml/2006/main" type="vertTitleAndTx" preserve="1">
-  <p:cSld name="Vertical Title and Text">
-    <p:spTree>
-      <p:nvGrpSpPr>
-        <p:cNvPr id="1" name=""/>
-        <p:cNvGrpSpPr/>
-        <p:nvPr/>
-      </p:nvGrpSpPr>
-      <p:grpSpPr>
-        <a:xfrm>
-          <a:off x="0" y="0"/>
-          <a:ext cx="0" cy="0"/>
-          <a:chOff x="0" y="0"/>
-          <a:chExt cx="0" cy="0"/>
-        </a:xfrm>
-      </p:grpSpPr>
-      <p:sp>
-        <p:nvSpPr>
-          <p:cNvPr id="2" name="Vertical Title 1"/>
-          <p:cNvSpPr>
-            <a:spLocks noGrp="1"/>
-          </p:cNvSpPr>
-          <p:nvPr>
-            <p:ph type="title" orient="vert"/>
-          </p:nvPr>
-        </p:nvSpPr>
-        <p:spPr>
-          <a:xfrm>
-            <a:off x="6629400" y="205979"/>
-            <a:ext cx="2057400" cy="4388644"/>
-          </a:xfrm>
-        </p:spPr>
-        <p:txBody>
-          <a:bodyPr vert="eaVert"/>
-          <a:lstStyle/>
-          <a:p>
-            <a:r>
-              <a:rPr lang="en-US"/>
-              <a:t>Click to edit Master title style</a:t>
-            </a:r>
-          </a:p>
-        </p:txBody>
-      </p:sp>
-      <p:sp>
-        <p:nvSpPr>
-          <p:cNvPr id="3" name="Vertical Text Placeholder 2"/>
-          <p:cNvSpPr>
-            <a:spLocks noGrp="1"/>
-          </p:cNvSpPr>
-          <p:nvPr>
-            <p:ph type="body" orient="vert" idx="1"/>
-          </p:nvPr>
-        </p:nvSpPr>
-        <p:spPr>
-          <a:xfrm>
-            <a:off x="457200" y="205979"/>
-            <a:ext cx="6019800" cy="4388644"/>
-          </a:xfrm>
-        </p:spPr>
-        <p:txBody>
-          <a:bodyPr vert="eaVert"/>
-          <a:lstStyle/>
-          <a:p>
-            <a:pPr lvl="0"/>
-            <a:r>
-              <a:rPr lang="en-US"/>
-              <a:t>Click to edit Master text styles</a:t>
-            </a:r>
-          </a:p>
-          <a:p>
-            <a:pPr lvl="1"/>
-            <a:r>
-              <a:rPr lang="en-US"/>
-              <a:t>Second level</a:t>
-            </a:r>
-          </a:p>
-          <a:p>
-            <a:pPr lvl="2"/>
-            <a:r>
-              <a:rPr lang="en-US"/>
-              <a:t>Third level</a:t>
-            </a:r>
-          </a:p>
-          <a:p>
-            <a:pPr lvl="3"/>
-            <a:r>
-              <a:rPr lang="en-US"/>
-              <a:t>Fourth level</a:t>
-            </a:r>
-          </a:p>
-          <a:p>
-            <a:pPr lvl="4"/>
-            <a:r>
-              <a:rPr lang="en-US"/>
-              <a:t>Fifth level</a:t>
-            </a:r>
-          </a:p>
-        </p:txBody>
-      </p:sp>
-      <p:sp>
-        <p:nvSpPr>
-          <p:cNvPr id="4" name="Date Placeholder 3"/>
-          <p:cNvSpPr>
-            <a:spLocks noGrp="1"/>
-          </p:cNvSpPr>
-          <p:nvPr>
-            <p:ph type="dt" sz="half" idx="10"/>
-          </p:nvPr>
-        </p:nvSpPr>
-        <p:spPr/>
-        <p:txBody>
-          <a:bodyPr/>
-          <a:lstStyle/>
-          <a:p>
-            <a:fld id="{241EB5C9-1307-BA42-ABA2-0BC069CD8E7F}" type="datetimeFigureOut">
-              <a:rPr lang="en-US" smtClean="0"/>
-              <a:t>1/2/22</a:t>
-            </a:fld>
-            <a:endParaRPr lang="en-US"/>
-          </a:p>
-        </p:txBody>
-      </p:sp>
-      <p:sp>
-        <p:nvSpPr>
-          <p:cNvPr id="5" name="Footer Placeholder 4"/>
-          <p:cNvSpPr>
-            <a:spLocks noGrp="1"/>
-          </p:cNvSpPr>
-          <p:nvPr>
-            <p:ph type="ftr" sz="quarter" idx="11"/>
-          </p:nvPr>
-        </p:nvSpPr>
-        <p:spPr/>
-        <p:txBody>
-          <a:bodyPr/>
-          <a:lstStyle/>
-          <a:p>
-            <a:endParaRPr lang="en-US"/>
-          </a:p>
-        </p:txBody>
-      </p:sp>
-      <p:sp>
-        <p:nvSpPr>
-          <p:cNvPr id="6" name="Slide Number Placeholder 5"/>
-          <p:cNvSpPr>
-            <a:spLocks noGrp="1"/>
-          </p:cNvSpPr>
-          <p:nvPr>
-            <p:ph type="sldNum" sz="quarter" idx="12"/>
-          </p:nvPr>
-        </p:nvSpPr>
-        <p:spPr/>
-        <p:txBody>
-          <a:bodyPr/>
-          <a:lstStyle/>
-          <a:p>
-            <a:fld id="{C5EF2332-01BF-834F-8236-50238282D533}" type="slidenum">
-              <a:rPr lang="en-US" smtClean="0"/>
-              <a:t>‹#›</a:t>
-            </a:fld>
-            <a:endParaRPr lang="en-US"/>
-          </a:p>
-        </p:txBody>
-      </p:sp>
-    </p:spTree>
-    <p:extLst>
-      <p:ext uri="{BB962C8B-B14F-4D97-AF65-F5344CB8AC3E}">
-        <p14:creationId xmlns:p14="http://schemas.microsoft.com/office/powerpoint/2010/main" val="2581529045"/>
-      </p:ext>
-    </p:extLst>
-  </p:cSld>
-  <p:clrMapOvr>
-    <a:masterClrMapping/>
-  </p:clrMapOvr>
 </p:sldLayout>
 </file>
 
@@ -2554,535 +2208,8 @@
 </p:sldLayout>
 </file>
 
-<file path=ppt/slideLayouts/slideLayout8.xml><?xml version="1.0" encoding="utf-8"?>
-<p:sldLayout xmlns:a="http://schemas.openxmlformats.org/drawingml/2006/main" xmlns:r="http://schemas.openxmlformats.org/officeDocument/2006/relationships" xmlns:p="http://schemas.openxmlformats.org/presentationml/2006/main" type="objTx" preserve="1">
-  <p:cSld name="Content with Caption">
-    <p:spTree>
-      <p:nvGrpSpPr>
-        <p:cNvPr id="1" name=""/>
-        <p:cNvGrpSpPr/>
-        <p:nvPr/>
-      </p:nvGrpSpPr>
-      <p:grpSpPr>
-        <a:xfrm>
-          <a:off x="0" y="0"/>
-          <a:ext cx="0" cy="0"/>
-          <a:chOff x="0" y="0"/>
-          <a:chExt cx="0" cy="0"/>
-        </a:xfrm>
-      </p:grpSpPr>
-      <p:sp>
-        <p:nvSpPr>
-          <p:cNvPr id="2" name="Title 1"/>
-          <p:cNvSpPr>
-            <a:spLocks noGrp="1"/>
-          </p:cNvSpPr>
-          <p:nvPr>
-            <p:ph type="title"/>
-          </p:nvPr>
-        </p:nvSpPr>
-        <p:spPr>
-          <a:xfrm>
-            <a:off x="457201" y="204787"/>
-            <a:ext cx="3008313" cy="871538"/>
-          </a:xfrm>
-        </p:spPr>
-        <p:txBody>
-          <a:bodyPr anchor="b"/>
-          <a:lstStyle>
-            <a:lvl1pPr algn="l">
-              <a:defRPr sz="1500" b="1"/>
-            </a:lvl1pPr>
-          </a:lstStyle>
-          <a:p>
-            <a:r>
-              <a:rPr lang="en-US"/>
-              <a:t>Click to edit Master title style</a:t>
-            </a:r>
-          </a:p>
-        </p:txBody>
-      </p:sp>
-      <p:sp>
-        <p:nvSpPr>
-          <p:cNvPr id="3" name="Content Placeholder 2"/>
-          <p:cNvSpPr>
-            <a:spLocks noGrp="1"/>
-          </p:cNvSpPr>
-          <p:nvPr>
-            <p:ph idx="1"/>
-          </p:nvPr>
-        </p:nvSpPr>
-        <p:spPr>
-          <a:xfrm>
-            <a:off x="3575050" y="204788"/>
-            <a:ext cx="5111750" cy="4389835"/>
-          </a:xfrm>
-        </p:spPr>
-        <p:txBody>
-          <a:bodyPr/>
-          <a:lstStyle>
-            <a:lvl1pPr>
-              <a:defRPr sz="2400"/>
-            </a:lvl1pPr>
-            <a:lvl2pPr>
-              <a:defRPr sz="2100"/>
-            </a:lvl2pPr>
-            <a:lvl3pPr>
-              <a:defRPr sz="1800"/>
-            </a:lvl3pPr>
-            <a:lvl4pPr>
-              <a:defRPr sz="1500"/>
-            </a:lvl4pPr>
-            <a:lvl5pPr>
-              <a:defRPr sz="1500"/>
-            </a:lvl5pPr>
-            <a:lvl6pPr>
-              <a:defRPr sz="1500"/>
-            </a:lvl6pPr>
-            <a:lvl7pPr>
-              <a:defRPr sz="1500"/>
-            </a:lvl7pPr>
-            <a:lvl8pPr>
-              <a:defRPr sz="1500"/>
-            </a:lvl8pPr>
-            <a:lvl9pPr>
-              <a:defRPr sz="1500"/>
-            </a:lvl9pPr>
-          </a:lstStyle>
-          <a:p>
-            <a:pPr lvl="0"/>
-            <a:r>
-              <a:rPr lang="en-US"/>
-              <a:t>Click to edit Master text styles</a:t>
-            </a:r>
-          </a:p>
-          <a:p>
-            <a:pPr lvl="1"/>
-            <a:r>
-              <a:rPr lang="en-US"/>
-              <a:t>Second level</a:t>
-            </a:r>
-          </a:p>
-          <a:p>
-            <a:pPr lvl="2"/>
-            <a:r>
-              <a:rPr lang="en-US"/>
-              <a:t>Third level</a:t>
-            </a:r>
-          </a:p>
-          <a:p>
-            <a:pPr lvl="3"/>
-            <a:r>
-              <a:rPr lang="en-US"/>
-              <a:t>Fourth level</a:t>
-            </a:r>
-          </a:p>
-          <a:p>
-            <a:pPr lvl="4"/>
-            <a:r>
-              <a:rPr lang="en-US"/>
-              <a:t>Fifth level</a:t>
-            </a:r>
-          </a:p>
-        </p:txBody>
-      </p:sp>
-      <p:sp>
-        <p:nvSpPr>
-          <p:cNvPr id="4" name="Text Placeholder 3"/>
-          <p:cNvSpPr>
-            <a:spLocks noGrp="1"/>
-          </p:cNvSpPr>
-          <p:nvPr>
-            <p:ph type="body" sz="half" idx="2"/>
-          </p:nvPr>
-        </p:nvSpPr>
-        <p:spPr>
-          <a:xfrm>
-            <a:off x="457201" y="1076326"/>
-            <a:ext cx="3008313" cy="3518297"/>
-          </a:xfrm>
-        </p:spPr>
-        <p:txBody>
-          <a:bodyPr/>
-          <a:lstStyle>
-            <a:lvl1pPr marL="0" indent="0">
-              <a:buNone/>
-              <a:defRPr sz="1050"/>
-            </a:lvl1pPr>
-            <a:lvl2pPr marL="342900" indent="0">
-              <a:buNone/>
-              <a:defRPr sz="900"/>
-            </a:lvl2pPr>
-            <a:lvl3pPr marL="685800" indent="0">
-              <a:buNone/>
-              <a:defRPr sz="750"/>
-            </a:lvl3pPr>
-            <a:lvl4pPr marL="1028700" indent="0">
-              <a:buNone/>
-              <a:defRPr sz="675"/>
-            </a:lvl4pPr>
-            <a:lvl5pPr marL="1371600" indent="0">
-              <a:buNone/>
-              <a:defRPr sz="675"/>
-            </a:lvl5pPr>
-            <a:lvl6pPr marL="1714500" indent="0">
-              <a:buNone/>
-              <a:defRPr sz="675"/>
-            </a:lvl6pPr>
-            <a:lvl7pPr marL="2057400" indent="0">
-              <a:buNone/>
-              <a:defRPr sz="675"/>
-            </a:lvl7pPr>
-            <a:lvl8pPr marL="2400300" indent="0">
-              <a:buNone/>
-              <a:defRPr sz="675"/>
-            </a:lvl8pPr>
-            <a:lvl9pPr marL="2743200" indent="0">
-              <a:buNone/>
-              <a:defRPr sz="675"/>
-            </a:lvl9pPr>
-          </a:lstStyle>
-          <a:p>
-            <a:pPr lvl="0"/>
-            <a:r>
-              <a:rPr lang="en-US"/>
-              <a:t>Click to edit Master text styles</a:t>
-            </a:r>
-          </a:p>
-        </p:txBody>
-      </p:sp>
-      <p:sp>
-        <p:nvSpPr>
-          <p:cNvPr id="5" name="Date Placeholder 4"/>
-          <p:cNvSpPr>
-            <a:spLocks noGrp="1"/>
-          </p:cNvSpPr>
-          <p:nvPr>
-            <p:ph type="dt" sz="half" idx="10"/>
-          </p:nvPr>
-        </p:nvSpPr>
-        <p:spPr/>
-        <p:txBody>
-          <a:bodyPr/>
-          <a:lstStyle/>
-          <a:p>
-            <a:fld id="{241EB5C9-1307-BA42-ABA2-0BC069CD8E7F}" type="datetimeFigureOut">
-              <a:rPr lang="en-US" smtClean="0"/>
-              <a:t>1/2/22</a:t>
-            </a:fld>
-            <a:endParaRPr lang="en-US"/>
-          </a:p>
-        </p:txBody>
-      </p:sp>
-      <p:sp>
-        <p:nvSpPr>
-          <p:cNvPr id="6" name="Footer Placeholder 5"/>
-          <p:cNvSpPr>
-            <a:spLocks noGrp="1"/>
-          </p:cNvSpPr>
-          <p:nvPr>
-            <p:ph type="ftr" sz="quarter" idx="11"/>
-          </p:nvPr>
-        </p:nvSpPr>
-        <p:spPr/>
-        <p:txBody>
-          <a:bodyPr/>
-          <a:lstStyle/>
-          <a:p>
-            <a:endParaRPr lang="en-US"/>
-          </a:p>
-        </p:txBody>
-      </p:sp>
-      <p:sp>
-        <p:nvSpPr>
-          <p:cNvPr id="7" name="Slide Number Placeholder 6"/>
-          <p:cNvSpPr>
-            <a:spLocks noGrp="1"/>
-          </p:cNvSpPr>
-          <p:nvPr>
-            <p:ph type="sldNum" sz="quarter" idx="12"/>
-          </p:nvPr>
-        </p:nvSpPr>
-        <p:spPr/>
-        <p:txBody>
-          <a:bodyPr/>
-          <a:lstStyle/>
-          <a:p>
-            <a:fld id="{C5EF2332-01BF-834F-8236-50238282D533}" type="slidenum">
-              <a:rPr lang="en-US" smtClean="0"/>
-              <a:t>‹#›</a:t>
-            </a:fld>
-            <a:endParaRPr lang="en-US"/>
-          </a:p>
-        </p:txBody>
-      </p:sp>
-    </p:spTree>
-    <p:extLst>
-      <p:ext uri="{BB962C8B-B14F-4D97-AF65-F5344CB8AC3E}">
-        <p14:creationId xmlns:p14="http://schemas.microsoft.com/office/powerpoint/2010/main" val="3540895647"/>
-      </p:ext>
-    </p:extLst>
-  </p:cSld>
-  <p:clrMapOvr>
-    <a:masterClrMapping/>
-  </p:clrMapOvr>
-</p:sldLayout>
-</file>
-
-<file path=ppt/slideLayouts/slideLayout9.xml><?xml version="1.0" encoding="utf-8"?>
-<p:sldLayout xmlns:a="http://schemas.openxmlformats.org/drawingml/2006/main" xmlns:r="http://schemas.openxmlformats.org/officeDocument/2006/relationships" xmlns:p="http://schemas.openxmlformats.org/presentationml/2006/main" type="picTx" preserve="1">
-  <p:cSld name="Picture with Caption">
-    <p:spTree>
-      <p:nvGrpSpPr>
-        <p:cNvPr id="1" name=""/>
-        <p:cNvGrpSpPr/>
-        <p:nvPr/>
-      </p:nvGrpSpPr>
-      <p:grpSpPr>
-        <a:xfrm>
-          <a:off x="0" y="0"/>
-          <a:ext cx="0" cy="0"/>
-          <a:chOff x="0" y="0"/>
-          <a:chExt cx="0" cy="0"/>
-        </a:xfrm>
-      </p:grpSpPr>
-      <p:sp>
-        <p:nvSpPr>
-          <p:cNvPr id="2" name="Title 1"/>
-          <p:cNvSpPr>
-            <a:spLocks noGrp="1"/>
-          </p:cNvSpPr>
-          <p:nvPr>
-            <p:ph type="title"/>
-          </p:nvPr>
-        </p:nvSpPr>
-        <p:spPr>
-          <a:xfrm>
-            <a:off x="1792288" y="3600450"/>
-            <a:ext cx="5486400" cy="425054"/>
-          </a:xfrm>
-        </p:spPr>
-        <p:txBody>
-          <a:bodyPr anchor="b"/>
-          <a:lstStyle>
-            <a:lvl1pPr algn="l">
-              <a:defRPr sz="1500" b="1"/>
-            </a:lvl1pPr>
-          </a:lstStyle>
-          <a:p>
-            <a:r>
-              <a:rPr lang="en-US"/>
-              <a:t>Click to edit Master title style</a:t>
-            </a:r>
-          </a:p>
-        </p:txBody>
-      </p:sp>
-      <p:sp>
-        <p:nvSpPr>
-          <p:cNvPr id="3" name="Picture Placeholder 2"/>
-          <p:cNvSpPr>
-            <a:spLocks noGrp="1"/>
-          </p:cNvSpPr>
-          <p:nvPr>
-            <p:ph type="pic" idx="1"/>
-          </p:nvPr>
-        </p:nvSpPr>
-        <p:spPr>
-          <a:xfrm>
-            <a:off x="1792288" y="459581"/>
-            <a:ext cx="5486400" cy="3086100"/>
-          </a:xfrm>
-        </p:spPr>
-        <p:txBody>
-          <a:bodyPr/>
-          <a:lstStyle>
-            <a:lvl1pPr marL="0" indent="0">
-              <a:buNone/>
-              <a:defRPr sz="2400"/>
-            </a:lvl1pPr>
-            <a:lvl2pPr marL="342900" indent="0">
-              <a:buNone/>
-              <a:defRPr sz="2100"/>
-            </a:lvl2pPr>
-            <a:lvl3pPr marL="685800" indent="0">
-              <a:buNone/>
-              <a:defRPr sz="1800"/>
-            </a:lvl3pPr>
-            <a:lvl4pPr marL="1028700" indent="0">
-              <a:buNone/>
-              <a:defRPr sz="1500"/>
-            </a:lvl4pPr>
-            <a:lvl5pPr marL="1371600" indent="0">
-              <a:buNone/>
-              <a:defRPr sz="1500"/>
-            </a:lvl5pPr>
-            <a:lvl6pPr marL="1714500" indent="0">
-              <a:buNone/>
-              <a:defRPr sz="1500"/>
-            </a:lvl6pPr>
-            <a:lvl7pPr marL="2057400" indent="0">
-              <a:buNone/>
-              <a:defRPr sz="1500"/>
-            </a:lvl7pPr>
-            <a:lvl8pPr marL="2400300" indent="0">
-              <a:buNone/>
-              <a:defRPr sz="1500"/>
-            </a:lvl8pPr>
-            <a:lvl9pPr marL="2743200" indent="0">
-              <a:buNone/>
-              <a:defRPr sz="1500"/>
-            </a:lvl9pPr>
-          </a:lstStyle>
-          <a:p>
-            <a:endParaRPr lang="en-US"/>
-          </a:p>
-        </p:txBody>
-      </p:sp>
-      <p:sp>
-        <p:nvSpPr>
-          <p:cNvPr id="4" name="Text Placeholder 3"/>
-          <p:cNvSpPr>
-            <a:spLocks noGrp="1"/>
-          </p:cNvSpPr>
-          <p:nvPr>
-            <p:ph type="body" sz="half" idx="2"/>
-          </p:nvPr>
-        </p:nvSpPr>
-        <p:spPr>
-          <a:xfrm>
-            <a:off x="1792288" y="4025503"/>
-            <a:ext cx="5486400" cy="603647"/>
-          </a:xfrm>
-        </p:spPr>
-        <p:txBody>
-          <a:bodyPr/>
-          <a:lstStyle>
-            <a:lvl1pPr marL="0" indent="0">
-              <a:buNone/>
-              <a:defRPr sz="1050"/>
-            </a:lvl1pPr>
-            <a:lvl2pPr marL="342900" indent="0">
-              <a:buNone/>
-              <a:defRPr sz="900"/>
-            </a:lvl2pPr>
-            <a:lvl3pPr marL="685800" indent="0">
-              <a:buNone/>
-              <a:defRPr sz="750"/>
-            </a:lvl3pPr>
-            <a:lvl4pPr marL="1028700" indent="0">
-              <a:buNone/>
-              <a:defRPr sz="675"/>
-            </a:lvl4pPr>
-            <a:lvl5pPr marL="1371600" indent="0">
-              <a:buNone/>
-              <a:defRPr sz="675"/>
-            </a:lvl5pPr>
-            <a:lvl6pPr marL="1714500" indent="0">
-              <a:buNone/>
-              <a:defRPr sz="675"/>
-            </a:lvl6pPr>
-            <a:lvl7pPr marL="2057400" indent="0">
-              <a:buNone/>
-              <a:defRPr sz="675"/>
-            </a:lvl7pPr>
-            <a:lvl8pPr marL="2400300" indent="0">
-              <a:buNone/>
-              <a:defRPr sz="675"/>
-            </a:lvl8pPr>
-            <a:lvl9pPr marL="2743200" indent="0">
-              <a:buNone/>
-              <a:defRPr sz="675"/>
-            </a:lvl9pPr>
-          </a:lstStyle>
-          <a:p>
-            <a:pPr lvl="0"/>
-            <a:r>
-              <a:rPr lang="en-US"/>
-              <a:t>Click to edit Master text styles</a:t>
-            </a:r>
-          </a:p>
-        </p:txBody>
-      </p:sp>
-      <p:sp>
-        <p:nvSpPr>
-          <p:cNvPr id="5" name="Date Placeholder 4"/>
-          <p:cNvSpPr>
-            <a:spLocks noGrp="1"/>
-          </p:cNvSpPr>
-          <p:nvPr>
-            <p:ph type="dt" sz="half" idx="10"/>
-          </p:nvPr>
-        </p:nvSpPr>
-        <p:spPr/>
-        <p:txBody>
-          <a:bodyPr/>
-          <a:lstStyle/>
-          <a:p>
-            <a:fld id="{241EB5C9-1307-BA42-ABA2-0BC069CD8E7F}" type="datetimeFigureOut">
-              <a:rPr lang="en-US" smtClean="0"/>
-              <a:t>1/2/22</a:t>
-            </a:fld>
-            <a:endParaRPr lang="en-US"/>
-          </a:p>
-        </p:txBody>
-      </p:sp>
-      <p:sp>
-        <p:nvSpPr>
-          <p:cNvPr id="6" name="Footer Placeholder 5"/>
-          <p:cNvSpPr>
-            <a:spLocks noGrp="1"/>
-          </p:cNvSpPr>
-          <p:nvPr>
-            <p:ph type="ftr" sz="quarter" idx="11"/>
-          </p:nvPr>
-        </p:nvSpPr>
-        <p:spPr/>
-        <p:txBody>
-          <a:bodyPr/>
-          <a:lstStyle/>
-          <a:p>
-            <a:endParaRPr lang="en-US"/>
-          </a:p>
-        </p:txBody>
-      </p:sp>
-      <p:sp>
-        <p:nvSpPr>
-          <p:cNvPr id="7" name="Slide Number Placeholder 6"/>
-          <p:cNvSpPr>
-            <a:spLocks noGrp="1"/>
-          </p:cNvSpPr>
-          <p:nvPr>
-            <p:ph type="sldNum" sz="quarter" idx="12"/>
-          </p:nvPr>
-        </p:nvSpPr>
-        <p:spPr/>
-        <p:txBody>
-          <a:bodyPr/>
-          <a:lstStyle/>
-          <a:p>
-            <a:fld id="{C5EF2332-01BF-834F-8236-50238282D533}" type="slidenum">
-              <a:rPr lang="en-US" smtClean="0"/>
-              <a:t>‹#›</a:t>
-            </a:fld>
-            <a:endParaRPr lang="en-US"/>
-          </a:p>
-        </p:txBody>
-      </p:sp>
-    </p:spTree>
-    <p:extLst>
-      <p:ext uri="{BB962C8B-B14F-4D97-AF65-F5344CB8AC3E}">
-        <p14:creationId xmlns:p14="http://schemas.microsoft.com/office/powerpoint/2010/main" val="3566899855"/>
-      </p:ext>
-    </p:extLst>
-  </p:cSld>
-  <p:clrMapOvr>
-    <a:masterClrMapping/>
-  </p:clrMapOvr>
-</p:sldLayout>
-</file>
-
 <file path=ppt/slideMasters/slideMaster1.xml><?xml version="1.0" encoding="utf-8"?>
-<p:sldMaster xmlns:a="http://schemas.openxmlformats.org/drawingml/2006/main" xmlns:p="http://schemas.openxmlformats.org/presentationml/2006/main" xmlns:r="http://schemas.openxmlformats.org/officeDocument/2006/relationships">
+<p:sldMaster xmlns:a="http://schemas.openxmlformats.org/drawingml/2006/main" xmlns:r="http://schemas.openxmlformats.org/officeDocument/2006/relationships" xmlns:p="http://schemas.openxmlformats.org/presentationml/2006/main">
   <p:cSld>
     <p:bg>
       <p:bgRef idx="1001">
@@ -3129,13 +2256,13 @@
           </a:prstGeom>
         </p:spPr>
         <p:txBody>
-          <a:bodyPr anchor="ctr" bIns="45720" lIns="91440" rIns="91440" rtlCol="0" tIns="45720" vert="horz">
+          <a:bodyPr vert="horz" lIns="91440" tIns="45720" rIns="91440" bIns="45720" rtlCol="0" anchor="ctr">
             <a:normAutofit/>
           </a:bodyPr>
           <a:lstStyle/>
           <a:p>
             <a:r>
-              <a:rPr altLang="en-US" kumimoji="1" lang="ja-JP"/>
+              <a:rPr kumimoji="1" lang="ja-JP" altLang="en-US"/>
               <a:t>マスター タイトルの書式設定</a:t>
             </a:r>
           </a:p>
@@ -3154,7 +2281,7 @@
             <a:spLocks noGrp="1"/>
           </p:cNvSpPr>
           <p:nvPr>
-            <p:ph idx="1" type="body"/>
+            <p:ph type="body" idx="1"/>
           </p:nvPr>
         </p:nvSpPr>
         <p:spPr>
@@ -3167,74 +2294,74 @@
           </a:prstGeom>
         </p:spPr>
         <p:txBody>
-          <a:bodyPr anchor="ctr" bIns="45720" lIns="91440" rIns="450000" rtlCol="0" tIns="45720" vert="horz">
+          <a:bodyPr vert="horz" lIns="91440" tIns="45720" rIns="450000" bIns="45720" rtlCol="0" anchor="ctr">
             <a:normAutofit/>
           </a:bodyPr>
           <a:lstStyle/>
           <a:p>
             <a:pPr lvl="0"/>
             <a:r>
-              <a:rPr altLang="en-US" dirty="0" kumimoji="1" lang="ja-JP"/>
+              <a:rPr kumimoji="1" lang="ja-JP" altLang="en-US" dirty="0"/>
               <a:t>マスター テキストの書式設定</a:t>
             </a:r>
           </a:p>
           <a:p>
             <a:pPr lvl="1"/>
             <a:r>
-              <a:rPr altLang="en-US" dirty="0" kumimoji="1" lang="ja-JP"/>
+              <a:rPr kumimoji="1" lang="ja-JP" altLang="en-US" dirty="0"/>
               <a:t>第 </a:t>
             </a:r>
             <a:r>
-              <a:rPr altLang="ja-JP" dirty="0" kumimoji="1" lang="en-US"/>
+              <a:rPr kumimoji="1" lang="en-US" altLang="ja-JP" dirty="0"/>
               <a:t>2 </a:t>
             </a:r>
             <a:r>
-              <a:rPr altLang="en-US" dirty="0" kumimoji="1" lang="ja-JP"/>
+              <a:rPr kumimoji="1" lang="ja-JP" altLang="en-US" dirty="0"/>
               <a:t>レベル</a:t>
             </a:r>
           </a:p>
           <a:p>
             <a:pPr lvl="2"/>
             <a:r>
-              <a:rPr altLang="en-US" dirty="0" kumimoji="1" lang="ja-JP"/>
+              <a:rPr kumimoji="1" lang="ja-JP" altLang="en-US" dirty="0"/>
               <a:t>第 </a:t>
             </a:r>
             <a:r>
-              <a:rPr altLang="ja-JP" dirty="0" kumimoji="1" lang="en-US"/>
+              <a:rPr kumimoji="1" lang="en-US" altLang="ja-JP" dirty="0"/>
               <a:t>3 </a:t>
             </a:r>
             <a:r>
-              <a:rPr altLang="en-US" dirty="0" kumimoji="1" lang="ja-JP"/>
+              <a:rPr kumimoji="1" lang="ja-JP" altLang="en-US" dirty="0"/>
               <a:t>レベル</a:t>
             </a:r>
           </a:p>
           <a:p>
             <a:pPr lvl="3"/>
             <a:r>
-              <a:rPr altLang="en-US" dirty="0" kumimoji="1" lang="ja-JP"/>
+              <a:rPr kumimoji="1" lang="ja-JP" altLang="en-US" dirty="0"/>
               <a:t>第 </a:t>
             </a:r>
             <a:r>
-              <a:rPr altLang="ja-JP" dirty="0" kumimoji="1" lang="en-US"/>
+              <a:rPr kumimoji="1" lang="en-US" altLang="ja-JP" dirty="0"/>
               <a:t>4 </a:t>
             </a:r>
             <a:r>
-              <a:rPr altLang="en-US" dirty="0" kumimoji="1" lang="ja-JP"/>
+              <a:rPr kumimoji="1" lang="ja-JP" altLang="en-US" dirty="0"/>
               <a:t>レベル</a:t>
             </a:r>
           </a:p>
           <a:p>
             <a:pPr lvl="4"/>
             <a:r>
-              <a:rPr altLang="en-US" dirty="0" kumimoji="1" lang="ja-JP"/>
+              <a:rPr kumimoji="1" lang="ja-JP" altLang="en-US" dirty="0"/>
               <a:t>第 </a:t>
             </a:r>
             <a:r>
-              <a:rPr altLang="ja-JP" dirty="0" kumimoji="1" lang="en-US"/>
+              <a:rPr kumimoji="1" lang="en-US" altLang="ja-JP" dirty="0"/>
               <a:t>5 </a:t>
             </a:r>
             <a:r>
-              <a:rPr altLang="en-US" dirty="0" kumimoji="1" lang="ja-JP"/>
+              <a:rPr kumimoji="1" lang="ja-JP" altLang="en-US" dirty="0"/>
               <a:t>レベル</a:t>
             </a:r>
           </a:p>
@@ -3253,7 +2380,7 @@
             <a:spLocks noGrp="1"/>
           </p:cNvSpPr>
           <p:nvPr>
-            <p:ph idx="2" sz="half" type="dt"/>
+            <p:ph type="dt" sz="half" idx="2"/>
           </p:nvPr>
         </p:nvSpPr>
         <p:spPr>
@@ -3266,7 +2393,7 @@
           </a:prstGeom>
         </p:spPr>
         <p:txBody>
-          <a:bodyPr anchor="ctr" bIns="45720" lIns="91440" rIns="91440" rtlCol="0" tIns="45720" vert="horz"/>
+          <a:bodyPr vert="horz" lIns="91440" tIns="45720" rIns="91440" bIns="45720" rtlCol="0" anchor="ctr"/>
           <a:lstStyle>
             <a:lvl1pPr algn="l">
               <a:defRPr sz="1200">
@@ -3278,11 +2405,11 @@
           </a:lstStyle>
           <a:p>
             <a:fld id="{15384FC0-2EDF-4BC9-8FC0-5261E4DBE54F}" type="datetimeFigureOut">
-              <a:rPr altLang="en-US" lang="ja-JP" smtClean="0"/>
+              <a:rPr lang="ja-JP" altLang="en-US" smtClean="0"/>
               <a:pPr/>
               <a:t>2022/10/14</a:t>
             </a:fld>
-            <a:endParaRPr altLang="en-US" lang="ja-JP"/>
+            <a:endParaRPr lang="ja-JP" altLang="en-US"/>
           </a:p>
         </p:txBody>
       </p:sp>
@@ -3299,7 +2426,7 @@
             <a:spLocks noGrp="1"/>
           </p:cNvSpPr>
           <p:nvPr>
-            <p:ph idx="3" sz="quarter" type="ftr"/>
+            <p:ph type="ftr" sz="quarter" idx="3"/>
           </p:nvPr>
         </p:nvSpPr>
         <p:spPr>
@@ -3312,7 +2439,7 @@
           </a:prstGeom>
         </p:spPr>
         <p:txBody>
-          <a:bodyPr anchor="ctr" bIns="45720" lIns="91440" rIns="91440" rtlCol="0" tIns="45720" vert="horz"/>
+          <a:bodyPr vert="horz" lIns="91440" tIns="45720" rIns="91440" bIns="45720" rtlCol="0" anchor="ctr"/>
           <a:lstStyle>
             <a:lvl1pPr algn="ctr">
               <a:defRPr sz="1200">
@@ -3323,7 +2450,7 @@
             </a:lvl1pPr>
           </a:lstStyle>
           <a:p>
-            <a:endParaRPr altLang="en-US" lang="ja-JP"/>
+            <a:endParaRPr lang="ja-JP" altLang="en-US"/>
           </a:p>
         </p:txBody>
       </p:sp>
@@ -3340,7 +2467,7 @@
             <a:spLocks noGrp="1"/>
           </p:cNvSpPr>
           <p:nvPr>
-            <p:ph idx="4" sz="quarter" type="sldNum"/>
+            <p:ph type="sldNum" sz="quarter" idx="4"/>
           </p:nvPr>
         </p:nvSpPr>
         <p:spPr>
@@ -3353,7 +2480,7 @@
           </a:prstGeom>
         </p:spPr>
         <p:txBody>
-          <a:bodyPr anchor="ctr" bIns="45720" lIns="91440" rIns="91440" rtlCol="0" tIns="45720" vert="horz"/>
+          <a:bodyPr vert="horz" lIns="91440" tIns="45720" rIns="91440" bIns="45720" rtlCol="0" anchor="ctr"/>
           <a:lstStyle>
             <a:lvl1pPr algn="r">
               <a:defRPr sz="1200">
@@ -3365,11 +2492,11 @@
           </a:lstStyle>
           <a:p>
             <a:fld id="{CB495C2B-378B-40B4-A5AF-16313FEB7814}" type="slidenum">
-              <a:rPr altLang="en-US" lang="ja-JP" smtClean="0"/>
+              <a:rPr lang="ja-JP" altLang="en-US" smtClean="0"/>
               <a:pPr/>
               <a:t>‹#›</a:t>
             </a:fld>
-            <a:endParaRPr altLang="en-US" lang="ja-JP"/>
+            <a:endParaRPr lang="ja-JP" altLang="en-US"/>
           </a:p>
         </p:txBody>
       </p:sp>
@@ -3380,7 +2507,7 @@
       </p:ext>
     </p:extLst>
   </p:cSld>
-  <p:clrMap accent1="accent1" accent2="accent2" accent3="accent3" accent4="accent4" accent5="accent5" accent6="accent6" bg1="lt1" bg2="lt2" folHlink="folHlink" hlink="hlink" tx1="dk1" tx2="dk2"/>
+  <p:clrMap bg1="lt1" tx1="dk1" bg2="lt2" tx2="dk2" accent1="accent1" accent2="accent2" accent3="accent3" accent4="accent4" accent5="accent5" accent6="accent6" hlink="hlink" folHlink="folHlink"/>
   <p:sldLayoutIdLst>
     <p:sldLayoutId id="2147483649" r:id="rId1"/>
     <p:sldLayoutId id="2147483651" r:id="rId2"/>
@@ -3392,7 +2519,7 @@
   </p:sldLayoutIdLst>
   <p:txStyles>
     <p:titleStyle>
-      <a:lvl1pPr algn="l" defTabSz="914400" eaLnBrk="1" hangingPunct="1" latinLnBrk="0" rtl="0">
+      <a:lvl1pPr algn="l" defTabSz="914400" rtl="0" eaLnBrk="1" latinLnBrk="0" hangingPunct="1">
         <a:lnSpc>
           <a:spcPct val="90000"/>
         </a:lnSpc>
@@ -3400,7 +2527,7 @@
           <a:spcPct val="0"/>
         </a:spcBef>
         <a:buNone/>
-        <a:defRPr b="1" kern="1200" kumimoji="1" sz="4000">
+        <a:defRPr kumimoji="1" sz="4000" b="1" kern="1200">
           <a:solidFill>
             <a:srgbClr val="0D2659"/>
           </a:solidFill>
@@ -3411,106 +2538,106 @@
       </a:lvl1pPr>
     </p:titleStyle>
     <p:bodyStyle>
-      <a:lvl1pPr algn="l" defTabSz="914400" eaLnBrk="1" hangingPunct="1" indent="-228600" latinLnBrk="0" marL="540000" rtl="0">
+      <a:lvl1pPr marL="540000" indent="-228600" algn="l" defTabSz="914400" rtl="0" eaLnBrk="1" latinLnBrk="0" hangingPunct="1">
         <a:lnSpc>
           <a:spcPct val="90000"/>
         </a:lnSpc>
         <a:spcBef>
           <a:spcPts val="1000"/>
         </a:spcBef>
-        <a:buFont charset="0" panose="020B0604020202020204" pitchFamily="34" typeface="Arial"/>
+        <a:buFont typeface="Arial" panose="020B0604020202020204" pitchFamily="34" charset="0"/>
         <a:buChar char="•"/>
-        <a:defRPr baseline="0" kern="1200" kumimoji="1" sz="2800">
+        <a:defRPr kumimoji="1" sz="2800" kern="1200" baseline="0">
           <a:solidFill>
             <a:schemeClr val="tx1"/>
           </a:solidFill>
           <a:latin typeface="(日本語用のフォントを使用)"/>
-          <a:ea charset="-128" panose="020B0500000000000000" pitchFamily="50" typeface="游ゴシック Medium"/>
+          <a:ea typeface="游ゴシック Medium" panose="020B0500000000000000" pitchFamily="50" charset="-128"/>
           <a:cs typeface="+mn-cs"/>
         </a:defRPr>
       </a:lvl1pPr>
-      <a:lvl2pPr algn="l" defTabSz="914400" eaLnBrk="1" hangingPunct="1" indent="-228600" latinLnBrk="0" marL="900000" rtl="0">
+      <a:lvl2pPr marL="900000" indent="-228600" algn="l" defTabSz="914400" rtl="0" eaLnBrk="1" latinLnBrk="0" hangingPunct="1">
         <a:lnSpc>
           <a:spcPct val="90000"/>
         </a:lnSpc>
         <a:spcBef>
           <a:spcPts val="500"/>
         </a:spcBef>
-        <a:buFont charset="0" panose="020B0604020202020204" pitchFamily="34" typeface="Arial"/>
+        <a:buFont typeface="Arial" panose="020B0604020202020204" pitchFamily="34" charset="0"/>
         <a:buChar char="•"/>
-        <a:defRPr baseline="0" kern="1200" kumimoji="1" sz="2400">
+        <a:defRPr kumimoji="1" sz="2400" kern="1200" baseline="0">
           <a:solidFill>
             <a:schemeClr val="tx1"/>
           </a:solidFill>
           <a:latin typeface="(日本語用のフォントを使用)"/>
-          <a:ea charset="-128" panose="020B0500000000000000" pitchFamily="50" typeface="游ゴシック Medium"/>
+          <a:ea typeface="游ゴシック Medium" panose="020B0500000000000000" pitchFamily="50" charset="-128"/>
           <a:cs typeface="+mn-cs"/>
         </a:defRPr>
       </a:lvl2pPr>
-      <a:lvl3pPr algn="l" defTabSz="914400" eaLnBrk="1" hangingPunct="1" indent="-228600" latinLnBrk="0" marL="1260000" rtl="0">
+      <a:lvl3pPr marL="1260000" indent="-228600" algn="l" defTabSz="914400" rtl="0" eaLnBrk="1" latinLnBrk="0" hangingPunct="1">
         <a:lnSpc>
           <a:spcPct val="90000"/>
         </a:lnSpc>
         <a:spcBef>
           <a:spcPts val="500"/>
         </a:spcBef>
-        <a:buFont charset="0" panose="020B0604020202020204" pitchFamily="34" typeface="Arial"/>
+        <a:buFont typeface="Arial" panose="020B0604020202020204" pitchFamily="34" charset="0"/>
         <a:buChar char="•"/>
-        <a:defRPr baseline="0" kern="1200" kumimoji="1" sz="2000">
+        <a:defRPr kumimoji="1" sz="2000" kern="1200" baseline="0">
           <a:solidFill>
             <a:schemeClr val="tx1"/>
           </a:solidFill>
           <a:latin typeface="(日本語用のフォントを使用)"/>
-          <a:ea charset="-128" panose="020B0500000000000000" pitchFamily="50" typeface="游ゴシック Medium"/>
+          <a:ea typeface="游ゴシック Medium" panose="020B0500000000000000" pitchFamily="50" charset="-128"/>
           <a:cs typeface="+mn-cs"/>
         </a:defRPr>
       </a:lvl3pPr>
-      <a:lvl4pPr algn="l" defTabSz="914400" eaLnBrk="1" hangingPunct="1" indent="-228600" latinLnBrk="0" marL="1620000" rtl="0">
+      <a:lvl4pPr marL="1620000" indent="-228600" algn="l" defTabSz="914400" rtl="0" eaLnBrk="1" latinLnBrk="0" hangingPunct="1">
         <a:lnSpc>
           <a:spcPct val="90000"/>
         </a:lnSpc>
         <a:spcBef>
           <a:spcPts val="500"/>
         </a:spcBef>
-        <a:buFont charset="0" panose="020B0604020202020204" pitchFamily="34" typeface="Arial"/>
+        <a:buFont typeface="Arial" panose="020B0604020202020204" pitchFamily="34" charset="0"/>
         <a:buChar char="•"/>
-        <a:defRPr baseline="0" kern="1200" kumimoji="1" sz="1800">
+        <a:defRPr kumimoji="1" sz="1800" kern="1200" baseline="0">
           <a:solidFill>
             <a:schemeClr val="tx1"/>
           </a:solidFill>
           <a:latin typeface="(日本語用のフォントを使用)"/>
-          <a:ea charset="-128" panose="020B0500000000000000" pitchFamily="50" typeface="游ゴシック Medium"/>
+          <a:ea typeface="游ゴシック Medium" panose="020B0500000000000000" pitchFamily="50" charset="-128"/>
           <a:cs typeface="+mn-cs"/>
         </a:defRPr>
       </a:lvl4pPr>
-      <a:lvl5pPr algn="l" defTabSz="914400" eaLnBrk="1" hangingPunct="1" indent="-228600" latinLnBrk="0" marL="1980000" rtl="0">
+      <a:lvl5pPr marL="1980000" indent="-228600" algn="l" defTabSz="914400" rtl="0" eaLnBrk="1" latinLnBrk="0" hangingPunct="1">
         <a:lnSpc>
           <a:spcPct val="90000"/>
         </a:lnSpc>
         <a:spcBef>
           <a:spcPts val="500"/>
         </a:spcBef>
-        <a:buFont charset="0" panose="020B0604020202020204" pitchFamily="34" typeface="Arial"/>
+        <a:buFont typeface="Arial" panose="020B0604020202020204" pitchFamily="34" charset="0"/>
         <a:buChar char="•"/>
-        <a:defRPr baseline="0" kern="1200" kumimoji="1" sz="1800">
+        <a:defRPr kumimoji="1" sz="1800" kern="1200" baseline="0">
           <a:solidFill>
             <a:schemeClr val="tx1"/>
           </a:solidFill>
           <a:latin typeface="(日本語用のフォントを使用)"/>
-          <a:ea charset="-128" panose="020B0500000000000000" pitchFamily="50" typeface="游ゴシック Medium"/>
+          <a:ea typeface="游ゴシック Medium" panose="020B0500000000000000" pitchFamily="50" charset="-128"/>
           <a:cs typeface="+mn-cs"/>
         </a:defRPr>
       </a:lvl5pPr>
-      <a:lvl6pPr algn="l" defTabSz="914400" eaLnBrk="1" hangingPunct="1" indent="-228600" latinLnBrk="0" marL="2514600" rtl="0">
+      <a:lvl6pPr marL="2514600" indent="-228600" algn="l" defTabSz="914400" rtl="0" eaLnBrk="1" latinLnBrk="0" hangingPunct="1">
         <a:lnSpc>
           <a:spcPct val="90000"/>
         </a:lnSpc>
         <a:spcBef>
           <a:spcPts val="500"/>
         </a:spcBef>
-        <a:buFont charset="0" panose="020B0604020202020204" pitchFamily="34" typeface="Arial"/>
+        <a:buFont typeface="Arial" panose="020B0604020202020204" pitchFamily="34" charset="0"/>
         <a:buChar char="•"/>
-        <a:defRPr kern="1200" kumimoji="1" sz="1800">
+        <a:defRPr kumimoji="1" sz="1800" kern="1200">
           <a:solidFill>
             <a:schemeClr val="tx1"/>
           </a:solidFill>
@@ -3519,16 +2646,16 @@
           <a:cs typeface="+mn-cs"/>
         </a:defRPr>
       </a:lvl6pPr>
-      <a:lvl7pPr algn="l" defTabSz="914400" eaLnBrk="1" hangingPunct="1" indent="-228600" latinLnBrk="0" marL="2971800" rtl="0">
+      <a:lvl7pPr marL="2971800" indent="-228600" algn="l" defTabSz="914400" rtl="0" eaLnBrk="1" latinLnBrk="0" hangingPunct="1">
         <a:lnSpc>
           <a:spcPct val="90000"/>
         </a:lnSpc>
         <a:spcBef>
           <a:spcPts val="500"/>
         </a:spcBef>
-        <a:buFont charset="0" panose="020B0604020202020204" pitchFamily="34" typeface="Arial"/>
+        <a:buFont typeface="Arial" panose="020B0604020202020204" pitchFamily="34" charset="0"/>
         <a:buChar char="•"/>
-        <a:defRPr kern="1200" kumimoji="1" sz="1800">
+        <a:defRPr kumimoji="1" sz="1800" kern="1200">
           <a:solidFill>
             <a:schemeClr val="tx1"/>
           </a:solidFill>
@@ -3537,16 +2664,16 @@
           <a:cs typeface="+mn-cs"/>
         </a:defRPr>
       </a:lvl7pPr>
-      <a:lvl8pPr algn="l" defTabSz="914400" eaLnBrk="1" hangingPunct="1" indent="-228600" latinLnBrk="0" marL="3429000" rtl="0">
+      <a:lvl8pPr marL="3429000" indent="-228600" algn="l" defTabSz="914400" rtl="0" eaLnBrk="1" latinLnBrk="0" hangingPunct="1">
         <a:lnSpc>
           <a:spcPct val="90000"/>
         </a:lnSpc>
         <a:spcBef>
           <a:spcPts val="500"/>
         </a:spcBef>
-        <a:buFont charset="0" panose="020B0604020202020204" pitchFamily="34" typeface="Arial"/>
+        <a:buFont typeface="Arial" panose="020B0604020202020204" pitchFamily="34" charset="0"/>
         <a:buChar char="•"/>
-        <a:defRPr kern="1200" kumimoji="1" sz="1800">
+        <a:defRPr kumimoji="1" sz="1800" kern="1200">
           <a:solidFill>
             <a:schemeClr val="tx1"/>
           </a:solidFill>
@@ -3555,16 +2682,16 @@
           <a:cs typeface="+mn-cs"/>
         </a:defRPr>
       </a:lvl8pPr>
-      <a:lvl9pPr algn="l" defTabSz="914400" eaLnBrk="1" hangingPunct="1" indent="-228600" latinLnBrk="0" marL="3886200" rtl="0">
+      <a:lvl9pPr marL="3886200" indent="-228600" algn="l" defTabSz="914400" rtl="0" eaLnBrk="1" latinLnBrk="0" hangingPunct="1">
         <a:lnSpc>
           <a:spcPct val="90000"/>
         </a:lnSpc>
         <a:spcBef>
           <a:spcPts val="500"/>
         </a:spcBef>
-        <a:buFont charset="0" panose="020B0604020202020204" pitchFamily="34" typeface="Arial"/>
+        <a:buFont typeface="Arial" panose="020B0604020202020204" pitchFamily="34" charset="0"/>
         <a:buChar char="•"/>
-        <a:defRPr kern="1200" kumimoji="1" sz="1800">
+        <a:defRPr kumimoji="1" sz="1800" kern="1200">
           <a:solidFill>
             <a:schemeClr val="tx1"/>
           </a:solidFill>
@@ -3578,8 +2705,8 @@
       <a:defPPr>
         <a:defRPr lang="ja-JP"/>
       </a:defPPr>
-      <a:lvl1pPr algn="l" defTabSz="914400" eaLnBrk="1" hangingPunct="1" latinLnBrk="0" marL="0" rtl="0">
-        <a:defRPr kern="1200" kumimoji="1" sz="1800">
+      <a:lvl1pPr marL="0" algn="l" defTabSz="914400" rtl="0" eaLnBrk="1" latinLnBrk="0" hangingPunct="1">
+        <a:defRPr kumimoji="1" sz="1800" kern="1200">
           <a:solidFill>
             <a:schemeClr val="tx1"/>
           </a:solidFill>
@@ -3588,8 +2715,8 @@
           <a:cs typeface="+mn-cs"/>
         </a:defRPr>
       </a:lvl1pPr>
-      <a:lvl2pPr algn="l" defTabSz="914400" eaLnBrk="1" hangingPunct="1" latinLnBrk="0" marL="457200" rtl="0">
-        <a:defRPr kern="1200" kumimoji="1" sz="1800">
+      <a:lvl2pPr marL="457200" algn="l" defTabSz="914400" rtl="0" eaLnBrk="1" latinLnBrk="0" hangingPunct="1">
+        <a:defRPr kumimoji="1" sz="1800" kern="1200">
           <a:solidFill>
             <a:schemeClr val="tx1"/>
           </a:solidFill>
@@ -3598,8 +2725,8 @@
           <a:cs typeface="+mn-cs"/>
         </a:defRPr>
       </a:lvl2pPr>
-      <a:lvl3pPr algn="l" defTabSz="914400" eaLnBrk="1" hangingPunct="1" latinLnBrk="0" marL="914400" rtl="0">
-        <a:defRPr kern="1200" kumimoji="1" sz="1800">
+      <a:lvl3pPr marL="914400" algn="l" defTabSz="914400" rtl="0" eaLnBrk="1" latinLnBrk="0" hangingPunct="1">
+        <a:defRPr kumimoji="1" sz="1800" kern="1200">
           <a:solidFill>
             <a:schemeClr val="tx1"/>
           </a:solidFill>
@@ -3608,8 +2735,8 @@
           <a:cs typeface="+mn-cs"/>
         </a:defRPr>
       </a:lvl3pPr>
-      <a:lvl4pPr algn="l" defTabSz="914400" eaLnBrk="1" hangingPunct="1" latinLnBrk="0" marL="1371600" rtl="0">
-        <a:defRPr kern="1200" kumimoji="1" sz="1800">
+      <a:lvl4pPr marL="1371600" algn="l" defTabSz="914400" rtl="0" eaLnBrk="1" latinLnBrk="0" hangingPunct="1">
+        <a:defRPr kumimoji="1" sz="1800" kern="1200">
           <a:solidFill>
             <a:schemeClr val="tx1"/>
           </a:solidFill>
@@ -3618,8 +2745,8 @@
           <a:cs typeface="+mn-cs"/>
         </a:defRPr>
       </a:lvl4pPr>
-      <a:lvl5pPr algn="l" defTabSz="914400" eaLnBrk="1" hangingPunct="1" latinLnBrk="0" marL="1828800" rtl="0">
-        <a:defRPr kern="1200" kumimoji="1" sz="1800">
+      <a:lvl5pPr marL="1828800" algn="l" defTabSz="914400" rtl="0" eaLnBrk="1" latinLnBrk="0" hangingPunct="1">
+        <a:defRPr kumimoji="1" sz="1800" kern="1200">
           <a:solidFill>
             <a:schemeClr val="tx1"/>
           </a:solidFill>
@@ -3628,8 +2755,8 @@
           <a:cs typeface="+mn-cs"/>
         </a:defRPr>
       </a:lvl5pPr>
-      <a:lvl6pPr algn="l" defTabSz="914400" eaLnBrk="1" hangingPunct="1" latinLnBrk="0" marL="2286000" rtl="0">
-        <a:defRPr kern="1200" kumimoji="1" sz="1800">
+      <a:lvl6pPr marL="2286000" algn="l" defTabSz="914400" rtl="0" eaLnBrk="1" latinLnBrk="0" hangingPunct="1">
+        <a:defRPr kumimoji="1" sz="1800" kern="1200">
           <a:solidFill>
             <a:schemeClr val="tx1"/>
           </a:solidFill>
@@ -3638,8 +2765,8 @@
           <a:cs typeface="+mn-cs"/>
         </a:defRPr>
       </a:lvl6pPr>
-      <a:lvl7pPr algn="l" defTabSz="914400" eaLnBrk="1" hangingPunct="1" latinLnBrk="0" marL="2743200" rtl="0">
-        <a:defRPr kern="1200" kumimoji="1" sz="1800">
+      <a:lvl7pPr marL="2743200" algn="l" defTabSz="914400" rtl="0" eaLnBrk="1" latinLnBrk="0" hangingPunct="1">
+        <a:defRPr kumimoji="1" sz="1800" kern="1200">
           <a:solidFill>
             <a:schemeClr val="tx1"/>
           </a:solidFill>
@@ -3648,8 +2775,8 @@
           <a:cs typeface="+mn-cs"/>
         </a:defRPr>
       </a:lvl7pPr>
-      <a:lvl8pPr algn="l" defTabSz="914400" eaLnBrk="1" hangingPunct="1" latinLnBrk="0" marL="3200400" rtl="0">
-        <a:defRPr kern="1200" kumimoji="1" sz="1800">
+      <a:lvl8pPr marL="3200400" algn="l" defTabSz="914400" rtl="0" eaLnBrk="1" latinLnBrk="0" hangingPunct="1">
+        <a:defRPr kumimoji="1" sz="1800" kern="1200">
           <a:solidFill>
             <a:schemeClr val="tx1"/>
           </a:solidFill>
@@ -3658,8 +2785,8 @@
           <a:cs typeface="+mn-cs"/>
         </a:defRPr>
       </a:lvl8pPr>
-      <a:lvl9pPr algn="l" defTabSz="914400" eaLnBrk="1" hangingPunct="1" latinLnBrk="0" marL="3657600" rtl="0">
-        <a:defRPr kern="1200" kumimoji="1" sz="1800">
+      <a:lvl9pPr marL="3657600" algn="l" defTabSz="914400" rtl="0" eaLnBrk="1" latinLnBrk="0" hangingPunct="1">
+        <a:defRPr kumimoji="1" sz="1800" kern="1200">
           <a:solidFill>
             <a:schemeClr val="tx1"/>
           </a:solidFill>
@@ -3708,19 +2835,19 @@
         </p:nvSpPr>
         <p:spPr>
           <a:xfrm>
-            <a:off x="1524000" y="1041400"/>
-            <a:ext cx="9144000" cy="2387600"/>
+            <a:off x="338667" y="1041400"/>
+            <a:ext cx="11514666" cy="2387600"/>
           </a:xfrm>
         </p:spPr>
         <p:txBody>
           <a:bodyPr/>
           <a:lstStyle/>
           <a:p>
-            <a:pPr lvl="0" indent="0" marL="0">
+            <a:pPr marL="0" lvl="0" indent="0">
               <a:buNone/>
             </a:pPr>
             <a:r>
-              <a:rPr/>
+              <a:rPr dirty="0"/>
               <a:t>Only You: A Field Experiment of Text Message to Prevent Free-Riding in Japan Marrow Donor Program</a:t>
             </a:r>
           </a:p>
@@ -3739,7 +2866,7 @@
             <a:spLocks noGrp="1"/>
           </p:cNvSpPr>
           <p:nvPr>
-            <p:ph idx="1" type="subTitle"/>
+            <p:ph type="subTitle" idx="1"/>
           </p:nvPr>
         </p:nvSpPr>
         <p:spPr>
@@ -3749,36 +2876,33 @@
           </a:xfrm>
         </p:spPr>
         <p:txBody>
-          <a:bodyPr/>
+          <a:bodyPr>
+            <a:normAutofit fontScale="85000" lnSpcReduction="20000"/>
+          </a:bodyPr>
           <a:lstStyle/>
           <a:p>
-            <a:pPr lvl="0" indent="0" marL="0">
+            <a:pPr marL="0" lvl="0" indent="0">
               <a:buNone/>
             </a:pPr>
             <a:br/>
             <a:br/>
             <a:r>
-              <a:rPr/>
               <a:t>Hiroki Kato</a:t>
             </a:r>
             <a:br/>
             <a:r>
-              <a:rPr/>
               <a:t>Fumio Ohtake</a:t>
             </a:r>
             <a:br/>
             <a:r>
-              <a:rPr/>
               <a:t>Saiko Kurosawa</a:t>
             </a:r>
             <a:br/>
             <a:r>
-              <a:rPr/>
               <a:t>Kazuhiro Yoshiuchi</a:t>
             </a:r>
             <a:br/>
             <a:r>
-              <a:rPr/>
               <a:t>Takahiro Fukuda</a:t>
             </a:r>
           </a:p>
@@ -3786,6 +2910,9 @@
       </p:sp>
     </p:spTree>
   </p:cSld>
+  <p:clrMapOvr>
+    <a:masterClrMapping/>
+  </p:clrMapOvr>
 </p:sld>
 </file>
 
@@ -3832,11 +2959,10 @@
           <a:bodyPr/>
           <a:lstStyle/>
           <a:p>
-            <a:pPr lvl="0" indent="0" marL="0">
+            <a:pPr marL="0" lvl="0" indent="0">
               <a:buNone/>
             </a:pPr>
             <a:r>
-              <a:rPr/>
               <a:t>介入②：移植患者情報</a:t>
             </a:r>
           </a:p>
@@ -3863,33 +2989,54 @@
           <a:bodyPr/>
           <a:lstStyle/>
           <a:p>
-            <a:pPr lvl="0" indent="0" marL="0">
+            <a:pPr marL="0" lvl="0" indent="0">
               <a:buNone/>
             </a:pPr>
             <a:r>
-              <a:rPr/>
+              <a:rPr dirty="0"/>
               <a:t>「骨髄バンクを介して移植ができる患者さんは現在約6割にとどまっています。</a:t>
             </a:r>
             <a:r>
-              <a:rPr b="1"/>
+              <a:rPr b="1" dirty="0">
+                <a:solidFill>
+                  <a:srgbClr val="0D2659"/>
+                </a:solidFill>
+                <a:latin typeface="游ゴシック" panose="020B0400000000000000" pitchFamily="50" charset="-128"/>
+                <a:ea typeface="游ゴシック" panose="020B0400000000000000" pitchFamily="50" charset="-128"/>
+              </a:rPr>
               <a:t>骨髄等を提供するドナーが早く見つかれば、その比率を高めることができます。</a:t>
             </a:r>
             <a:r>
-              <a:rPr/>
+              <a:rPr dirty="0"/>
               <a:t>」</a:t>
             </a:r>
           </a:p>
           <a:p>
             <a:pPr lvl="0"/>
             <a:r>
-              <a:rPr/>
-              <a:t>クラウディング・アウト効果の解消と併せて、返信スピードを促進することを目的としたもの</a:t>
+              <a:rPr lang="ja-JP" altLang="en-US" dirty="0"/>
+              <a:t>「ただ乗り」行動</a:t>
+            </a:r>
+            <a:r>
+              <a:rPr dirty="0"/>
+              <a:t>の</a:t>
+            </a:r>
+            <a:r>
+              <a:rPr lang="ja-JP" altLang="en-US" dirty="0"/>
+              <a:t>防止</a:t>
+            </a:r>
+            <a:r>
+              <a:rPr dirty="0"/>
+              <a:t>と併せて、返信スピードを促進することを目的としたもの</a:t>
             </a:r>
           </a:p>
         </p:txBody>
       </p:sp>
     </p:spTree>
   </p:cSld>
+  <p:clrMapOvr>
+    <a:masterClrMapping/>
+  </p:clrMapOvr>
 </p:sld>
 </file>
 
@@ -3936,11 +3083,10 @@
           <a:bodyPr/>
           <a:lstStyle/>
           <a:p>
-            <a:pPr lvl="0" indent="0" marL="0">
+            <a:pPr marL="0" lvl="0" indent="0">
               <a:buNone/>
             </a:pPr>
             <a:r>
-              <a:rPr/>
               <a:t>実験群</a:t>
             </a:r>
           </a:p>
@@ -3967,39 +3113,39 @@
           <a:bodyPr/>
           <a:lstStyle/>
           <a:p>
-            <a:pPr lvl="0" indent="0" marL="0">
+            <a:pPr marL="0" lvl="0" indent="0">
               <a:buNone/>
             </a:pPr>
             <a:r>
-              <a:rPr/>
+              <a:rPr dirty="0"/>
               <a:t>2つの介入を組み合わせて、4つの実験群を作成した。 実験群の割り当ては骨髄バンク側の業務の無理のない範囲で週単位でクラスターランダム化した。 そのとき、週・月の固定効果を取り除くために、実験群は月・週でバランスするように配慮。</a:t>
             </a:r>
           </a:p>
           <a:p>
             <a:pPr lvl="0"/>
             <a:r>
-              <a:rPr/>
+              <a:rPr dirty="0"/>
               <a:t>A群：通常の適合通知</a:t>
             </a:r>
           </a:p>
           <a:p>
             <a:pPr lvl="0"/>
             <a:r>
-              <a:rPr/>
+              <a:rPr dirty="0"/>
               <a:t>B群：通常の適合通知＋確率メッセージ</a:t>
             </a:r>
           </a:p>
           <a:p>
             <a:pPr lvl="0"/>
             <a:r>
-              <a:rPr/>
+              <a:rPr dirty="0"/>
               <a:t>C群：通常の適合通知＋移植患者情報</a:t>
             </a:r>
           </a:p>
           <a:p>
             <a:pPr lvl="0"/>
             <a:r>
-              <a:rPr/>
+              <a:rPr dirty="0"/>
               <a:t>D群：通常の適合通知＋確率メッセージ＋移植患者情報</a:t>
             </a:r>
           </a:p>
@@ -4007,6 +3153,9 @@
       </p:sp>
     </p:spTree>
   </p:cSld>
+  <p:clrMapOvr>
+    <a:masterClrMapping/>
+  </p:clrMapOvr>
 </p:sld>
 </file>
 
@@ -4053,11 +3202,10 @@
           <a:bodyPr/>
           <a:lstStyle/>
           <a:p>
-            <a:pPr lvl="0" indent="0" marL="0">
+            <a:pPr marL="0" lvl="0" indent="0">
               <a:buNone/>
             </a:pPr>
             <a:r>
-              <a:rPr/>
               <a:t>割り当てスケジュール</a:t>
             </a:r>
           </a:p>
@@ -4065,9 +3213,15 @@
       </p:sp>
       <p:pic>
         <p:nvPicPr>
-          <p:cNvPr descr="C:\Users\vge00\AppData\Local\Temp\RtmpsJoy65\file2bc456e171df.png" id="0" name="Picture 1"/>
+          <p:cNvPr id="6" name="図 5">
+            <a:extLst>
+              <a:ext uri="{FF2B5EF4-FFF2-40B4-BE49-F238E27FC236}">
+                <a16:creationId xmlns:a16="http://schemas.microsoft.com/office/drawing/2014/main" id="{46584094-AB59-8E92-475B-DD7D6DA98D36}"/>
+              </a:ext>
+            </a:extLst>
+          </p:cNvPr>
           <p:cNvPicPr>
-            <a:picLocks noGrp="1" noChangeAspect="1"/>
+            <a:picLocks noChangeAspect="1"/>
           </p:cNvPicPr>
           <p:nvPr/>
         </p:nvPicPr>
@@ -4077,24 +3231,21 @@
             <a:fillRect/>
           </a:stretch>
         </p:blipFill>
-        <p:spPr bwMode="auto">
-          <a:xfrm>
-            <a:off x="342900" y="1562100"/>
-            <a:ext cx="11480800" cy="4356100"/>
+        <p:spPr>
+          <a:xfrm>
+            <a:off x="1583769" y="1895271"/>
+            <a:ext cx="9021665" cy="3972129"/>
           </a:xfrm>
           <a:prstGeom prst="rect">
             <a:avLst/>
           </a:prstGeom>
-          <a:noFill/>
-          <a:ln w="9525">
-            <a:noFill/>
-            <a:headEnd/>
-            <a:tailEnd/>
-          </a:ln>
         </p:spPr>
       </p:pic>
     </p:spTree>
   </p:cSld>
+  <p:clrMapOvr>
+    <a:masterClrMapping/>
+  </p:clrMapOvr>
 </p:sld>
 </file>
 
@@ -4141,12 +3292,1417 @@
           <a:bodyPr/>
           <a:lstStyle/>
           <a:p>
-            <a:pPr lvl="0" indent="0" marL="0">
+            <a:pPr marL="0" lvl="0" indent="0">
               <a:buNone/>
             </a:pPr>
             <a:r>
-              <a:rPr/>
               <a:t>データ</a:t>
+            </a:r>
+          </a:p>
+        </p:txBody>
+      </p:sp>
+      <p:sp>
+        <p:nvSpPr>
+          <p:cNvPr id="3" name="コンテンツ プレースホルダー 2">
+            <a:extLst>
+              <a:ext uri="{FF2B5EF4-FFF2-40B4-BE49-F238E27FC236}">
+                <a16:creationId xmlns:a16="http://schemas.microsoft.com/office/drawing/2014/main" id="{29CB1BB5-CF30-D8DC-0EA9-79805907379B}"/>
+              </a:ext>
+            </a:extLst>
+          </p:cNvPr>
+          <p:cNvSpPr>
+            <a:spLocks noGrp="1"/>
+          </p:cNvSpPr>
+          <p:nvPr>
+            <p:ph idx="1"/>
+          </p:nvPr>
+        </p:nvSpPr>
+        <p:spPr/>
+        <p:txBody>
+          <a:bodyPr/>
+          <a:lstStyle/>
+          <a:p>
+            <a:pPr lvl="0"/>
+            <a:r>
+              <a:t>データは2022年6月末時点のコーディネーション進行状況と複数の個人属性で構成されている</a:t>
+            </a:r>
+          </a:p>
+          <a:p>
+            <a:pPr lvl="1"/>
+            <a:r>
+              <a:t>観測単位はコーディネーション（ドナー候補者）</a:t>
+            </a:r>
+          </a:p>
+          <a:p>
+            <a:pPr lvl="1"/>
+            <a:r>
+              <a:t>コーディネーション進行状況は提供に至るまでの各工程について記録されている (返信と意向</a:t>
+            </a:r>
+            <a14:m xmlns:a14="http://schemas.microsoft.com/office/drawing/2010/main">
+              <m:oMath xmlns:m="http://schemas.openxmlformats.org/officeDocument/2006/math">
+                <m:r>
+                  <a:rPr>
+                    <a:latin typeface="Cambria Math" panose="02040503050406030204" pitchFamily="18" charset="0"/>
+                  </a:rPr>
+                  <m:t>→</m:t>
+                </m:r>
+              </m:oMath>
+            </a14:m>
+            <a:r>
+              <a:t>確認検査</a:t>
+            </a:r>
+            <a14:m xmlns:a14="http://schemas.microsoft.com/office/drawing/2010/main">
+              <m:oMath xmlns:m="http://schemas.openxmlformats.org/officeDocument/2006/math">
+                <m:r>
+                  <a:rPr>
+                    <a:latin typeface="Cambria Math" panose="02040503050406030204" pitchFamily="18" charset="0"/>
+                  </a:rPr>
+                  <m:t>→</m:t>
+                </m:r>
+              </m:oMath>
+            </a14:m>
+            <a:r>
+              <a:t>第一候補者</a:t>
+            </a:r>
+            <a14:m xmlns:a14="http://schemas.microsoft.com/office/drawing/2010/main">
+              <m:oMath xmlns:m="http://schemas.openxmlformats.org/officeDocument/2006/math">
+                <m:r>
+                  <a:rPr>
+                    <a:latin typeface="Cambria Math" panose="02040503050406030204" pitchFamily="18" charset="0"/>
+                  </a:rPr>
+                  <m:t>→</m:t>
+                </m:r>
+              </m:oMath>
+            </a14:m>
+            <a:r>
+              <a:t>最終同意</a:t>
+            </a:r>
+            <a14:m xmlns:a14="http://schemas.microsoft.com/office/drawing/2010/main">
+              <m:oMath xmlns:m="http://schemas.openxmlformats.org/officeDocument/2006/math">
+                <m:r>
+                  <a:rPr>
+                    <a:latin typeface="Cambria Math" panose="02040503050406030204" pitchFamily="18" charset="0"/>
+                  </a:rPr>
+                  <m:t>→</m:t>
+                </m:r>
+              </m:oMath>
+            </a14:m>
+            <a:r>
+              <a:t>採取)</a:t>
+            </a:r>
+          </a:p>
+          <a:p>
+            <a:pPr lvl="0"/>
+            <a:r>
+              <a:t>分析対象は</a:t>
+            </a:r>
+            <a:r>
+              <a:rPr b="1"/>
+              <a:t>国内在住でコーディネーションが完全に終了している人</a:t>
+            </a:r>
+          </a:p>
+          <a:p>
+            <a:pPr lvl="1"/>
+            <a:r>
+              <a:t>海外に在住する人に適合通知を送付した事例が1件あった</a:t>
+            </a:r>
+          </a:p>
+          <a:p>
+            <a:pPr lvl="1"/>
+            <a:r>
+              <a:t>現在もコーディネーションが進行している事例が約100件あった</a:t>
+            </a:r>
+          </a:p>
+        </p:txBody>
+      </p:sp>
+    </p:spTree>
+  </p:cSld>
+  <p:clrMapOvr>
+    <a:masterClrMapping/>
+  </p:clrMapOvr>
+</p:sld>
+</file>
+
+<file path=ppt/slides/slide14.xml><?xml version="1.0" encoding="utf-8"?>
+<p:sld xmlns:a="http://schemas.openxmlformats.org/drawingml/2006/main" xmlns:r="http://schemas.openxmlformats.org/officeDocument/2006/relationships" xmlns:p="http://schemas.openxmlformats.org/presentationml/2006/main">
+  <p:cSld>
+    <p:spTree>
+      <p:nvGrpSpPr>
+        <p:cNvPr id="1" name=""/>
+        <p:cNvGrpSpPr/>
+        <p:nvPr/>
+      </p:nvGrpSpPr>
+      <p:grpSpPr>
+        <a:xfrm>
+          <a:off x="0" y="0"/>
+          <a:ext cx="0" cy="0"/>
+          <a:chOff x="0" y="0"/>
+          <a:chExt cx="0" cy="0"/>
+        </a:xfrm>
+      </p:grpSpPr>
+      <p:sp>
+        <p:nvSpPr>
+          <p:cNvPr id="2" name="タイトル 1">
+            <a:extLst>
+              <a:ext uri="{FF2B5EF4-FFF2-40B4-BE49-F238E27FC236}">
+                <a16:creationId xmlns:a16="http://schemas.microsoft.com/office/drawing/2014/main" id="{824D53B4-0AE9-BFBA-C10C-3C81DC414EED}"/>
+              </a:ext>
+            </a:extLst>
+          </p:cNvPr>
+          <p:cNvSpPr>
+            <a:spLocks noGrp="1"/>
+          </p:cNvSpPr>
+          <p:nvPr>
+            <p:ph type="title"/>
+          </p:nvPr>
+        </p:nvSpPr>
+        <p:spPr>
+          <a:xfrm>
+            <a:off x="352338" y="436228"/>
+            <a:ext cx="11484528" cy="813732"/>
+          </a:xfrm>
+        </p:spPr>
+        <p:txBody>
+          <a:bodyPr/>
+          <a:lstStyle/>
+          <a:p>
+            <a:pPr marL="0" lvl="0" indent="0">
+              <a:buNone/>
+            </a:pPr>
+            <a:r>
+              <a:t>フィールド実験概要</a:t>
+            </a:r>
+          </a:p>
+        </p:txBody>
+      </p:sp>
+      <p:pic>
+        <p:nvPicPr>
+          <p:cNvPr id="5" name="図 4">
+            <a:extLst>
+              <a:ext uri="{FF2B5EF4-FFF2-40B4-BE49-F238E27FC236}">
+                <a16:creationId xmlns:a16="http://schemas.microsoft.com/office/drawing/2014/main" id="{69671A5F-8995-F6C7-DB97-FE7CC18E27D4}"/>
+              </a:ext>
+            </a:extLst>
+          </p:cNvPr>
+          <p:cNvPicPr>
+            <a:picLocks noChangeAspect="1"/>
+          </p:cNvPicPr>
+          <p:nvPr/>
+        </p:nvPicPr>
+        <p:blipFill>
+          <a:blip r:embed="rId2"/>
+          <a:stretch>
+            <a:fillRect/>
+          </a:stretch>
+        </p:blipFill>
+        <p:spPr>
+          <a:xfrm>
+            <a:off x="1827671" y="1521895"/>
+            <a:ext cx="8533862" cy="4899877"/>
+          </a:xfrm>
+          <a:prstGeom prst="rect">
+            <a:avLst/>
+          </a:prstGeom>
+        </p:spPr>
+      </p:pic>
+    </p:spTree>
+  </p:cSld>
+  <p:clrMapOvr>
+    <a:masterClrMapping/>
+  </p:clrMapOvr>
+</p:sld>
+</file>
+
+<file path=ppt/slides/slide15.xml><?xml version="1.0" encoding="utf-8"?>
+<p:sld xmlns:a="http://schemas.openxmlformats.org/drawingml/2006/main" xmlns:r="http://schemas.openxmlformats.org/officeDocument/2006/relationships" xmlns:p="http://schemas.openxmlformats.org/presentationml/2006/main">
+  <p:cSld>
+    <p:spTree>
+      <p:nvGrpSpPr>
+        <p:cNvPr id="1" name=""/>
+        <p:cNvGrpSpPr/>
+        <p:nvPr/>
+      </p:nvGrpSpPr>
+      <p:grpSpPr>
+        <a:xfrm>
+          <a:off x="0" y="0"/>
+          <a:ext cx="0" cy="0"/>
+          <a:chOff x="0" y="0"/>
+          <a:chExt cx="0" cy="0"/>
+        </a:xfrm>
+      </p:grpSpPr>
+      <p:sp>
+        <p:nvSpPr>
+          <p:cNvPr id="2" name="タイトル 1">
+            <a:extLst>
+              <a:ext uri="{FF2B5EF4-FFF2-40B4-BE49-F238E27FC236}">
+                <a16:creationId xmlns:a16="http://schemas.microsoft.com/office/drawing/2014/main" id="{824D53B4-0AE9-BFBA-C10C-3C81DC414EED}"/>
+              </a:ext>
+            </a:extLst>
+          </p:cNvPr>
+          <p:cNvSpPr>
+            <a:spLocks noGrp="1"/>
+          </p:cNvSpPr>
+          <p:nvPr>
+            <p:ph type="title"/>
+          </p:nvPr>
+        </p:nvSpPr>
+        <p:spPr>
+          <a:xfrm>
+            <a:off x="352338" y="436228"/>
+            <a:ext cx="11484528" cy="813732"/>
+          </a:xfrm>
+        </p:spPr>
+        <p:txBody>
+          <a:bodyPr/>
+          <a:lstStyle/>
+          <a:p>
+            <a:pPr marL="0" lvl="0" indent="0">
+              <a:buNone/>
+            </a:pPr>
+            <a:r>
+              <a:t>推定方法</a:t>
+            </a:r>
+          </a:p>
+        </p:txBody>
+      </p:sp>
+      <mc:AlternateContent xmlns:mc="http://schemas.openxmlformats.org/markup-compatibility/2006">
+        <mc:Choice xmlns:a14="http://schemas.microsoft.com/office/drawing/2010/main" Requires="a14">
+          <p:sp>
+            <p:nvSpPr>
+              <p:cNvPr id="3" name="コンテンツ プレースホルダー 2">
+                <a:extLst>
+                  <a:ext uri="{FF2B5EF4-FFF2-40B4-BE49-F238E27FC236}">
+                    <a16:creationId xmlns:a16="http://schemas.microsoft.com/office/drawing/2014/main" id="{29CB1BB5-CF30-D8DC-0EA9-79805907379B}"/>
+                  </a:ext>
+                </a:extLst>
+              </p:cNvPr>
+              <p:cNvSpPr>
+                <a:spLocks noGrp="1"/>
+              </p:cNvSpPr>
+              <p:nvPr>
+                <p:ph idx="1"/>
+              </p:nvPr>
+            </p:nvSpPr>
+            <p:spPr/>
+            <p:txBody>
+              <a:bodyPr/>
+              <a:lstStyle/>
+              <a:p>
+                <a:pPr marL="0" lvl="0" indent="0">
+                  <a:buNone/>
+                </a:pPr>
+                <a:r>
+                  <a:rPr dirty="0"/>
+                  <a:t>一部の共変量、および割り当ての週と月が実験群間でバランスしていないことを考慮して、 単純な二群比較ではなく、線形確率モデルで推定する。</a:t>
+                </a:r>
+                <a:endParaRPr lang="en-US" dirty="0"/>
+              </a:p>
+              <a:p>
+                <a:pPr marL="0" lvl="0" indent="0">
+                  <a:buNone/>
+                </a:pPr>
+                <a:endParaRPr dirty="0"/>
+              </a:p>
+              <a:p>
+                <a:pPr marL="0" lvl="0" indent="0">
+                  <a:buNone/>
+                </a:pPr>
+                <a14:m>
+                  <m:oMathPara xmlns:m="http://schemas.openxmlformats.org/officeDocument/2006/math">
+                    <m:oMathParaPr>
+                      <m:jc m:val="center"/>
+                    </m:oMathParaPr>
+                    <m:oMath xmlns:m="http://schemas.openxmlformats.org/officeDocument/2006/math">
+                      <m:sSub>
+                        <m:sSubPr>
+                          <m:ctrlPr>
+                            <a:rPr>
+                              <a:latin typeface="Cambria Math" panose="02040503050406030204" pitchFamily="18" charset="0"/>
+                            </a:rPr>
+                          </m:ctrlPr>
+                        </m:sSubPr>
+                        <m:e>
+                          <m:r>
+                            <a:rPr>
+                              <a:latin typeface="Cambria Math" panose="02040503050406030204" pitchFamily="18" charset="0"/>
+                            </a:rPr>
+                            <m:t>𝑌</m:t>
+                          </m:r>
+                        </m:e>
+                        <m:sub>
+                          <m:r>
+                            <a:rPr>
+                              <a:latin typeface="Cambria Math" panose="02040503050406030204" pitchFamily="18" charset="0"/>
+                            </a:rPr>
+                            <m:t>𝑖𝑚𝑤</m:t>
+                          </m:r>
+                        </m:sub>
+                      </m:sSub>
+                      <m:r>
+                        <a:rPr>
+                          <a:latin typeface="Cambria Math" panose="02040503050406030204" pitchFamily="18" charset="0"/>
+                        </a:rPr>
+                        <m:t>=</m:t>
+                      </m:r>
+                      <m:sSub>
+                        <m:sSubPr>
+                          <m:ctrlPr>
+                            <a:rPr i="1">
+                              <a:latin typeface="Cambria Math" panose="02040503050406030204" pitchFamily="18" charset="0"/>
+                            </a:rPr>
+                          </m:ctrlPr>
+                        </m:sSubPr>
+                        <m:e>
+                          <m:r>
+                            <a:rPr>
+                              <a:latin typeface="Cambria Math" panose="02040503050406030204" pitchFamily="18" charset="0"/>
+                            </a:rPr>
+                            <m:t>𝛽</m:t>
+                          </m:r>
+                        </m:e>
+                        <m:sub>
+                          <m:r>
+                            <a:rPr>
+                              <a:latin typeface="Cambria Math" panose="02040503050406030204" pitchFamily="18" charset="0"/>
+                            </a:rPr>
+                            <m:t>1</m:t>
+                          </m:r>
+                        </m:sub>
+                      </m:sSub>
+                      <m:r>
+                        <a:rPr>
+                          <a:latin typeface="Cambria Math" panose="02040503050406030204" pitchFamily="18" charset="0"/>
+                        </a:rPr>
+                        <m:t>⋅</m:t>
+                      </m:r>
+                      <m:sSub>
+                        <m:sSubPr>
+                          <m:ctrlPr>
+                            <a:rPr i="1">
+                              <a:latin typeface="Cambria Math" panose="02040503050406030204" pitchFamily="18" charset="0"/>
+                            </a:rPr>
+                          </m:ctrlPr>
+                        </m:sSubPr>
+                        <m:e>
+                          <m:r>
+                            <m:rPr>
+                              <m:nor/>
+                            </m:rPr>
+                            <a:rPr/>
+                            <m:t>B</m:t>
+                          </m:r>
+                        </m:e>
+                        <m:sub>
+                          <m:r>
+                            <a:rPr>
+                              <a:latin typeface="Cambria Math" panose="02040503050406030204" pitchFamily="18" charset="0"/>
+                            </a:rPr>
+                            <m:t>𝑚𝑤</m:t>
+                          </m:r>
+                        </m:sub>
+                      </m:sSub>
+                      <m:r>
+                        <a:rPr>
+                          <a:latin typeface="Cambria Math" panose="02040503050406030204" pitchFamily="18" charset="0"/>
+                        </a:rPr>
+                        <m:t>+</m:t>
+                      </m:r>
+                      <m:sSub>
+                        <m:sSubPr>
+                          <m:ctrlPr>
+                            <a:rPr i="1">
+                              <a:latin typeface="Cambria Math" panose="02040503050406030204" pitchFamily="18" charset="0"/>
+                            </a:rPr>
+                          </m:ctrlPr>
+                        </m:sSubPr>
+                        <m:e>
+                          <m:r>
+                            <a:rPr>
+                              <a:latin typeface="Cambria Math" panose="02040503050406030204" pitchFamily="18" charset="0"/>
+                            </a:rPr>
+                            <m:t>𝛽</m:t>
+                          </m:r>
+                        </m:e>
+                        <m:sub>
+                          <m:r>
+                            <a:rPr>
+                              <a:latin typeface="Cambria Math" panose="02040503050406030204" pitchFamily="18" charset="0"/>
+                            </a:rPr>
+                            <m:t>2</m:t>
+                          </m:r>
+                        </m:sub>
+                      </m:sSub>
+                      <m:r>
+                        <a:rPr>
+                          <a:latin typeface="Cambria Math" panose="02040503050406030204" pitchFamily="18" charset="0"/>
+                        </a:rPr>
+                        <m:t>⋅</m:t>
+                      </m:r>
+                      <m:sSub>
+                        <m:sSubPr>
+                          <m:ctrlPr>
+                            <a:rPr i="1">
+                              <a:latin typeface="Cambria Math" panose="02040503050406030204" pitchFamily="18" charset="0"/>
+                            </a:rPr>
+                          </m:ctrlPr>
+                        </m:sSubPr>
+                        <m:e>
+                          <m:r>
+                            <m:rPr>
+                              <m:nor/>
+                            </m:rPr>
+                            <a:rPr/>
+                            <m:t>C</m:t>
+                          </m:r>
+                        </m:e>
+                        <m:sub>
+                          <m:r>
+                            <a:rPr>
+                              <a:latin typeface="Cambria Math" panose="02040503050406030204" pitchFamily="18" charset="0"/>
+                            </a:rPr>
+                            <m:t>𝑚𝑤</m:t>
+                          </m:r>
+                        </m:sub>
+                      </m:sSub>
+                      <m:r>
+                        <a:rPr>
+                          <a:latin typeface="Cambria Math" panose="02040503050406030204" pitchFamily="18" charset="0"/>
+                        </a:rPr>
+                        <m:t>+</m:t>
+                      </m:r>
+                      <m:sSub>
+                        <m:sSubPr>
+                          <m:ctrlPr>
+                            <a:rPr i="1">
+                              <a:latin typeface="Cambria Math" panose="02040503050406030204" pitchFamily="18" charset="0"/>
+                            </a:rPr>
+                          </m:ctrlPr>
+                        </m:sSubPr>
+                        <m:e>
+                          <m:r>
+                            <a:rPr>
+                              <a:latin typeface="Cambria Math" panose="02040503050406030204" pitchFamily="18" charset="0"/>
+                            </a:rPr>
+                            <m:t>𝛽</m:t>
+                          </m:r>
+                        </m:e>
+                        <m:sub>
+                          <m:r>
+                            <a:rPr>
+                              <a:latin typeface="Cambria Math" panose="02040503050406030204" pitchFamily="18" charset="0"/>
+                            </a:rPr>
+                            <m:t>3</m:t>
+                          </m:r>
+                        </m:sub>
+                      </m:sSub>
+                      <m:r>
+                        <a:rPr>
+                          <a:latin typeface="Cambria Math" panose="02040503050406030204" pitchFamily="18" charset="0"/>
+                        </a:rPr>
+                        <m:t>⋅</m:t>
+                      </m:r>
+                      <m:sSub>
+                        <m:sSubPr>
+                          <m:ctrlPr>
+                            <a:rPr i="1">
+                              <a:latin typeface="Cambria Math" panose="02040503050406030204" pitchFamily="18" charset="0"/>
+                            </a:rPr>
+                          </m:ctrlPr>
+                        </m:sSubPr>
+                        <m:e>
+                          <m:r>
+                            <m:rPr>
+                              <m:nor/>
+                            </m:rPr>
+                            <a:rPr/>
+                            <m:t>D</m:t>
+                          </m:r>
+                        </m:e>
+                        <m:sub>
+                          <m:r>
+                            <a:rPr>
+                              <a:latin typeface="Cambria Math" panose="02040503050406030204" pitchFamily="18" charset="0"/>
+                            </a:rPr>
+                            <m:t>𝑚𝑤</m:t>
+                          </m:r>
+                        </m:sub>
+                      </m:sSub>
+                      <m:r>
+                        <a:rPr>
+                          <a:latin typeface="Cambria Math" panose="02040503050406030204" pitchFamily="18" charset="0"/>
+                        </a:rPr>
+                        <m:t>+</m:t>
+                      </m:r>
+                      <m:r>
+                        <a:rPr>
+                          <a:latin typeface="Cambria Math" panose="02040503050406030204" pitchFamily="18" charset="0"/>
+                        </a:rPr>
+                        <m:t>𝑋</m:t>
+                      </m:r>
+                      <m:sSub>
+                        <m:sSubPr>
+                          <m:ctrlPr>
+                            <a:rPr i="1">
+                              <a:latin typeface="Cambria Math" panose="02040503050406030204" pitchFamily="18" charset="0"/>
+                            </a:rPr>
+                          </m:ctrlPr>
+                        </m:sSubPr>
+                        <m:e>
+                          <m:r>
+                            <a:rPr>
+                              <a:latin typeface="Cambria Math" panose="02040503050406030204" pitchFamily="18" charset="0"/>
+                            </a:rPr>
+                            <m:t>′</m:t>
+                          </m:r>
+                        </m:e>
+                        <m:sub>
+                          <m:r>
+                            <a:rPr>
+                              <a:latin typeface="Cambria Math" panose="02040503050406030204" pitchFamily="18" charset="0"/>
+                            </a:rPr>
+                            <m:t>𝑖</m:t>
+                          </m:r>
+                        </m:sub>
+                      </m:sSub>
+                      <m:r>
+                        <a:rPr>
+                          <a:latin typeface="Cambria Math" panose="02040503050406030204" pitchFamily="18" charset="0"/>
+                        </a:rPr>
+                        <m:t>𝛾</m:t>
+                      </m:r>
+                      <m:r>
+                        <a:rPr>
+                          <a:latin typeface="Cambria Math" panose="02040503050406030204" pitchFamily="18" charset="0"/>
+                        </a:rPr>
+                        <m:t>+</m:t>
+                      </m:r>
+                      <m:sSub>
+                        <m:sSubPr>
+                          <m:ctrlPr>
+                            <a:rPr i="1">
+                              <a:latin typeface="Cambria Math" panose="02040503050406030204" pitchFamily="18" charset="0"/>
+                            </a:rPr>
+                          </m:ctrlPr>
+                        </m:sSubPr>
+                        <m:e>
+                          <m:r>
+                            <a:rPr>
+                              <a:latin typeface="Cambria Math" panose="02040503050406030204" pitchFamily="18" charset="0"/>
+                            </a:rPr>
+                            <m:t>𝜆</m:t>
+                          </m:r>
+                        </m:e>
+                        <m:sub>
+                          <m:r>
+                            <a:rPr>
+                              <a:latin typeface="Cambria Math" panose="02040503050406030204" pitchFamily="18" charset="0"/>
+                            </a:rPr>
+                            <m:t>𝑚</m:t>
+                          </m:r>
+                        </m:sub>
+                      </m:sSub>
+                      <m:r>
+                        <a:rPr>
+                          <a:latin typeface="Cambria Math" panose="02040503050406030204" pitchFamily="18" charset="0"/>
+                        </a:rPr>
+                        <m:t>+</m:t>
+                      </m:r>
+                      <m:sSub>
+                        <m:sSubPr>
+                          <m:ctrlPr>
+                            <a:rPr i="1">
+                              <a:latin typeface="Cambria Math" panose="02040503050406030204" pitchFamily="18" charset="0"/>
+                            </a:rPr>
+                          </m:ctrlPr>
+                        </m:sSubPr>
+                        <m:e>
+                          <m:r>
+                            <a:rPr>
+                              <a:latin typeface="Cambria Math" panose="02040503050406030204" pitchFamily="18" charset="0"/>
+                            </a:rPr>
+                            <m:t>𝜃</m:t>
+                          </m:r>
+                        </m:e>
+                        <m:sub>
+                          <m:r>
+                            <a:rPr>
+                              <a:latin typeface="Cambria Math" panose="02040503050406030204" pitchFamily="18" charset="0"/>
+                            </a:rPr>
+                            <m:t>𝑤</m:t>
+                          </m:r>
+                        </m:sub>
+                      </m:sSub>
+                      <m:r>
+                        <a:rPr>
+                          <a:latin typeface="Cambria Math" panose="02040503050406030204" pitchFamily="18" charset="0"/>
+                        </a:rPr>
+                        <m:t>+</m:t>
+                      </m:r>
+                      <m:sSub>
+                        <m:sSubPr>
+                          <m:ctrlPr>
+                            <a:rPr i="1">
+                              <a:latin typeface="Cambria Math" panose="02040503050406030204" pitchFamily="18" charset="0"/>
+                            </a:rPr>
+                          </m:ctrlPr>
+                        </m:sSubPr>
+                        <m:e>
+                          <m:r>
+                            <a:rPr>
+                              <a:latin typeface="Cambria Math" panose="02040503050406030204" pitchFamily="18" charset="0"/>
+                            </a:rPr>
+                            <m:t>𝑢</m:t>
+                          </m:r>
+                        </m:e>
+                        <m:sub>
+                          <m:r>
+                            <a:rPr>
+                              <a:latin typeface="Cambria Math" panose="02040503050406030204" pitchFamily="18" charset="0"/>
+                            </a:rPr>
+                            <m:t>𝑖𝑚𝑤</m:t>
+                          </m:r>
+                        </m:sub>
+                      </m:sSub>
+                    </m:oMath>
+                  </m:oMathPara>
+                </a14:m>
+                <a:endParaRPr dirty="0"/>
+              </a:p>
+              <a:p>
+                <a:pPr lvl="0"/>
+                <a:endParaRPr lang="en-US" dirty="0">
+                  <a:latin typeface="Cambria Math" panose="02040503050406030204" pitchFamily="18" charset="0"/>
+                </a:endParaRPr>
+              </a:p>
+              <a:p>
+                <a:pPr lvl="0"/>
+                <a14:m>
+                  <m:oMath xmlns:m="http://schemas.openxmlformats.org/officeDocument/2006/math">
+                    <m:sSub>
+                      <m:sSubPr>
+                        <m:ctrlPr>
+                          <a:rPr>
+                            <a:latin typeface="Cambria Math" panose="02040503050406030204" pitchFamily="18" charset="0"/>
+                          </a:rPr>
+                        </m:ctrlPr>
+                      </m:sSubPr>
+                      <m:e>
+                        <m:r>
+                          <a:rPr>
+                            <a:latin typeface="Cambria Math" panose="02040503050406030204" pitchFamily="18" charset="0"/>
+                          </a:rPr>
+                          <m:t>𝑋</m:t>
+                        </m:r>
+                      </m:e>
+                      <m:sub>
+                        <m:r>
+                          <a:rPr>
+                            <a:latin typeface="Cambria Math" panose="02040503050406030204" pitchFamily="18" charset="0"/>
+                          </a:rPr>
+                          <m:t>𝑖</m:t>
+                        </m:r>
+                      </m:sub>
+                    </m:sSub>
+                  </m:oMath>
+                </a14:m>
+                <a:r>
+                  <a:rPr dirty="0"/>
+                  <a:t>は性別、年齢、東京・大阪・神奈川・愛知ダミー(TOKA)、コーディネーション回数</a:t>
+                </a:r>
+              </a:p>
+              <a:p>
+                <a:pPr lvl="0"/>
+                <a14:m>
+                  <m:oMath xmlns:m="http://schemas.openxmlformats.org/officeDocument/2006/math">
+                    <m:sSub>
+                      <m:sSubPr>
+                        <m:ctrlPr>
+                          <a:rPr>
+                            <a:latin typeface="Cambria Math" panose="02040503050406030204" pitchFamily="18" charset="0"/>
+                          </a:rPr>
+                        </m:ctrlPr>
+                      </m:sSubPr>
+                      <m:e>
+                        <m:r>
+                          <a:rPr>
+                            <a:latin typeface="Cambria Math" panose="02040503050406030204" pitchFamily="18" charset="0"/>
+                          </a:rPr>
+                          <m:t>𝜆</m:t>
+                        </m:r>
+                      </m:e>
+                      <m:sub>
+                        <m:r>
+                          <a:rPr>
+                            <a:latin typeface="Cambria Math" panose="02040503050406030204" pitchFamily="18" charset="0"/>
+                          </a:rPr>
+                          <m:t>𝑚</m:t>
+                        </m:r>
+                      </m:sub>
+                    </m:sSub>
+                  </m:oMath>
+                </a14:m>
+                <a:r>
+                  <a:rPr dirty="0"/>
+                  <a:t>と</a:t>
+                </a:r>
+                <a14:m>
+                  <m:oMath xmlns:m="http://schemas.openxmlformats.org/officeDocument/2006/math">
+                    <m:sSub>
+                      <m:sSubPr>
+                        <m:ctrlPr>
+                          <a:rPr>
+                            <a:latin typeface="Cambria Math" panose="02040503050406030204" pitchFamily="18" charset="0"/>
+                          </a:rPr>
+                        </m:ctrlPr>
+                      </m:sSubPr>
+                      <m:e>
+                        <m:r>
+                          <a:rPr>
+                            <a:latin typeface="Cambria Math" panose="02040503050406030204" pitchFamily="18" charset="0"/>
+                          </a:rPr>
+                          <m:t>𝜃</m:t>
+                        </m:r>
+                      </m:e>
+                      <m:sub>
+                        <m:r>
+                          <a:rPr>
+                            <a:latin typeface="Cambria Math" panose="02040503050406030204" pitchFamily="18" charset="0"/>
+                          </a:rPr>
+                          <m:t>𝑤</m:t>
+                        </m:r>
+                      </m:sub>
+                    </m:sSub>
+                  </m:oMath>
+                </a14:m>
+                <a:r>
+                  <a:rPr dirty="0"/>
+                  <a:t>は週・月の固定効果</a:t>
+                </a:r>
+              </a:p>
+              <a:p>
+                <a:pPr lvl="0"/>
+                <a14:m>
+                  <m:oMath xmlns:m="http://schemas.openxmlformats.org/officeDocument/2006/math">
+                    <m:sSub>
+                      <m:sSubPr>
+                        <m:ctrlPr>
+                          <a:rPr>
+                            <a:latin typeface="Cambria Math" panose="02040503050406030204" pitchFamily="18" charset="0"/>
+                          </a:rPr>
+                        </m:ctrlPr>
+                      </m:sSubPr>
+                      <m:e>
+                        <m:r>
+                          <a:rPr>
+                            <a:latin typeface="Cambria Math" panose="02040503050406030204" pitchFamily="18" charset="0"/>
+                          </a:rPr>
+                          <m:t>𝛽</m:t>
+                        </m:r>
+                      </m:e>
+                      <m:sub>
+                        <m:r>
+                          <a:rPr>
+                            <a:latin typeface="Cambria Math" panose="02040503050406030204" pitchFamily="18" charset="0"/>
+                          </a:rPr>
+                          <m:t>1</m:t>
+                        </m:r>
+                      </m:sub>
+                    </m:sSub>
+                    <m:r>
+                      <a:rPr>
+                        <a:latin typeface="Cambria Math" panose="02040503050406030204" pitchFamily="18" charset="0"/>
+                      </a:rPr>
+                      <m:t>=</m:t>
+                    </m:r>
+                    <m:sSub>
+                      <m:sSubPr>
+                        <m:ctrlPr>
+                          <a:rPr i="1">
+                            <a:latin typeface="Cambria Math" panose="02040503050406030204" pitchFamily="18" charset="0"/>
+                          </a:rPr>
+                        </m:ctrlPr>
+                      </m:sSubPr>
+                      <m:e>
+                        <m:r>
+                          <a:rPr>
+                            <a:latin typeface="Cambria Math" panose="02040503050406030204" pitchFamily="18" charset="0"/>
+                          </a:rPr>
+                          <m:t>𝛽</m:t>
+                        </m:r>
+                      </m:e>
+                      <m:sub>
+                        <m:r>
+                          <a:rPr>
+                            <a:latin typeface="Cambria Math" panose="02040503050406030204" pitchFamily="18" charset="0"/>
+                          </a:rPr>
+                          <m:t>2</m:t>
+                        </m:r>
+                      </m:sub>
+                    </m:sSub>
+                  </m:oMath>
+                </a14:m>
+                <a:r>
+                  <a:rPr dirty="0"/>
+                  <a:t>、</a:t>
+                </a:r>
+                <a14:m>
+                  <m:oMath xmlns:m="http://schemas.openxmlformats.org/officeDocument/2006/math">
+                    <m:sSub>
+                      <m:sSubPr>
+                        <m:ctrlPr>
+                          <a:rPr>
+                            <a:latin typeface="Cambria Math" panose="02040503050406030204" pitchFamily="18" charset="0"/>
+                          </a:rPr>
+                        </m:ctrlPr>
+                      </m:sSubPr>
+                      <m:e>
+                        <m:r>
+                          <a:rPr>
+                            <a:latin typeface="Cambria Math" panose="02040503050406030204" pitchFamily="18" charset="0"/>
+                          </a:rPr>
+                          <m:t>𝛽</m:t>
+                        </m:r>
+                      </m:e>
+                      <m:sub>
+                        <m:r>
+                          <a:rPr>
+                            <a:latin typeface="Cambria Math" panose="02040503050406030204" pitchFamily="18" charset="0"/>
+                          </a:rPr>
+                          <m:t>1</m:t>
+                        </m:r>
+                      </m:sub>
+                    </m:sSub>
+                    <m:r>
+                      <a:rPr>
+                        <a:latin typeface="Cambria Math" panose="02040503050406030204" pitchFamily="18" charset="0"/>
+                      </a:rPr>
+                      <m:t>=</m:t>
+                    </m:r>
+                    <m:sSub>
+                      <m:sSubPr>
+                        <m:ctrlPr>
+                          <a:rPr i="1">
+                            <a:latin typeface="Cambria Math" panose="02040503050406030204" pitchFamily="18" charset="0"/>
+                          </a:rPr>
+                        </m:ctrlPr>
+                      </m:sSubPr>
+                      <m:e>
+                        <m:r>
+                          <a:rPr>
+                            <a:latin typeface="Cambria Math" panose="02040503050406030204" pitchFamily="18" charset="0"/>
+                          </a:rPr>
+                          <m:t>𝛽</m:t>
+                        </m:r>
+                      </m:e>
+                      <m:sub>
+                        <m:r>
+                          <a:rPr>
+                            <a:latin typeface="Cambria Math" panose="02040503050406030204" pitchFamily="18" charset="0"/>
+                          </a:rPr>
+                          <m:t>3</m:t>
+                        </m:r>
+                      </m:sub>
+                    </m:sSub>
+                  </m:oMath>
+                </a14:m>
+                <a:r>
+                  <a:rPr dirty="0"/>
+                  <a:t>、</a:t>
+                </a:r>
+                <a14:m>
+                  <m:oMath xmlns:m="http://schemas.openxmlformats.org/officeDocument/2006/math">
+                    <m:sSub>
+                      <m:sSubPr>
+                        <m:ctrlPr>
+                          <a:rPr>
+                            <a:latin typeface="Cambria Math" panose="02040503050406030204" pitchFamily="18" charset="0"/>
+                          </a:rPr>
+                        </m:ctrlPr>
+                      </m:sSubPr>
+                      <m:e>
+                        <m:r>
+                          <a:rPr>
+                            <a:latin typeface="Cambria Math" panose="02040503050406030204" pitchFamily="18" charset="0"/>
+                          </a:rPr>
+                          <m:t>𝛽</m:t>
+                        </m:r>
+                      </m:e>
+                      <m:sub>
+                        <m:r>
+                          <a:rPr>
+                            <a:latin typeface="Cambria Math" panose="02040503050406030204" pitchFamily="18" charset="0"/>
+                          </a:rPr>
+                          <m:t>2</m:t>
+                        </m:r>
+                      </m:sub>
+                    </m:sSub>
+                    <m:r>
+                      <a:rPr>
+                        <a:latin typeface="Cambria Math" panose="02040503050406030204" pitchFamily="18" charset="0"/>
+                      </a:rPr>
+                      <m:t>=</m:t>
+                    </m:r>
+                    <m:sSub>
+                      <m:sSubPr>
+                        <m:ctrlPr>
+                          <a:rPr i="1">
+                            <a:latin typeface="Cambria Math" panose="02040503050406030204" pitchFamily="18" charset="0"/>
+                          </a:rPr>
+                        </m:ctrlPr>
+                      </m:sSubPr>
+                      <m:e>
+                        <m:r>
+                          <a:rPr>
+                            <a:latin typeface="Cambria Math" panose="02040503050406030204" pitchFamily="18" charset="0"/>
+                          </a:rPr>
+                          <m:t>𝛽</m:t>
+                        </m:r>
+                      </m:e>
+                      <m:sub>
+                        <m:r>
+                          <a:rPr>
+                            <a:latin typeface="Cambria Math" panose="02040503050406030204" pitchFamily="18" charset="0"/>
+                          </a:rPr>
+                          <m:t>3</m:t>
+                        </m:r>
+                      </m:sub>
+                    </m:sSub>
+                  </m:oMath>
+                </a14:m>
+                <a:r>
+                  <a:rPr dirty="0"/>
+                  <a:t>の帰無仮説に対する F検定を実施</a:t>
+                </a:r>
+              </a:p>
+            </p:txBody>
+          </p:sp>
+        </mc:Choice>
+        <mc:Fallback>
+          <p:sp>
+            <p:nvSpPr>
+              <p:cNvPr id="3" name="コンテンツ プレースホルダー 2">
+                <a:extLst>
+                  <a:ext uri="{FF2B5EF4-FFF2-40B4-BE49-F238E27FC236}">
+                    <a16:creationId xmlns:a16="http://schemas.microsoft.com/office/drawing/2014/main" id="{29CB1BB5-CF30-D8DC-0EA9-79805907379B}"/>
+                  </a:ext>
+                </a:extLst>
+              </p:cNvPr>
+              <p:cNvSpPr>
+                <a:spLocks noGrp="1" noRot="1" noChangeAspect="1" noMove="1" noResize="1" noEditPoints="1" noAdjustHandles="1" noChangeArrowheads="1" noChangeShapeType="1" noTextEdit="1"/>
+              </p:cNvSpPr>
+              <p:nvPr>
+                <p:ph idx="1"/>
+              </p:nvPr>
+            </p:nvSpPr>
+            <p:spPr>
+              <a:blipFill>
+                <a:blip r:embed="rId2"/>
+                <a:stretch>
+                  <a:fillRect l="-1115" b="-376"/>
+                </a:stretch>
+              </a:blipFill>
+            </p:spPr>
+            <p:txBody>
+              <a:bodyPr/>
+              <a:lstStyle/>
+              <a:p>
+                <a:r>
+                  <a:rPr lang="ja-JP" altLang="en-US">
+                    <a:noFill/>
+                  </a:rPr>
+                  <a:t> </a:t>
+                </a:r>
+              </a:p>
+            </p:txBody>
+          </p:sp>
+        </mc:Fallback>
+      </mc:AlternateContent>
+    </p:spTree>
+  </p:cSld>
+  <p:clrMapOvr>
+    <a:masterClrMapping/>
+  </p:clrMapOvr>
+</p:sld>
+</file>
+
+<file path=ppt/slides/slide16.xml><?xml version="1.0" encoding="utf-8"?>
+<p:sld xmlns:a="http://schemas.openxmlformats.org/drawingml/2006/main" xmlns:r="http://schemas.openxmlformats.org/officeDocument/2006/relationships" xmlns:p="http://schemas.openxmlformats.org/presentationml/2006/main">
+  <p:cSld>
+    <p:spTree>
+      <p:nvGrpSpPr>
+        <p:cNvPr id="1" name=""/>
+        <p:cNvGrpSpPr/>
+        <p:nvPr/>
+      </p:nvGrpSpPr>
+      <p:grpSpPr>
+        <a:xfrm>
+          <a:off x="0" y="0"/>
+          <a:ext cx="0" cy="0"/>
+          <a:chOff x="0" y="0"/>
+          <a:chExt cx="0" cy="0"/>
+        </a:xfrm>
+      </p:grpSpPr>
+      <p:sp>
+        <p:nvSpPr>
+          <p:cNvPr id="2" name="タイトル 1">
+            <a:extLst>
+              <a:ext uri="{FF2B5EF4-FFF2-40B4-BE49-F238E27FC236}">
+                <a16:creationId xmlns:a16="http://schemas.microsoft.com/office/drawing/2014/main" id="{8AC1D1BD-FECE-E748-6B2E-DB283F509B6B}"/>
+              </a:ext>
+            </a:extLst>
+          </p:cNvPr>
+          <p:cNvSpPr>
+            <a:spLocks noGrp="1"/>
+          </p:cNvSpPr>
+          <p:nvPr>
+            <p:ph type="title"/>
+          </p:nvPr>
+        </p:nvSpPr>
+        <p:spPr>
+          <a:xfrm>
+            <a:off x="831850" y="2709644"/>
+            <a:ext cx="10515600" cy="1426128"/>
+          </a:xfrm>
+        </p:spPr>
+        <p:txBody>
+          <a:bodyPr/>
+          <a:lstStyle/>
+          <a:p>
+            <a:pPr marL="0" lvl="0" indent="0">
+              <a:buNone/>
+            </a:pPr>
+            <a:r>
+              <a:t>Effect on Reply and Intention</a:t>
+            </a:r>
+          </a:p>
+        </p:txBody>
+      </p:sp>
+    </p:spTree>
+  </p:cSld>
+  <p:clrMapOvr>
+    <a:masterClrMapping/>
+  </p:clrMapOvr>
+</p:sld>
+</file>
+
+<file path=ppt/slides/slide17.xml><?xml version="1.0" encoding="utf-8"?>
+<p:sld xmlns:a="http://schemas.openxmlformats.org/drawingml/2006/main" xmlns:r="http://schemas.openxmlformats.org/officeDocument/2006/relationships" xmlns:p="http://schemas.openxmlformats.org/presentationml/2006/main">
+  <p:cSld>
+    <p:spTree>
+      <p:nvGrpSpPr>
+        <p:cNvPr id="1" name=""/>
+        <p:cNvGrpSpPr/>
+        <p:nvPr/>
+      </p:nvGrpSpPr>
+      <p:grpSpPr>
+        <a:xfrm>
+          <a:off x="0" y="0"/>
+          <a:ext cx="0" cy="0"/>
+          <a:chOff x="0" y="0"/>
+          <a:chExt cx="0" cy="0"/>
+        </a:xfrm>
+      </p:grpSpPr>
+      <p:sp>
+        <p:nvSpPr>
+          <p:cNvPr id="2" name="タイトル 1">
+            <a:extLst>
+              <a:ext uri="{FF2B5EF4-FFF2-40B4-BE49-F238E27FC236}">
+                <a16:creationId xmlns:a16="http://schemas.microsoft.com/office/drawing/2014/main" id="{824D53B4-0AE9-BFBA-C10C-3C81DC414EED}"/>
+              </a:ext>
+            </a:extLst>
+          </p:cNvPr>
+          <p:cNvSpPr>
+            <a:spLocks noGrp="1"/>
+          </p:cNvSpPr>
+          <p:nvPr>
+            <p:ph type="title"/>
+          </p:nvPr>
+        </p:nvSpPr>
+        <p:spPr>
+          <a:xfrm>
+            <a:off x="352338" y="436228"/>
+            <a:ext cx="11484528" cy="813732"/>
+          </a:xfrm>
+        </p:spPr>
+        <p:txBody>
+          <a:bodyPr/>
+          <a:lstStyle/>
+          <a:p>
+            <a:pPr marL="0" lvl="0" indent="0">
+              <a:buNone/>
+            </a:pPr>
+            <a:r>
+              <a:t>アウトカム変数</a:t>
+            </a:r>
+          </a:p>
+        </p:txBody>
+      </p:sp>
+      <p:sp>
+        <p:nvSpPr>
+          <p:cNvPr id="3" name="コンテンツ プレースホルダー 2">
+            <a:extLst>
+              <a:ext uri="{FF2B5EF4-FFF2-40B4-BE49-F238E27FC236}">
+                <a16:creationId xmlns:a16="http://schemas.microsoft.com/office/drawing/2014/main" id="{29CB1BB5-CF30-D8DC-0EA9-79805907379B}"/>
+              </a:ext>
+            </a:extLst>
+          </p:cNvPr>
+          <p:cNvSpPr>
+            <a:spLocks noGrp="1"/>
+          </p:cNvSpPr>
+          <p:nvPr>
+            <p:ph idx="1"/>
+          </p:nvPr>
+        </p:nvSpPr>
+        <p:spPr/>
+        <p:txBody>
+          <a:bodyPr/>
+          <a:lstStyle/>
+          <a:p>
+            <a:pPr lvl="0"/>
+            <a:r>
+              <a:rPr dirty="0" err="1"/>
+              <a:t>最も個人の意向が現れる</a:t>
+            </a:r>
+            <a:r>
+              <a:rPr b="1" dirty="0" err="1"/>
+              <a:t>適合通知への返信</a:t>
+            </a:r>
+            <a:r>
+              <a:rPr dirty="0" err="1"/>
+              <a:t>と</a:t>
+            </a:r>
+            <a:r>
+              <a:rPr b="1" dirty="0" err="1"/>
+              <a:t>移植の意向</a:t>
+            </a:r>
+            <a:r>
+              <a:rPr dirty="0" err="1"/>
+              <a:t>をアウトカム変数とする</a:t>
+            </a:r>
+            <a:endParaRPr dirty="0"/>
+          </a:p>
+          <a:p>
+            <a:pPr lvl="1"/>
+            <a:r>
+              <a:rPr dirty="0" err="1"/>
+              <a:t>外生的な要因である患者側の都合でこの工程の段階でコーディネーションが中止した人は除外して分析をする</a:t>
+            </a:r>
+            <a:endParaRPr dirty="0"/>
+          </a:p>
+          <a:p>
+            <a:pPr lvl="0"/>
+            <a:r>
+              <a:rPr dirty="0"/>
+              <a:t>アウトカム変数は適合通知に返信したらならば1を取るダミー変数</a:t>
+            </a:r>
+          </a:p>
+          <a:p>
+            <a:pPr lvl="1"/>
+            <a:r>
+              <a:rPr dirty="0"/>
+              <a:t>全体平均は88%</a:t>
+            </a:r>
+          </a:p>
+          <a:p>
+            <a:pPr lvl="0"/>
+            <a:r>
+              <a:rPr dirty="0" err="1"/>
+              <a:t>返信スピードに対する効果を検証するために</a:t>
+            </a:r>
+            <a:r>
+              <a:rPr dirty="0"/>
+              <a:t>、 </a:t>
+            </a:r>
+            <a14:m xmlns:a14="http://schemas.microsoft.com/office/drawing/2010/main">
+              <m:oMath xmlns:m="http://schemas.openxmlformats.org/officeDocument/2006/math">
+                <m:r>
+                  <a:rPr>
+                    <a:latin typeface="Cambria Math" panose="02040503050406030204" pitchFamily="18" charset="0"/>
+                  </a:rPr>
+                  <m:t>𝑋</m:t>
+                </m:r>
+              </m:oMath>
+            </a14:m>
+            <a:r>
+              <a:rPr dirty="0"/>
+              <a:t>日以内に返信したならば1を取るダミー変数もアウトカムとする</a:t>
+            </a:r>
+          </a:p>
+          <a:p>
+            <a:pPr lvl="1"/>
+            <a14:m xmlns:a14="http://schemas.microsoft.com/office/drawing/2010/main">
+              <m:oMath xmlns:m="http://schemas.openxmlformats.org/officeDocument/2006/math">
+                <m:r>
+                  <a:rPr>
+                    <a:latin typeface="Cambria Math" panose="02040503050406030204" pitchFamily="18" charset="0"/>
+                  </a:rPr>
+                  <m:t>𝑋</m:t>
+                </m:r>
+                <m:r>
+                  <a:rPr>
+                    <a:latin typeface="Cambria Math" panose="02040503050406030204" pitchFamily="18" charset="0"/>
+                  </a:rPr>
+                  <m:t>={5,10,20,30}</m:t>
+                </m:r>
+              </m:oMath>
+            </a14:m>
+            <a:endParaRPr dirty="0"/>
+          </a:p>
+          <a:p>
+            <a:pPr lvl="1"/>
+            <a:r>
+              <a:rPr dirty="0"/>
+              <a:t>返信した人の平均返信日数は全体で約10日（中央値は9日）</a:t>
+            </a:r>
+          </a:p>
+        </p:txBody>
+      </p:sp>
+    </p:spTree>
+  </p:cSld>
+  <p:clrMapOvr>
+    <a:masterClrMapping/>
+  </p:clrMapOvr>
+</p:sld>
+</file>
+
+<file path=ppt/slides/slide18.xml><?xml version="1.0" encoding="utf-8"?>
+<p:sld xmlns:a="http://schemas.openxmlformats.org/drawingml/2006/main" xmlns:r="http://schemas.openxmlformats.org/officeDocument/2006/relationships" xmlns:p="http://schemas.openxmlformats.org/presentationml/2006/main">
+  <p:cSld>
+    <p:spTree>
+      <p:nvGrpSpPr>
+        <p:cNvPr id="1" name=""/>
+        <p:cNvGrpSpPr/>
+        <p:nvPr/>
+      </p:nvGrpSpPr>
+      <p:grpSpPr>
+        <a:xfrm>
+          <a:off x="0" y="0"/>
+          <a:ext cx="0" cy="0"/>
+          <a:chOff x="0" y="0"/>
+          <a:chExt cx="0" cy="0"/>
+        </a:xfrm>
+      </p:grpSpPr>
+      <p:sp>
+        <p:nvSpPr>
+          <p:cNvPr id="2" name="タイトル 1">
+            <a:extLst>
+              <a:ext uri="{FF2B5EF4-FFF2-40B4-BE49-F238E27FC236}">
+                <a16:creationId xmlns:a16="http://schemas.microsoft.com/office/drawing/2014/main" id="{824D53B4-0AE9-BFBA-C10C-3C81DC414EED}"/>
+              </a:ext>
+            </a:extLst>
+          </p:cNvPr>
+          <p:cNvSpPr>
+            <a:spLocks noGrp="1"/>
+          </p:cNvSpPr>
+          <p:nvPr>
+            <p:ph type="title"/>
+          </p:nvPr>
+        </p:nvSpPr>
+        <p:spPr>
+          <a:xfrm>
+            <a:off x="352338" y="436228"/>
+            <a:ext cx="11484528" cy="813732"/>
+          </a:xfrm>
+        </p:spPr>
+        <p:txBody>
+          <a:bodyPr/>
+          <a:lstStyle/>
+          <a:p>
+            <a:pPr marL="0" lvl="0" indent="0">
+              <a:buNone/>
+            </a:pPr>
+            <a:r>
+              <a:t>回帰分析の結果</a:t>
+            </a:r>
+          </a:p>
+        </p:txBody>
+      </p:sp>
+      <p:pic>
+        <p:nvPicPr>
+          <p:cNvPr id="5" name="図 4">
+            <a:extLst>
+              <a:ext uri="{FF2B5EF4-FFF2-40B4-BE49-F238E27FC236}">
+                <a16:creationId xmlns:a16="http://schemas.microsoft.com/office/drawing/2014/main" id="{27C3ECF4-D682-9F3D-0E2C-4CA6641CE24F}"/>
+              </a:ext>
+            </a:extLst>
+          </p:cNvPr>
+          <p:cNvPicPr>
+            <a:picLocks noChangeAspect="1"/>
+          </p:cNvPicPr>
+          <p:nvPr/>
+        </p:nvPicPr>
+        <p:blipFill>
+          <a:blip r:embed="rId2"/>
+          <a:stretch>
+            <a:fillRect/>
+          </a:stretch>
+        </p:blipFill>
+        <p:spPr>
+          <a:xfrm>
+            <a:off x="1660095" y="1560181"/>
+            <a:ext cx="8869013" cy="4753638"/>
+          </a:xfrm>
+          <a:prstGeom prst="rect">
+            <a:avLst/>
+          </a:prstGeom>
+        </p:spPr>
+      </p:pic>
+    </p:spTree>
+  </p:cSld>
+  <p:clrMapOvr>
+    <a:masterClrMapping/>
+  </p:clrMapOvr>
+</p:sld>
+</file>
+
+<file path=ppt/slides/slide19.xml><?xml version="1.0" encoding="utf-8"?>
+<p:sld xmlns:a="http://schemas.openxmlformats.org/drawingml/2006/main" xmlns:r="http://schemas.openxmlformats.org/officeDocument/2006/relationships" xmlns:p="http://schemas.openxmlformats.org/presentationml/2006/main">
+  <p:cSld>
+    <p:spTree>
+      <p:nvGrpSpPr>
+        <p:cNvPr id="1" name=""/>
+        <p:cNvGrpSpPr/>
+        <p:nvPr/>
+      </p:nvGrpSpPr>
+      <p:grpSpPr>
+        <a:xfrm>
+          <a:off x="0" y="0"/>
+          <a:ext cx="0" cy="0"/>
+          <a:chOff x="0" y="0"/>
+          <a:chExt cx="0" cy="0"/>
+        </a:xfrm>
+      </p:grpSpPr>
+      <p:sp>
+        <p:nvSpPr>
+          <p:cNvPr id="2" name="タイトル 1">
+            <a:extLst>
+              <a:ext uri="{FF2B5EF4-FFF2-40B4-BE49-F238E27FC236}">
+                <a16:creationId xmlns:a16="http://schemas.microsoft.com/office/drawing/2014/main" id="{824D53B4-0AE9-BFBA-C10C-3C81DC414EED}"/>
+              </a:ext>
+            </a:extLst>
+          </p:cNvPr>
+          <p:cNvSpPr>
+            <a:spLocks noGrp="1"/>
+          </p:cNvSpPr>
+          <p:nvPr>
+            <p:ph type="title"/>
+          </p:nvPr>
+        </p:nvSpPr>
+        <p:spPr>
+          <a:xfrm>
+            <a:off x="352338" y="436228"/>
+            <a:ext cx="11484528" cy="813732"/>
+          </a:xfrm>
+        </p:spPr>
+        <p:txBody>
+          <a:bodyPr/>
+          <a:lstStyle/>
+          <a:p>
+            <a:pPr marL="0" lvl="0" indent="0">
+              <a:buNone/>
+            </a:pPr>
+            <a:r>
+              <a:t>移植の意向による効果の分解</a:t>
             </a:r>
           </a:p>
         </p:txBody>
@@ -4176,257 +4732,124 @@
               <a:p>
                 <a:pPr lvl="0"/>
                 <a:r>
-                  <a:rPr/>
-                  <a:t>データは2022年6月末時点のコーディネーション進行状況と複数の個人属性で構成されている</a:t>
+                  <a:rPr dirty="0"/>
+                  <a:t>返信率に対する効果は2つの効果に分解できる</a:t>
                 </a:r>
               </a:p>
               <a:p>
-                <a:pPr lvl="1"/>
+                <a:pPr marL="914400" lvl="1" indent="-457200">
+                  <a:buAutoNum type="arabicPeriod"/>
+                </a:pPr>
                 <a:r>
-                  <a:rPr/>
-                  <a:t>観測単位はコーディネーション（ドナー候補者）</a:t>
+                  <a:rPr b="1" dirty="0">
+                    <a:solidFill>
+                      <a:srgbClr val="0D2659"/>
+                    </a:solidFill>
+                    <a:latin typeface="游ゴシック" panose="020B0400000000000000" pitchFamily="50" charset="-128"/>
+                    <a:ea typeface="游ゴシック" panose="020B0400000000000000" pitchFamily="50" charset="-128"/>
+                  </a:rPr>
+                  <a:t>Positive </a:t>
                 </a:r>
+                <a:r>
+                  <a:rPr b="1" dirty="0" err="1">
+                    <a:solidFill>
+                      <a:srgbClr val="0D2659"/>
+                    </a:solidFill>
+                    <a:latin typeface="游ゴシック" panose="020B0400000000000000" pitchFamily="50" charset="-128"/>
+                    <a:ea typeface="游ゴシック" panose="020B0400000000000000" pitchFamily="50" charset="-128"/>
+                  </a:rPr>
+                  <a:t>intention</a:t>
+                </a:r>
+                <a:r>
+                  <a:rPr dirty="0" err="1"/>
+                  <a:t>：提供を希望して返信したかどうか</a:t>
+                </a:r>
+                <a:endParaRPr dirty="0"/>
               </a:p>
               <a:p>
-                <a:pPr lvl="1"/>
+                <a:pPr marL="914400" lvl="1" indent="-457200">
+                  <a:buAutoNum type="arabicPeriod"/>
+                </a:pPr>
                 <a:r>
-                  <a:rPr/>
-                  <a:t>コーディネーション進行状況は提供に至るまでの各工程について記録されている (返信と意向</a:t>
+                  <a:rPr b="1" dirty="0">
+                    <a:solidFill>
+                      <a:srgbClr val="0D2659"/>
+                    </a:solidFill>
+                    <a:latin typeface="游ゴシック" panose="020B0400000000000000" pitchFamily="50" charset="-128"/>
+                    <a:ea typeface="游ゴシック" panose="020B0400000000000000" pitchFamily="50" charset="-128"/>
+                  </a:rPr>
+                  <a:t>Negative </a:t>
+                </a:r>
+                <a:r>
+                  <a:rPr b="1" dirty="0" err="1">
+                    <a:solidFill>
+                      <a:srgbClr val="0D2659"/>
+                    </a:solidFill>
+                    <a:latin typeface="游ゴシック" panose="020B0400000000000000" pitchFamily="50" charset="-128"/>
+                    <a:ea typeface="游ゴシック" panose="020B0400000000000000" pitchFamily="50" charset="-128"/>
+                  </a:rPr>
+                  <a:t>intention</a:t>
+                </a:r>
+                <a:r>
+                  <a:rPr dirty="0" err="1"/>
+                  <a:t>：提供を希望しないで返信したかどうか</a:t>
+                </a:r>
+                <a:endParaRPr dirty="0"/>
+              </a:p>
+              <a:p>
+                <a:pPr lvl="0"/>
+                <a:r>
+                  <a:rPr dirty="0" err="1"/>
+                  <a:t>意向に関する二つのアウトカム変数に対する効果を推定する</a:t>
+                </a:r>
+                <a:endParaRPr dirty="0"/>
+              </a:p>
+              <a:p>
+                <a:pPr lvl="0"/>
+                <a:r>
+                  <a:rPr dirty="0" err="1"/>
+                  <a:t>また、返信スピードを考慮して</a:t>
+                </a:r>
+                <a:r>
+                  <a:rPr dirty="0"/>
+                  <a:t>、 </a:t>
                 </a:r>
                 <a14:m>
                   <m:oMath xmlns:m="http://schemas.openxmlformats.org/officeDocument/2006/math">
                     <m:r>
-                      <m:rPr>
-                        <m:sty m:val="p"/>
-                      </m:rPr>
-                      <m:t>→</m:t>
+                      <a:rPr>
+                        <a:latin typeface="Cambria Math" panose="02040503050406030204" pitchFamily="18" charset="0"/>
+                      </a:rPr>
+                      <m:t>𝑋</m:t>
                     </m:r>
                   </m:oMath>
                 </a14:m>
                 <a:r>
-                  <a:rPr/>
-                  <a:t>確認検査</a:t>
-                </a:r>
-                <a14:m>
-                  <m:oMath xmlns:m="http://schemas.openxmlformats.org/officeDocument/2006/math">
-                    <m:r>
-                      <m:rPr>
-                        <m:sty m:val="p"/>
-                      </m:rPr>
-                      <m:t>→</m:t>
-                    </m:r>
-                  </m:oMath>
-                </a14:m>
-                <a:r>
-                  <a:rPr/>
-                  <a:t>第一候補者</a:t>
-                </a:r>
-                <a14:m>
-                  <m:oMath xmlns:m="http://schemas.openxmlformats.org/officeDocument/2006/math">
-                    <m:r>
-                      <m:rPr>
-                        <m:sty m:val="p"/>
-                      </m:rPr>
-                      <m:t>→</m:t>
-                    </m:r>
-                  </m:oMath>
-                </a14:m>
-                <a:r>
-                  <a:rPr/>
-                  <a:t>最終同意</a:t>
-                </a:r>
-                <a14:m>
-                  <m:oMath xmlns:m="http://schemas.openxmlformats.org/officeDocument/2006/math">
-                    <m:r>
-                      <m:rPr>
-                        <m:sty m:val="p"/>
-                      </m:rPr>
-                      <m:t>→</m:t>
-                    </m:r>
-                  </m:oMath>
-                </a14:m>
-                <a:r>
-                  <a:rPr/>
-                  <a:t>採取)</a:t>
-                </a:r>
-              </a:p>
-              <a:p>
-                <a:pPr lvl="0"/>
-                <a:r>
-                  <a:rPr/>
-                  <a:t>分析対象は</a:t>
+                  <a:rPr dirty="0" err="1"/>
+                  <a:t>日以内に提供を希望して（しないで）返信したかどうかもアウトカム</a:t>
                 </a:r>
                 <a:r>
-                  <a:rPr b="1"/>
-                  <a:t>国内在住でコーディネーションが完全に終了している人</a:t>
+                  <a:rPr dirty="0"/>
+                  <a:t> (Reply within specific day with </a:t>
                 </a:r>
-              </a:p>
-              <a:p>
-                <a:pPr lvl="1"/>
                 <a:r>
-                  <a:rPr/>
-                  <a:t>海外に在住する人に適合通知を送付した事例が1件あった</a:t>
+                  <a:rPr dirty="0" err="1"/>
+                  <a:t>psotive</a:t>
                 </a:r>
-              </a:p>
-              <a:p>
-                <a:pPr lvl="1"/>
                 <a:r>
-                  <a:rPr/>
-                  <a:t>現在もコーディネーションが進行している事例が約100件あった</a:t>
+                  <a:rPr dirty="0"/>
+                  <a:t>/negative intention)</a:t>
                 </a:r>
+                <a:r>
+                  <a:rPr dirty="0" err="1"/>
+                  <a:t>としたモデルも推定する</a:t>
+                </a:r>
+                <a:endParaRPr dirty="0"/>
               </a:p>
             </p:txBody>
           </p:sp>
         </mc:Choice>
-      </mc:AlternateContent>
-    </p:spTree>
-  </p:cSld>
-</p:sld>
-</file>
-
-<file path=ppt/slides/slide14.xml><?xml version="1.0" encoding="utf-8"?>
-<p:sld xmlns:a="http://schemas.openxmlformats.org/drawingml/2006/main" xmlns:r="http://schemas.openxmlformats.org/officeDocument/2006/relationships" xmlns:p="http://schemas.openxmlformats.org/presentationml/2006/main">
-  <p:cSld>
-    <p:spTree>
-      <p:nvGrpSpPr>
-        <p:cNvPr id="1" name=""/>
-        <p:cNvGrpSpPr/>
-        <p:nvPr/>
-      </p:nvGrpSpPr>
-      <p:grpSpPr>
-        <a:xfrm>
-          <a:off x="0" y="0"/>
-          <a:ext cx="0" cy="0"/>
-          <a:chOff x="0" y="0"/>
-          <a:chExt cx="0" cy="0"/>
-        </a:xfrm>
-      </p:grpSpPr>
-      <p:sp>
-        <p:nvSpPr>
-          <p:cNvPr id="2" name="タイトル 1">
-            <a:extLst>
-              <a:ext uri="{FF2B5EF4-FFF2-40B4-BE49-F238E27FC236}">
-                <a16:creationId xmlns:a16="http://schemas.microsoft.com/office/drawing/2014/main" id="{824D53B4-0AE9-BFBA-C10C-3C81DC414EED}"/>
-              </a:ext>
-            </a:extLst>
-          </p:cNvPr>
-          <p:cNvSpPr>
-            <a:spLocks noGrp="1"/>
-          </p:cNvSpPr>
-          <p:nvPr>
-            <p:ph type="title"/>
-          </p:nvPr>
-        </p:nvSpPr>
-        <p:spPr>
-          <a:xfrm>
-            <a:off x="352338" y="436228"/>
-            <a:ext cx="11484528" cy="813732"/>
-          </a:xfrm>
-        </p:spPr>
-        <p:txBody>
-          <a:bodyPr/>
-          <a:lstStyle/>
-          <a:p>
-            <a:pPr lvl="0" indent="0" marL="0">
-              <a:buNone/>
-            </a:pPr>
-            <a:r>
-              <a:rPr/>
-              <a:t>フィールド実験概要</a:t>
-            </a:r>
-          </a:p>
-        </p:txBody>
-      </p:sp>
-      <p:pic>
-        <p:nvPicPr>
-          <p:cNvPr descr="C:\Users\vge00\AppData\Local\Temp\RtmpsJoy65\file2bc457e641da.png" id="0" name="Picture 1"/>
-          <p:cNvPicPr>
-            <a:picLocks noGrp="1" noChangeAspect="1"/>
-          </p:cNvPicPr>
-          <p:nvPr/>
-        </p:nvPicPr>
-        <p:blipFill>
-          <a:blip r:embed="rId2"/>
-          <a:stretch>
-            <a:fillRect/>
-          </a:stretch>
-        </p:blipFill>
-        <p:spPr bwMode="auto">
-          <a:xfrm>
-            <a:off x="3873500" y="1308100"/>
-            <a:ext cx="4406900" cy="4864100"/>
-          </a:xfrm>
-          <a:prstGeom prst="rect">
-            <a:avLst/>
-          </a:prstGeom>
-          <a:noFill/>
-          <a:ln w="9525">
-            <a:noFill/>
-            <a:headEnd/>
-            <a:tailEnd/>
-          </a:ln>
-        </p:spPr>
-      </p:pic>
-    </p:spTree>
-  </p:cSld>
-</p:sld>
-</file>
-
-<file path=ppt/slides/slide15.xml><?xml version="1.0" encoding="utf-8"?>
-<p:sld xmlns:a="http://schemas.openxmlformats.org/drawingml/2006/main" xmlns:r="http://schemas.openxmlformats.org/officeDocument/2006/relationships" xmlns:p="http://schemas.openxmlformats.org/presentationml/2006/main">
-  <p:cSld>
-    <p:spTree>
-      <p:nvGrpSpPr>
-        <p:cNvPr id="1" name=""/>
-        <p:cNvGrpSpPr/>
-        <p:nvPr/>
-      </p:nvGrpSpPr>
-      <p:grpSpPr>
-        <a:xfrm>
-          <a:off x="0" y="0"/>
-          <a:ext cx="0" cy="0"/>
-          <a:chOff x="0" y="0"/>
-          <a:chExt cx="0" cy="0"/>
-        </a:xfrm>
-      </p:grpSpPr>
-      <p:sp>
-        <p:nvSpPr>
-          <p:cNvPr id="2" name="タイトル 1">
-            <a:extLst>
-              <a:ext uri="{FF2B5EF4-FFF2-40B4-BE49-F238E27FC236}">
-                <a16:creationId xmlns:a16="http://schemas.microsoft.com/office/drawing/2014/main" id="{824D53B4-0AE9-BFBA-C10C-3C81DC414EED}"/>
-              </a:ext>
-            </a:extLst>
-          </p:cNvPr>
-          <p:cNvSpPr>
-            <a:spLocks noGrp="1"/>
-          </p:cNvSpPr>
-          <p:nvPr>
-            <p:ph type="title"/>
-          </p:nvPr>
-        </p:nvSpPr>
-        <p:spPr>
-          <a:xfrm>
-            <a:off x="352338" y="436228"/>
-            <a:ext cx="11484528" cy="813732"/>
-          </a:xfrm>
-        </p:spPr>
-        <p:txBody>
-          <a:bodyPr/>
-          <a:lstStyle/>
-          <a:p>
-            <a:pPr lvl="0" indent="0" marL="0">
-              <a:buNone/>
-            </a:pPr>
-            <a:r>
-              <a:rPr/>
-              <a:t>推定方法</a:t>
-            </a:r>
-          </a:p>
-        </p:txBody>
-      </p:sp>
-      <mc:AlternateContent xmlns:mc="http://schemas.openxmlformats.org/markup-compatibility/2006">
-        <mc:Choice xmlns:a14="http://schemas.microsoft.com/office/drawing/2010/main" Requires="a14">
+        <mc:Fallback>
           <p:sp>
             <p:nvSpPr>
               <p:cNvPr id="3" name="コンテンツ プレースホルダー 2">
@@ -4437,961 +4860,40 @@
                 </a:extLst>
               </p:cNvPr>
               <p:cNvSpPr>
-                <a:spLocks noGrp="1"/>
+                <a:spLocks noGrp="1" noRot="1" noChangeAspect="1" noMove="1" noResize="1" noEditPoints="1" noAdjustHandles="1" noChangeArrowheads="1" noChangeShapeType="1" noTextEdit="1"/>
               </p:cNvSpPr>
               <p:nvPr>
                 <p:ph idx="1"/>
               </p:nvPr>
             </p:nvSpPr>
-            <p:spPr/>
+            <p:spPr>
+              <a:blipFill>
+                <a:blip r:embed="rId2"/>
+                <a:stretch>
+                  <a:fillRect/>
+                </a:stretch>
+              </a:blipFill>
+            </p:spPr>
             <p:txBody>
               <a:bodyPr/>
               <a:lstStyle/>
               <a:p>
-                <a:pPr lvl="0" indent="0" marL="0">
-                  <a:buNone/>
-                </a:pPr>
                 <a:r>
-                  <a:rPr/>
-                  <a:t>一部の共変量、および割り当ての週と月が実験群間でバランスしていないことを考慮して、 単純な二群比較ではなく、線形確率モデルで推定する。</a:t>
-                </a:r>
-              </a:p>
-              <a:p>
-                <a:pPr lvl="0" indent="0" marL="0">
-                  <a:buNone/>
-                </a:pPr>
-                <a14:m>
-                  <m:oMathPara xmlns:m="http://schemas.openxmlformats.org/officeDocument/2006/math">
-                    <m:oMathParaPr>
-                      <m:jc m:val="center"/>
-                    </m:oMathParaPr>
-                    <m:oMath>
-                      <m:sSub>
-                        <m:e>
-                          <m:r>
-                            <m:t>Y</m:t>
-                          </m:r>
-                        </m:e>
-                        <m:sub>
-                          <m:r>
-                            <m:t>i</m:t>
-                          </m:r>
-                          <m:r>
-                            <m:t>m</m:t>
-                          </m:r>
-                          <m:r>
-                            <m:t>w</m:t>
-                          </m:r>
-                        </m:sub>
-                      </m:sSub>
-                      <m:r>
-                        <m:rPr>
-                          <m:sty m:val="p"/>
-                        </m:rPr>
-                        <m:t>=</m:t>
-                      </m:r>
-                      <m:sSub>
-                        <m:e>
-                          <m:r>
-                            <m:t>β</m:t>
-                          </m:r>
-                        </m:e>
-                        <m:sub>
-                          <m:r>
-                            <m:t>1</m:t>
-                          </m:r>
-                        </m:sub>
-                      </m:sSub>
-                      <m:r>
-                        <m:rPr>
-                          <m:sty m:val="p"/>
-                        </m:rPr>
-                        <m:t>⋅</m:t>
-                      </m:r>
-                      <m:sSub>
-                        <m:e>
-                          <m:r>
-                            <m:rPr>
-                              <m:nor/>
-                              <m:sty m:val="p"/>
-                            </m:rPr>
-                            <m:t>B</m:t>
-                          </m:r>
-                        </m:e>
-                        <m:sub>
-                          <m:r>
-                            <m:t>m</m:t>
-                          </m:r>
-                          <m:r>
-                            <m:t>w</m:t>
-                          </m:r>
-                        </m:sub>
-                      </m:sSub>
-                      <m:r>
-                        <m:rPr>
-                          <m:sty m:val="p"/>
-                        </m:rPr>
-                        <m:t>+</m:t>
-                      </m:r>
-                      <m:sSub>
-                        <m:e>
-                          <m:r>
-                            <m:t>β</m:t>
-                          </m:r>
-                        </m:e>
-                        <m:sub>
-                          <m:r>
-                            <m:t>2</m:t>
-                          </m:r>
-                        </m:sub>
-                      </m:sSub>
-                      <m:r>
-                        <m:rPr>
-                          <m:sty m:val="p"/>
-                        </m:rPr>
-                        <m:t>⋅</m:t>
-                      </m:r>
-                      <m:sSub>
-                        <m:e>
-                          <m:r>
-                            <m:rPr>
-                              <m:nor/>
-                              <m:sty m:val="p"/>
-                            </m:rPr>
-                            <m:t>C</m:t>
-                          </m:r>
-                        </m:e>
-                        <m:sub>
-                          <m:r>
-                            <m:t>m</m:t>
-                          </m:r>
-                          <m:r>
-                            <m:t>w</m:t>
-                          </m:r>
-                        </m:sub>
-                      </m:sSub>
-                      <m:r>
-                        <m:rPr>
-                          <m:sty m:val="p"/>
-                        </m:rPr>
-                        <m:t>+</m:t>
-                      </m:r>
-                      <m:sSub>
-                        <m:e>
-                          <m:r>
-                            <m:t>β</m:t>
-                          </m:r>
-                        </m:e>
-                        <m:sub>
-                          <m:r>
-                            <m:t>3</m:t>
-                          </m:r>
-                        </m:sub>
-                      </m:sSub>
-                      <m:r>
-                        <m:rPr>
-                          <m:sty m:val="p"/>
-                        </m:rPr>
-                        <m:t>⋅</m:t>
-                      </m:r>
-                      <m:sSub>
-                        <m:e>
-                          <m:r>
-                            <m:rPr>
-                              <m:nor/>
-                              <m:sty m:val="p"/>
-                            </m:rPr>
-                            <m:t>D</m:t>
-                          </m:r>
-                        </m:e>
-                        <m:sub>
-                          <m:r>
-                            <m:t>m</m:t>
-                          </m:r>
-                          <m:r>
-                            <m:t>w</m:t>
-                          </m:r>
-                        </m:sub>
-                      </m:sSub>
-                      <m:r>
-                        <m:rPr>
-                          <m:sty m:val="p"/>
-                        </m:rPr>
-                        <m:t>+</m:t>
-                      </m:r>
-                      <m:r>
-                        <m:t>X</m:t>
-                      </m:r>
-                      <m:sSub>
-                        <m:e>
-                          <m:r>
-                            <m:rPr>
-                              <m:sty m:val="p"/>
-                            </m:rPr>
-                            <m:t>′</m:t>
-                          </m:r>
-                        </m:e>
-                        <m:sub>
-                          <m:r>
-                            <m:t>i</m:t>
-                          </m:r>
-                        </m:sub>
-                      </m:sSub>
-                      <m:r>
-                        <m:t>γ</m:t>
-                      </m:r>
-                      <m:r>
-                        <m:rPr>
-                          <m:sty m:val="p"/>
-                        </m:rPr>
-                        <m:t>+</m:t>
-                      </m:r>
-                      <m:sSub>
-                        <m:e>
-                          <m:r>
-                            <m:t>λ</m:t>
-                          </m:r>
-                        </m:e>
-                        <m:sub>
-                          <m:r>
-                            <m:t>m</m:t>
-                          </m:r>
-                        </m:sub>
-                      </m:sSub>
-                      <m:r>
-                        <m:rPr>
-                          <m:sty m:val="p"/>
-                        </m:rPr>
-                        <m:t>+</m:t>
-                      </m:r>
-                      <m:sSub>
-                        <m:e>
-                          <m:r>
-                            <m:t>θ</m:t>
-                          </m:r>
-                        </m:e>
-                        <m:sub>
-                          <m:r>
-                            <m:t>w</m:t>
-                          </m:r>
-                        </m:sub>
-                      </m:sSub>
-                      <m:r>
-                        <m:rPr>
-                          <m:sty m:val="p"/>
-                        </m:rPr>
-                        <m:t>+</m:t>
-                      </m:r>
-                      <m:sSub>
-                        <m:e>
-                          <m:r>
-                            <m:t>u</m:t>
-                          </m:r>
-                        </m:e>
-                        <m:sub>
-                          <m:r>
-                            <m:t>i</m:t>
-                          </m:r>
-                          <m:r>
-                            <m:t>m</m:t>
-                          </m:r>
-                          <m:r>
-                            <m:t>w</m:t>
-                          </m:r>
-                        </m:sub>
-                      </m:sSub>
-                    </m:oMath>
-                  </m:oMathPara>
-                </a14:m>
-              </a:p>
-              <a:p>
-                <a:pPr lvl="0"/>
-                <a14:m>
-                  <m:oMath xmlns:m="http://schemas.openxmlformats.org/officeDocument/2006/math">
-                    <m:sSub>
-                      <m:e>
-                        <m:r>
-                          <m:t>X</m:t>
-                        </m:r>
-                      </m:e>
-                      <m:sub>
-                        <m:r>
-                          <m:t>i</m:t>
-                        </m:r>
-                      </m:sub>
-                    </m:sSub>
-                  </m:oMath>
-                </a14:m>
-                <a:r>
-                  <a:rPr/>
-                  <a:t>は性別、年齢、東京・大阪・神奈川・愛知ダミー(TOKA)、コーディネーション回数</a:t>
-                </a:r>
-              </a:p>
-              <a:p>
-                <a:pPr lvl="0"/>
-                <a14:m>
-                  <m:oMath xmlns:m="http://schemas.openxmlformats.org/officeDocument/2006/math">
-                    <m:sSub>
-                      <m:e>
-                        <m:r>
-                          <m:t>λ</m:t>
-                        </m:r>
-                      </m:e>
-                      <m:sub>
-                        <m:r>
-                          <m:t>m</m:t>
-                        </m:r>
-                      </m:sub>
-                    </m:sSub>
-                  </m:oMath>
-                </a14:m>
-                <a:r>
-                  <a:rPr/>
-                  <a:t>と</a:t>
-                </a:r>
-                <a14:m>
-                  <m:oMath xmlns:m="http://schemas.openxmlformats.org/officeDocument/2006/math">
-                    <m:sSub>
-                      <m:e>
-                        <m:r>
-                          <m:t>θ</m:t>
-                        </m:r>
-                      </m:e>
-                      <m:sub>
-                        <m:r>
-                          <m:t>w</m:t>
-                        </m:r>
-                      </m:sub>
-                    </m:sSub>
-                  </m:oMath>
-                </a14:m>
-                <a:r>
-                  <a:rPr/>
-                  <a:t>は週・月の固定効果</a:t>
-                </a:r>
-              </a:p>
-              <a:p>
-                <a:pPr lvl="0"/>
-                <a14:m>
-                  <m:oMath xmlns:m="http://schemas.openxmlformats.org/officeDocument/2006/math">
-                    <m:sSub>
-                      <m:e>
-                        <m:r>
-                          <m:t>β</m:t>
-                        </m:r>
-                      </m:e>
-                      <m:sub>
-                        <m:r>
-                          <m:t>1</m:t>
-                        </m:r>
-                      </m:sub>
-                    </m:sSub>
-                    <m:r>
-                      <m:rPr>
-                        <m:sty m:val="p"/>
-                      </m:rPr>
-                      <m:t>=</m:t>
-                    </m:r>
-                    <m:sSub>
-                      <m:e>
-                        <m:r>
-                          <m:t>β</m:t>
-                        </m:r>
-                      </m:e>
-                      <m:sub>
-                        <m:r>
-                          <m:t>2</m:t>
-                        </m:r>
-                      </m:sub>
-                    </m:sSub>
-                  </m:oMath>
-                </a14:m>
-                <a:r>
-                  <a:rPr/>
-                  <a:t>、</a:t>
-                </a:r>
-                <a14:m>
-                  <m:oMath xmlns:m="http://schemas.openxmlformats.org/officeDocument/2006/math">
-                    <m:sSub>
-                      <m:e>
-                        <m:r>
-                          <m:t>β</m:t>
-                        </m:r>
-                      </m:e>
-                      <m:sub>
-                        <m:r>
-                          <m:t>1</m:t>
-                        </m:r>
-                      </m:sub>
-                    </m:sSub>
-                    <m:r>
-                      <m:rPr>
-                        <m:sty m:val="p"/>
-                      </m:rPr>
-                      <m:t>=</m:t>
-                    </m:r>
-                    <m:sSub>
-                      <m:e>
-                        <m:r>
-                          <m:t>β</m:t>
-                        </m:r>
-                      </m:e>
-                      <m:sub>
-                        <m:r>
-                          <m:t>3</m:t>
-                        </m:r>
-                      </m:sub>
-                    </m:sSub>
-                  </m:oMath>
-                </a14:m>
-                <a:r>
-                  <a:rPr/>
-                  <a:t>、</a:t>
-                </a:r>
-                <a14:m>
-                  <m:oMath xmlns:m="http://schemas.openxmlformats.org/officeDocument/2006/math">
-                    <m:sSub>
-                      <m:e>
-                        <m:r>
-                          <m:t>β</m:t>
-                        </m:r>
-                      </m:e>
-                      <m:sub>
-                        <m:r>
-                          <m:t>2</m:t>
-                        </m:r>
-                      </m:sub>
-                    </m:sSub>
-                    <m:r>
-                      <m:rPr>
-                        <m:sty m:val="p"/>
-                      </m:rPr>
-                      <m:t>=</m:t>
-                    </m:r>
-                    <m:sSub>
-                      <m:e>
-                        <m:r>
-                          <m:t>β</m:t>
-                        </m:r>
-                      </m:e>
-                      <m:sub>
-                        <m:r>
-                          <m:t>3</m:t>
-                        </m:r>
-                      </m:sub>
-                    </m:sSub>
-                  </m:oMath>
-                </a14:m>
-                <a:r>
-                  <a:rPr/>
-                  <a:t>の帰無仮説に対する F検定を実施</a:t>
+                  <a:rPr lang="ja-JP" altLang="en-US">
+                    <a:noFill/>
+                  </a:rPr>
+                  <a:t> </a:t>
                 </a:r>
               </a:p>
             </p:txBody>
           </p:sp>
-        </mc:Choice>
+        </mc:Fallback>
       </mc:AlternateContent>
     </p:spTree>
   </p:cSld>
-</p:sld>
-</file>
-
-<file path=ppt/slides/slide16.xml><?xml version="1.0" encoding="utf-8"?>
-<p:sld xmlns:a="http://schemas.openxmlformats.org/drawingml/2006/main" xmlns:r="http://schemas.openxmlformats.org/officeDocument/2006/relationships" xmlns:p="http://schemas.openxmlformats.org/presentationml/2006/main">
-  <p:cSld>
-    <p:spTree>
-      <p:nvGrpSpPr>
-        <p:cNvPr id="1" name=""/>
-        <p:cNvGrpSpPr/>
-        <p:nvPr/>
-      </p:nvGrpSpPr>
-      <p:grpSpPr>
-        <a:xfrm>
-          <a:off x="0" y="0"/>
-          <a:ext cx="0" cy="0"/>
-          <a:chOff x="0" y="0"/>
-          <a:chExt cx="0" cy="0"/>
-        </a:xfrm>
-      </p:grpSpPr>
-      <p:sp>
-        <p:nvSpPr>
-          <p:cNvPr id="2" name="タイトル 1">
-            <a:extLst>
-              <a:ext uri="{FF2B5EF4-FFF2-40B4-BE49-F238E27FC236}">
-                <a16:creationId xmlns:a16="http://schemas.microsoft.com/office/drawing/2014/main" id="{8AC1D1BD-FECE-E748-6B2E-DB283F509B6B}"/>
-              </a:ext>
-            </a:extLst>
-          </p:cNvPr>
-          <p:cNvSpPr>
-            <a:spLocks noGrp="1"/>
-          </p:cNvSpPr>
-          <p:nvPr>
-            <p:ph type="title"/>
-          </p:nvPr>
-        </p:nvSpPr>
-        <p:spPr>
-          <a:xfrm>
-            <a:off x="831850" y="2709644"/>
-            <a:ext cx="10515600" cy="1426128"/>
-          </a:xfrm>
-        </p:spPr>
-        <p:txBody>
-          <a:bodyPr/>
-          <a:lstStyle/>
-          <a:p>
-            <a:pPr lvl="0" indent="0" marL="0">
-              <a:buNone/>
-            </a:pPr>
-            <a:r>
-              <a:rPr/>
-              <a:t>Effect on Reply and Intention</a:t>
-            </a:r>
-          </a:p>
-        </p:txBody>
-      </p:sp>
-    </p:spTree>
-  </p:cSld>
-</p:sld>
-</file>
-
-<file path=ppt/slides/slide17.xml><?xml version="1.0" encoding="utf-8"?>
-<p:sld xmlns:a="http://schemas.openxmlformats.org/drawingml/2006/main" xmlns:r="http://schemas.openxmlformats.org/officeDocument/2006/relationships" xmlns:p="http://schemas.openxmlformats.org/presentationml/2006/main">
-  <p:cSld>
-    <p:spTree>
-      <p:nvGrpSpPr>
-        <p:cNvPr id="1" name=""/>
-        <p:cNvGrpSpPr/>
-        <p:nvPr/>
-      </p:nvGrpSpPr>
-      <p:grpSpPr>
-        <a:xfrm>
-          <a:off x="0" y="0"/>
-          <a:ext cx="0" cy="0"/>
-          <a:chOff x="0" y="0"/>
-          <a:chExt cx="0" cy="0"/>
-        </a:xfrm>
-      </p:grpSpPr>
-      <p:sp>
-        <p:nvSpPr>
-          <p:cNvPr id="2" name="タイトル 1">
-            <a:extLst>
-              <a:ext uri="{FF2B5EF4-FFF2-40B4-BE49-F238E27FC236}">
-                <a16:creationId xmlns:a16="http://schemas.microsoft.com/office/drawing/2014/main" id="{824D53B4-0AE9-BFBA-C10C-3C81DC414EED}"/>
-              </a:ext>
-            </a:extLst>
-          </p:cNvPr>
-          <p:cNvSpPr>
-            <a:spLocks noGrp="1"/>
-          </p:cNvSpPr>
-          <p:nvPr>
-            <p:ph type="title"/>
-          </p:nvPr>
-        </p:nvSpPr>
-        <p:spPr>
-          <a:xfrm>
-            <a:off x="352338" y="436228"/>
-            <a:ext cx="11484528" cy="813732"/>
-          </a:xfrm>
-        </p:spPr>
-        <p:txBody>
-          <a:bodyPr/>
-          <a:lstStyle/>
-          <a:p>
-            <a:pPr lvl="0" indent="0" marL="0">
-              <a:buNone/>
-            </a:pPr>
-            <a:r>
-              <a:rPr/>
-              <a:t>アウトカム変数</a:t>
-            </a:r>
-          </a:p>
-        </p:txBody>
-      </p:sp>
-      <mc:AlternateContent xmlns:mc="http://schemas.openxmlformats.org/markup-compatibility/2006">
-        <mc:Choice xmlns:a14="http://schemas.microsoft.com/office/drawing/2010/main" Requires="a14">
-          <p:sp>
-            <p:nvSpPr>
-              <p:cNvPr id="3" name="コンテンツ プレースホルダー 2">
-                <a:extLst>
-                  <a:ext uri="{FF2B5EF4-FFF2-40B4-BE49-F238E27FC236}">
-                    <a16:creationId xmlns:a16="http://schemas.microsoft.com/office/drawing/2014/main" id="{29CB1BB5-CF30-D8DC-0EA9-79805907379B}"/>
-                  </a:ext>
-                </a:extLst>
-              </p:cNvPr>
-              <p:cNvSpPr>
-                <a:spLocks noGrp="1"/>
-              </p:cNvSpPr>
-              <p:nvPr>
-                <p:ph idx="1"/>
-              </p:nvPr>
-            </p:nvSpPr>
-            <p:spPr/>
-            <p:txBody>
-              <a:bodyPr/>
-              <a:lstStyle/>
-              <a:p>
-                <a:pPr lvl="0"/>
-                <a:r>
-                  <a:rPr/>
-                  <a:t>最も個人の意向が現れる</a:t>
-                </a:r>
-                <a:r>
-                  <a:rPr b="1"/>
-                  <a:t>適合通知への返信</a:t>
-                </a:r>
-                <a:r>
-                  <a:rPr/>
-                  <a:t>と</a:t>
-                </a:r>
-                <a:r>
-                  <a:rPr b="1"/>
-                  <a:t>移植の意向</a:t>
-                </a:r>
-                <a:r>
-                  <a:rPr/>
-                  <a:t>をアウトカム変数とする</a:t>
-                </a:r>
-              </a:p>
-              <a:p>
-                <a:pPr lvl="1"/>
-                <a:r>
-                  <a:rPr/>
-                  <a:t>外生的な要因である患者側の都合でこの工程の段階でコーディネーションが中止した人は除外して分析をする</a:t>
-                </a:r>
-              </a:p>
-              <a:p>
-                <a:pPr lvl="0"/>
-                <a:r>
-                  <a:rPr/>
-                  <a:t>アウトカム変数は適合通知に返信したらならば1を取るダミー変数</a:t>
-                </a:r>
-              </a:p>
-              <a:p>
-                <a:pPr lvl="1"/>
-                <a:r>
-                  <a:rPr/>
-                  <a:t>全体平均は88%</a:t>
-                </a:r>
-              </a:p>
-              <a:p>
-                <a:pPr lvl="0"/>
-                <a:r>
-                  <a:rPr/>
-                  <a:t>返信スピードに対する効果を検証するために、 </a:t>
-                </a:r>
-                <a14:m>
-                  <m:oMath xmlns:m="http://schemas.openxmlformats.org/officeDocument/2006/math">
-                    <m:r>
-                      <m:t>X</m:t>
-                    </m:r>
-                  </m:oMath>
-                </a14:m>
-                <a:r>
-                  <a:rPr/>
-                  <a:t>日以内に返信したならば1を取るダミー変数もアウトカムとする</a:t>
-                </a:r>
-              </a:p>
-              <a:p>
-                <a:pPr lvl="1"/>
-                <a14:m>
-                  <m:oMath xmlns:m="http://schemas.openxmlformats.org/officeDocument/2006/math">
-                    <m:r>
-                      <m:t>X</m:t>
-                    </m:r>
-                    <m:r>
-                      <m:rPr>
-                        <m:sty m:val="p"/>
-                      </m:rPr>
-                      <m:t>=</m:t>
-                    </m:r>
-                    <m:r>
-                      <m:rPr>
-                        <m:sty m:val="p"/>
-                      </m:rPr>
-                      <m:t>{</m:t>
-                    </m:r>
-                    <m:r>
-                      <m:t>5</m:t>
-                    </m:r>
-                    <m:r>
-                      <m:rPr>
-                        <m:sty m:val="p"/>
-                      </m:rPr>
-                      <m:t>,</m:t>
-                    </m:r>
-                    <m:r>
-                      <m:t>10</m:t>
-                    </m:r>
-                    <m:r>
-                      <m:rPr>
-                        <m:sty m:val="p"/>
-                      </m:rPr>
-                      <m:t>,</m:t>
-                    </m:r>
-                    <m:r>
-                      <m:t>20</m:t>
-                    </m:r>
-                    <m:r>
-                      <m:rPr>
-                        <m:sty m:val="p"/>
-                      </m:rPr>
-                      <m:t>,</m:t>
-                    </m:r>
-                    <m:r>
-                      <m:t>30</m:t>
-                    </m:r>
-                    <m:r>
-                      <m:rPr>
-                        <m:sty m:val="p"/>
-                      </m:rPr>
-                      <m:t>}</m:t>
-                    </m:r>
-                  </m:oMath>
-                </a14:m>
-              </a:p>
-              <a:p>
-                <a:pPr lvl="1"/>
-                <a:r>
-                  <a:rPr/>
-                  <a:t>返信した人の平均返信日数は全体で約10日（中央値は9日）</a:t>
-                </a:r>
-              </a:p>
-            </p:txBody>
-          </p:sp>
-        </mc:Choice>
-      </mc:AlternateContent>
-    </p:spTree>
-  </p:cSld>
-</p:sld>
-</file>
-
-<file path=ppt/slides/slide18.xml><?xml version="1.0" encoding="utf-8"?>
-<p:sld xmlns:a="http://schemas.openxmlformats.org/drawingml/2006/main" xmlns:r="http://schemas.openxmlformats.org/officeDocument/2006/relationships" xmlns:p="http://schemas.openxmlformats.org/presentationml/2006/main">
-  <p:cSld>
-    <p:spTree>
-      <p:nvGrpSpPr>
-        <p:cNvPr id="1" name=""/>
-        <p:cNvGrpSpPr/>
-        <p:nvPr/>
-      </p:nvGrpSpPr>
-      <p:grpSpPr>
-        <a:xfrm>
-          <a:off x="0" y="0"/>
-          <a:ext cx="0" cy="0"/>
-          <a:chOff x="0" y="0"/>
-          <a:chExt cx="0" cy="0"/>
-        </a:xfrm>
-      </p:grpSpPr>
-      <p:sp>
-        <p:nvSpPr>
-          <p:cNvPr id="2" name="タイトル 1">
-            <a:extLst>
-              <a:ext uri="{FF2B5EF4-FFF2-40B4-BE49-F238E27FC236}">
-                <a16:creationId xmlns:a16="http://schemas.microsoft.com/office/drawing/2014/main" id="{824D53B4-0AE9-BFBA-C10C-3C81DC414EED}"/>
-              </a:ext>
-            </a:extLst>
-          </p:cNvPr>
-          <p:cNvSpPr>
-            <a:spLocks noGrp="1"/>
-          </p:cNvSpPr>
-          <p:nvPr>
-            <p:ph type="title"/>
-          </p:nvPr>
-        </p:nvSpPr>
-        <p:spPr>
-          <a:xfrm>
-            <a:off x="352338" y="436228"/>
-            <a:ext cx="11484528" cy="813732"/>
-          </a:xfrm>
-        </p:spPr>
-        <p:txBody>
-          <a:bodyPr/>
-          <a:lstStyle/>
-          <a:p>
-            <a:pPr lvl="0" indent="0" marL="0">
-              <a:buNone/>
-            </a:pPr>
-            <a:r>
-              <a:rPr/>
-              <a:t>回帰分析の結果</a:t>
-            </a:r>
-          </a:p>
-        </p:txBody>
-      </p:sp>
-      <p:pic>
-        <p:nvPicPr>
-          <p:cNvPr descr="C:\Users\vge00\AppData\Local\Temp\RtmpsJoy65\file2bc42e04b3e.png" id="0" name="Picture 1"/>
-          <p:cNvPicPr>
-            <a:picLocks noGrp="1" noChangeAspect="1"/>
-          </p:cNvPicPr>
-          <p:nvPr/>
-        </p:nvPicPr>
-        <p:blipFill>
-          <a:blip r:embed="rId2"/>
-          <a:stretch>
-            <a:fillRect/>
-          </a:stretch>
-        </p:blipFill>
-        <p:spPr bwMode="auto">
-          <a:xfrm>
-            <a:off x="4394200" y="1308100"/>
-            <a:ext cx="3378200" cy="4864100"/>
-          </a:xfrm>
-          <a:prstGeom prst="rect">
-            <a:avLst/>
-          </a:prstGeom>
-          <a:noFill/>
-          <a:ln w="9525">
-            <a:noFill/>
-            <a:headEnd/>
-            <a:tailEnd/>
-          </a:ln>
-        </p:spPr>
-      </p:pic>
-    </p:spTree>
-  </p:cSld>
-</p:sld>
-</file>
-
-<file path=ppt/slides/slide19.xml><?xml version="1.0" encoding="utf-8"?>
-<p:sld xmlns:a="http://schemas.openxmlformats.org/drawingml/2006/main" xmlns:r="http://schemas.openxmlformats.org/officeDocument/2006/relationships" xmlns:p="http://schemas.openxmlformats.org/presentationml/2006/main">
-  <p:cSld>
-    <p:spTree>
-      <p:nvGrpSpPr>
-        <p:cNvPr id="1" name=""/>
-        <p:cNvGrpSpPr/>
-        <p:nvPr/>
-      </p:nvGrpSpPr>
-      <p:grpSpPr>
-        <a:xfrm>
-          <a:off x="0" y="0"/>
-          <a:ext cx="0" cy="0"/>
-          <a:chOff x="0" y="0"/>
-          <a:chExt cx="0" cy="0"/>
-        </a:xfrm>
-      </p:grpSpPr>
-      <p:sp>
-        <p:nvSpPr>
-          <p:cNvPr id="2" name="タイトル 1">
-            <a:extLst>
-              <a:ext uri="{FF2B5EF4-FFF2-40B4-BE49-F238E27FC236}">
-                <a16:creationId xmlns:a16="http://schemas.microsoft.com/office/drawing/2014/main" id="{824D53B4-0AE9-BFBA-C10C-3C81DC414EED}"/>
-              </a:ext>
-            </a:extLst>
-          </p:cNvPr>
-          <p:cNvSpPr>
-            <a:spLocks noGrp="1"/>
-          </p:cNvSpPr>
-          <p:nvPr>
-            <p:ph type="title"/>
-          </p:nvPr>
-        </p:nvSpPr>
-        <p:spPr>
-          <a:xfrm>
-            <a:off x="352338" y="436228"/>
-            <a:ext cx="11484528" cy="813732"/>
-          </a:xfrm>
-        </p:spPr>
-        <p:txBody>
-          <a:bodyPr/>
-          <a:lstStyle/>
-          <a:p>
-            <a:pPr lvl="0" indent="0" marL="0">
-              <a:buNone/>
-            </a:pPr>
-            <a:r>
-              <a:rPr/>
-              <a:t>移植の意向による効果の分解</a:t>
-            </a:r>
-          </a:p>
-        </p:txBody>
-      </p:sp>
-      <mc:AlternateContent xmlns:mc="http://schemas.openxmlformats.org/markup-compatibility/2006">
-        <mc:Choice xmlns:a14="http://schemas.microsoft.com/office/drawing/2010/main" Requires="a14">
-          <p:sp>
-            <p:nvSpPr>
-              <p:cNvPr id="3" name="コンテンツ プレースホルダー 2">
-                <a:extLst>
-                  <a:ext uri="{FF2B5EF4-FFF2-40B4-BE49-F238E27FC236}">
-                    <a16:creationId xmlns:a16="http://schemas.microsoft.com/office/drawing/2014/main" id="{29CB1BB5-CF30-D8DC-0EA9-79805907379B}"/>
-                  </a:ext>
-                </a:extLst>
-              </p:cNvPr>
-              <p:cNvSpPr>
-                <a:spLocks noGrp="1"/>
-              </p:cNvSpPr>
-              <p:nvPr>
-                <p:ph idx="1"/>
-              </p:nvPr>
-            </p:nvSpPr>
-            <p:spPr/>
-            <p:txBody>
-              <a:bodyPr/>
-              <a:lstStyle/>
-              <a:p>
-                <a:pPr lvl="0"/>
-                <a:r>
-                  <a:rPr/>
-                  <a:t>返信率に対する効果は2つの効果に分解できる</a:t>
-                </a:r>
-              </a:p>
-              <a:p>
-                <a:pPr lvl="1" indent="-457200" marL="914400">
-                  <a:buAutoNum type="arabicPeriod"/>
-                </a:pPr>
-                <a:r>
-                  <a:rPr b="1"/>
-                  <a:t>Positive intention</a:t>
-                </a:r>
-                <a:r>
-                  <a:rPr/>
-                  <a:t>：提供を希望して返信したかどうか</a:t>
-                </a:r>
-              </a:p>
-              <a:p>
-                <a:pPr lvl="1" indent="-457200" marL="914400">
-                  <a:buAutoNum type="arabicPeriod"/>
-                </a:pPr>
-                <a:r>
-                  <a:rPr b="1"/>
-                  <a:t>Negative intention</a:t>
-                </a:r>
-                <a:r>
-                  <a:rPr/>
-                  <a:t>：提供を希望しないで返信したかどうか</a:t>
-                </a:r>
-              </a:p>
-              <a:p>
-                <a:pPr lvl="0"/>
-                <a:r>
-                  <a:rPr/>
-                  <a:t>意向に関する二つのアウトカム変数に対する効果を推定する</a:t>
-                </a:r>
-              </a:p>
-              <a:p>
-                <a:pPr lvl="0"/>
-                <a:r>
-                  <a:rPr/>
-                  <a:t>また、返信スピードを考慮して、 </a:t>
-                </a:r>
-                <a14:m>
-                  <m:oMath xmlns:m="http://schemas.openxmlformats.org/officeDocument/2006/math">
-                    <m:r>
-                      <m:t>X</m:t>
-                    </m:r>
-                  </m:oMath>
-                </a14:m>
-                <a:r>
-                  <a:rPr/>
-                  <a:t>日以内に提供を希望して（しないで）返信したかどうかもアウトカム (Reply within specific day with psotive/negative intention)としたモデルも推定する</a:t>
-                </a:r>
-              </a:p>
-            </p:txBody>
-          </p:sp>
-        </mc:Choice>
-      </mc:AlternateContent>
-    </p:spTree>
-  </p:cSld>
+  <p:clrMapOvr>
+    <a:masterClrMapping/>
+  </p:clrMapOvr>
 </p:sld>
 </file>
 
@@ -5438,11 +4940,10 @@
           <a:bodyPr/>
           <a:lstStyle/>
           <a:p>
-            <a:pPr lvl="0" indent="0" marL="0">
+            <a:pPr marL="0" lvl="0" indent="0">
               <a:buNone/>
             </a:pPr>
             <a:r>
-              <a:rPr/>
               <a:t>同種幹細胞移植について</a:t>
             </a:r>
           </a:p>
@@ -5471,42 +4972,42 @@
           <a:p>
             <a:pPr lvl="0"/>
             <a:r>
-              <a:rPr/>
+              <a:rPr dirty="0"/>
               <a:t>比較的再発率の低い、血液病（e.g.白血病）に対する治療法</a:t>
             </a:r>
           </a:p>
           <a:p>
             <a:pPr lvl="1"/>
             <a:r>
-              <a:rPr/>
+              <a:rPr dirty="0"/>
               <a:t>抗がん剤もしくは放射線治療によって正常な細胞と病巣を破壊し、他者の正常な細胞を移植する</a:t>
             </a:r>
           </a:p>
           <a:p>
             <a:pPr lvl="0"/>
             <a:r>
-              <a:rPr/>
+              <a:rPr dirty="0"/>
               <a:t>白血球の型（HLA）が一致していることが条件</a:t>
             </a:r>
           </a:p>
           <a:p>
             <a:pPr lvl="1"/>
             <a:r>
-              <a:rPr/>
+              <a:rPr dirty="0"/>
               <a:t>ランダムにピックアップした二人のHLAの一致確率は1%未満</a:t>
             </a:r>
           </a:p>
           <a:p>
             <a:pPr lvl="1"/>
             <a:r>
-              <a:rPr/>
+              <a:rPr dirty="0"/>
               <a:t>兄弟姉妹の二人のHLAの一致確率は30%（親子の一致確率はかなり小さい）</a:t>
             </a:r>
           </a:p>
           <a:p>
             <a:pPr lvl="0"/>
             <a:r>
-              <a:rPr/>
+              <a:rPr dirty="0"/>
               <a:t>日本では、親族に最適なドナーがいない場合、 日本骨髄バンク（JMDP）を通して非親族の造血幹細胞ドナーを探す</a:t>
             </a:r>
           </a:p>
@@ -5514,6 +5015,9 @@
       </p:sp>
     </p:spTree>
   </p:cSld>
+  <p:clrMapOvr>
+    <a:masterClrMapping/>
+  </p:clrMapOvr>
 </p:sld>
 </file>
 
@@ -5560,11 +5064,10 @@
           <a:bodyPr/>
           <a:lstStyle/>
           <a:p>
-            <a:pPr lvl="0" indent="0" marL="0">
+            <a:pPr marL="0" lvl="0" indent="0">
               <a:buNone/>
             </a:pPr>
             <a:r>
-              <a:rPr/>
               <a:t>Positive intentionに対する効果</a:t>
             </a:r>
           </a:p>
@@ -5572,9 +5075,15 @@
       </p:sp>
       <p:pic>
         <p:nvPicPr>
-          <p:cNvPr descr="C:\Users\vge00\AppData\Local\Temp\RtmpsJoy65\file2bc44e172136.png" id="0" name="Picture 1"/>
+          <p:cNvPr id="5" name="図 4">
+            <a:extLst>
+              <a:ext uri="{FF2B5EF4-FFF2-40B4-BE49-F238E27FC236}">
+                <a16:creationId xmlns:a16="http://schemas.microsoft.com/office/drawing/2014/main" id="{6758315C-816A-1150-A414-EC91538C6DEB}"/>
+              </a:ext>
+            </a:extLst>
+          </p:cNvPr>
           <p:cNvPicPr>
-            <a:picLocks noGrp="1" noChangeAspect="1"/>
+            <a:picLocks noChangeAspect="1"/>
           </p:cNvPicPr>
           <p:nvPr/>
         </p:nvPicPr>
@@ -5584,24 +5093,21 @@
             <a:fillRect/>
           </a:stretch>
         </p:blipFill>
-        <p:spPr bwMode="auto">
-          <a:xfrm>
-            <a:off x="4267200" y="1308100"/>
-            <a:ext cx="3644900" cy="4864100"/>
+        <p:spPr>
+          <a:xfrm>
+            <a:off x="1421937" y="1582397"/>
+            <a:ext cx="9345329" cy="4839375"/>
           </a:xfrm>
           <a:prstGeom prst="rect">
             <a:avLst/>
           </a:prstGeom>
-          <a:noFill/>
-          <a:ln w="9525">
-            <a:noFill/>
-            <a:headEnd/>
-            <a:tailEnd/>
-          </a:ln>
         </p:spPr>
       </p:pic>
     </p:spTree>
   </p:cSld>
+  <p:clrMapOvr>
+    <a:masterClrMapping/>
+  </p:clrMapOvr>
 </p:sld>
 </file>
 
@@ -5648,11 +5154,10 @@
           <a:bodyPr/>
           <a:lstStyle/>
           <a:p>
-            <a:pPr lvl="0" indent="0" marL="0">
+            <a:pPr marL="0" lvl="0" indent="0">
               <a:buNone/>
             </a:pPr>
             <a:r>
-              <a:rPr/>
               <a:t>Negative intentionに対する効果</a:t>
             </a:r>
           </a:p>
@@ -5660,9 +5165,15 @@
       </p:sp>
       <p:pic>
         <p:nvPicPr>
-          <p:cNvPr descr="C:\Users\vge00\AppData\Local\Temp\RtmpsJoy65\file2bc49343460.png" id="0" name="Picture 1"/>
+          <p:cNvPr id="5" name="図 4">
+            <a:extLst>
+              <a:ext uri="{FF2B5EF4-FFF2-40B4-BE49-F238E27FC236}">
+                <a16:creationId xmlns:a16="http://schemas.microsoft.com/office/drawing/2014/main" id="{EB10F8CB-09AA-1E02-D91E-6AD0A0D059BC}"/>
+              </a:ext>
+            </a:extLst>
+          </p:cNvPr>
           <p:cNvPicPr>
-            <a:picLocks noGrp="1" noChangeAspect="1"/>
+            <a:picLocks noChangeAspect="1"/>
           </p:cNvPicPr>
           <p:nvPr/>
         </p:nvPicPr>
@@ -5672,24 +5183,21 @@
             <a:fillRect/>
           </a:stretch>
         </p:blipFill>
-        <p:spPr bwMode="auto">
-          <a:xfrm>
-            <a:off x="4254500" y="1308100"/>
-            <a:ext cx="3644900" cy="4864100"/>
+        <p:spPr>
+          <a:xfrm>
+            <a:off x="1398121" y="1483445"/>
+            <a:ext cx="9392961" cy="4839375"/>
           </a:xfrm>
           <a:prstGeom prst="rect">
             <a:avLst/>
           </a:prstGeom>
-          <a:noFill/>
-          <a:ln w="9525">
-            <a:noFill/>
-            <a:headEnd/>
-            <a:tailEnd/>
-          </a:ln>
         </p:spPr>
       </p:pic>
     </p:spTree>
   </p:cSld>
+  <p:clrMapOvr>
+    <a:masterClrMapping/>
+  </p:clrMapOvr>
 </p:sld>
 </file>
 
@@ -5736,13 +5244,18 @@
           <a:bodyPr/>
           <a:lstStyle/>
           <a:p>
-            <a:pPr lvl="0" indent="0" marL="0">
+            <a:pPr marL="0" lvl="0" indent="0">
               <a:buNone/>
             </a:pPr>
             <a:r>
-              <a:rPr/>
-              <a:t>性別・年齢の影響</a:t>
-            </a:r>
+              <a:rPr lang="ja-JP" altLang="en-US" dirty="0"/>
+              <a:t>共変量の影響：</a:t>
+            </a:r>
+            <a:r>
+              <a:rPr dirty="0" err="1"/>
+              <a:t>性別・年齢</a:t>
+            </a:r>
+            <a:endParaRPr dirty="0"/>
           </a:p>
         </p:txBody>
       </p:sp>
@@ -5769,14 +5282,12 @@
           <a:p>
             <a:pPr lvl="0"/>
             <a:r>
-              <a:rPr/>
               <a:t>女性の方が男性よりも返信率が高いが、返信に占めるネガティブな意向の比率も高くなる</a:t>
             </a:r>
           </a:p>
           <a:p>
             <a:pPr lvl="0"/>
             <a:r>
-              <a:rPr/>
               <a:t>高齢であるほど、ネガティブな意向を示して返信しなくなる一方で、 ポジティブな意向を示して返信しやすくなる。全体的に、高齢であるほど、返信率が高くなる</a:t>
             </a:r>
           </a:p>
@@ -5784,6 +5295,9 @@
       </p:sp>
     </p:spTree>
   </p:cSld>
+  <p:clrMapOvr>
+    <a:masterClrMapping/>
+  </p:clrMapOvr>
 </p:sld>
 </file>
 
@@ -5827,57 +5341,61 @@
           </a:xfrm>
         </p:spPr>
         <p:txBody>
+          <a:bodyPr>
+            <a:normAutofit/>
+          </a:bodyPr>
+          <a:lstStyle/>
+          <a:p>
+            <a:pPr marL="0" lvl="0" indent="0">
+              <a:buNone/>
+            </a:pPr>
+            <a:r>
+              <a:rPr lang="ja-JP" altLang="en-US" dirty="0"/>
+              <a:t>共変量の影響：</a:t>
+            </a:r>
+            <a:r>
+              <a:rPr dirty="0" err="1"/>
+              <a:t>初回コーディネーション・地域</a:t>
+            </a:r>
+            <a:endParaRPr dirty="0"/>
+          </a:p>
+        </p:txBody>
+      </p:sp>
+      <p:sp>
+        <p:nvSpPr>
+          <p:cNvPr id="3" name="コンテンツ プレースホルダー 2">
+            <a:extLst>
+              <a:ext uri="{FF2B5EF4-FFF2-40B4-BE49-F238E27FC236}">
+                <a16:creationId xmlns:a16="http://schemas.microsoft.com/office/drawing/2014/main" id="{29CB1BB5-CF30-D8DC-0EA9-79805907379B}"/>
+              </a:ext>
+            </a:extLst>
+          </p:cNvPr>
+          <p:cNvSpPr>
+            <a:spLocks noGrp="1"/>
+          </p:cNvSpPr>
+          <p:nvPr>
+            <p:ph idx="1"/>
+          </p:nvPr>
+        </p:nvSpPr>
+        <p:spPr/>
+        <p:txBody>
           <a:bodyPr/>
           <a:lstStyle/>
           <a:p>
-            <a:pPr lvl="0" indent="0" marL="0">
-              <a:buNone/>
-            </a:pPr>
-            <a:r>
-              <a:rPr/>
-              <a:t>初回コーディネーション・地域の影響</a:t>
-            </a:r>
-          </a:p>
-        </p:txBody>
-      </p:sp>
-      <p:sp>
-        <p:nvSpPr>
-          <p:cNvPr id="3" name="コンテンツ プレースホルダー 2">
-            <a:extLst>
-              <a:ext uri="{FF2B5EF4-FFF2-40B4-BE49-F238E27FC236}">
-                <a16:creationId xmlns:a16="http://schemas.microsoft.com/office/drawing/2014/main" id="{29CB1BB5-CF30-D8DC-0EA9-79805907379B}"/>
-              </a:ext>
-            </a:extLst>
-          </p:cNvPr>
-          <p:cNvSpPr>
-            <a:spLocks noGrp="1"/>
-          </p:cNvSpPr>
-          <p:nvPr>
-            <p:ph idx="1"/>
-          </p:nvPr>
-        </p:nvSpPr>
-        <p:spPr/>
-        <p:txBody>
-          <a:bodyPr/>
-          <a:lstStyle/>
-          <a:p>
             <a:pPr lvl="0"/>
             <a:r>
-              <a:rPr/>
               <a:t>初めてコーディネートを経験する人はそうでない人よりもネガティブな意向を示して返信しやすいが、 ポジティブな意向を示して返信しなくなる。全体的に、初回コーディネートの方が返信率は高い。</a:t>
             </a:r>
           </a:p>
           <a:p>
             <a:pPr lvl="0"/>
             <a:r>
-              <a:rPr/>
               <a:t>東京・大阪・神奈川・愛知に在住している人はそうでない人よりもネガティブな意向を示して返信しなくなる一方で、 ポジティブな意向を示して返信しやすくなる。全体的に、返信率が高くなる</a:t>
             </a:r>
           </a:p>
           <a:p>
             <a:pPr lvl="1"/>
             <a:r>
-              <a:rPr/>
               <a:t>東京・大阪・神奈川・愛知：10平方キロメートル当たりの面談施設が0.5カ所以上の地域</a:t>
             </a:r>
           </a:p>
@@ -5885,6 +5403,9 @@
       </p:sp>
     </p:spTree>
   </p:cSld>
+  <p:clrMapOvr>
+    <a:masterClrMapping/>
+  </p:clrMapOvr>
 </p:sld>
 </file>
 
@@ -5931,11 +5452,10 @@
           <a:bodyPr/>
           <a:lstStyle/>
           <a:p>
-            <a:pPr lvl="0" indent="0" marL="0">
+            <a:pPr marL="0" lvl="0" indent="0">
               <a:buNone/>
             </a:pPr>
             <a:r>
-              <a:rPr/>
               <a:t>性別×年齢による効果の異質性</a:t>
             </a:r>
           </a:p>
@@ -5964,21 +5484,18 @@
           <a:p>
             <a:pPr lvl="0"/>
             <a:r>
-              <a:rPr/>
               <a:t>移植実績の良いとされる若年層の男性はそうでない人よりも適合通知に返信していない</a:t>
             </a:r>
           </a:p>
           <a:p>
             <a:pPr lvl="0"/>
             <a:r>
-              <a:rPr/>
               <a:t>メッセージB～Dは若年男性の行動変容を促しているのか？</a:t>
             </a:r>
           </a:p>
           <a:p>
             <a:pPr lvl="0"/>
             <a:r>
-              <a:rPr/>
               <a:t>性別と年齢（30歳以下どうか）でサンプルを分割して、返信と意向の効果を推定する</a:t>
             </a:r>
           </a:p>
@@ -5986,6 +5503,9 @@
       </p:sp>
     </p:spTree>
   </p:cSld>
+  <p:clrMapOvr>
+    <a:masterClrMapping/>
+  </p:clrMapOvr>
 </p:sld>
 </file>
 
@@ -6032,11 +5552,10 @@
           <a:bodyPr/>
           <a:lstStyle/>
           <a:p>
-            <a:pPr lvl="0" indent="0" marL="0">
+            <a:pPr marL="0" lvl="0" indent="0">
               <a:buNone/>
             </a:pPr>
             <a:r>
-              <a:rPr/>
               <a:t>返信率と意向比率に対する効果の異質性</a:t>
             </a:r>
           </a:p>
@@ -6044,7 +5563,7 @@
       </p:sp>
       <p:pic>
         <p:nvPicPr>
-          <p:cNvPr descr="C:/Users/vge00/Desktop/JMDP/RCT-Nudge/docs/slide/221014骨髄バンク介入実験分析_files/figure-pptx/plot-hetero-reply-gender-age-1.png" id="0" name="Picture 1"/>
+          <p:cNvPr id="3" name="Picture 1" descr="C:/Users/vge00/Desktop/JMDP/RCT-Nudge/docs/slide/221014骨髄バンク介入実験分析_files/figure-pptx/plot-hetero-reply-gender-age-1.png"/>
           <p:cNvPicPr>
             <a:picLocks noGrp="1" noChangeAspect="1"/>
           </p:cNvPicPr>
@@ -6074,6 +5593,9 @@
       </p:pic>
     </p:spTree>
   </p:cSld>
+  <p:clrMapOvr>
+    <a:masterClrMapping/>
+  </p:clrMapOvr>
 </p:sld>
 </file>
 
@@ -6117,14 +5639,15 @@
           </a:xfrm>
         </p:spPr>
         <p:txBody>
-          <a:bodyPr/>
+          <a:bodyPr>
+            <a:normAutofit fontScale="90000"/>
+          </a:bodyPr>
           <a:lstStyle/>
           <a:p>
-            <a:pPr lvl="0" indent="0" marL="0">
+            <a:pPr marL="0" lvl="0" indent="0">
               <a:buNone/>
             </a:pPr>
             <a:r>
-              <a:rPr/>
               <a:t>X日以内の返信に対するメッセージBの効果の異質性</a:t>
             </a:r>
           </a:p>
@@ -6132,7 +5655,7 @@
       </p:sp>
       <p:pic>
         <p:nvPicPr>
-          <p:cNvPr descr="C:/Users/vge00/Desktop/JMDP/RCT-Nudge/docs/slide/221014骨髄バンク介入実験分析_files/figure-pptx/plotB-hetero-reply-within-gender-age-1.png" id="0" name="Picture 1"/>
+          <p:cNvPr id="3" name="Picture 1" descr="C:/Users/vge00/Desktop/JMDP/RCT-Nudge/docs/slide/221014骨髄バンク介入実験分析_files/figure-pptx/plotB-hetero-reply-within-gender-age-1.png"/>
           <p:cNvPicPr>
             <a:picLocks noGrp="1" noChangeAspect="1"/>
           </p:cNvPicPr>
@@ -6162,6 +5685,9 @@
       </p:pic>
     </p:spTree>
   </p:cSld>
+  <p:clrMapOvr>
+    <a:masterClrMapping/>
+  </p:clrMapOvr>
 </p:sld>
 </file>
 
@@ -6205,14 +5731,15 @@
           </a:xfrm>
         </p:spPr>
         <p:txBody>
-          <a:bodyPr/>
+          <a:bodyPr>
+            <a:normAutofit fontScale="90000"/>
+          </a:bodyPr>
           <a:lstStyle/>
           <a:p>
-            <a:pPr lvl="0" indent="0" marL="0">
+            <a:pPr marL="0" lvl="0" indent="0">
               <a:buNone/>
             </a:pPr>
             <a:r>
-              <a:rPr/>
               <a:t>X日以内の返信に対するメッセージCの効果の異質性</a:t>
             </a:r>
           </a:p>
@@ -6220,7 +5747,7 @@
       </p:sp>
       <p:pic>
         <p:nvPicPr>
-          <p:cNvPr descr="C:/Users/vge00/Desktop/JMDP/RCT-Nudge/docs/slide/221014骨髄バンク介入実験分析_files/figure-pptx/plotC-hetero-reply-within-gender-age-1.png" id="0" name="Picture 1"/>
+          <p:cNvPr id="3" name="Picture 1" descr="C:/Users/vge00/Desktop/JMDP/RCT-Nudge/docs/slide/221014骨髄バンク介入実験分析_files/figure-pptx/plotC-hetero-reply-within-gender-age-1.png"/>
           <p:cNvPicPr>
             <a:picLocks noGrp="1" noChangeAspect="1"/>
           </p:cNvPicPr>
@@ -6250,6 +5777,9 @@
       </p:pic>
     </p:spTree>
   </p:cSld>
+  <p:clrMapOvr>
+    <a:masterClrMapping/>
+  </p:clrMapOvr>
 </p:sld>
 </file>
 
@@ -6293,14 +5823,15 @@
           </a:xfrm>
         </p:spPr>
         <p:txBody>
-          <a:bodyPr/>
+          <a:bodyPr>
+            <a:normAutofit fontScale="90000"/>
+          </a:bodyPr>
           <a:lstStyle/>
           <a:p>
-            <a:pPr lvl="0" indent="0" marL="0">
+            <a:pPr marL="0" lvl="0" indent="0">
               <a:buNone/>
             </a:pPr>
             <a:r>
-              <a:rPr/>
               <a:t>X日以内の返信に対するメッセージDの効果の異質性</a:t>
             </a:r>
           </a:p>
@@ -6308,7 +5839,7 @@
       </p:sp>
       <p:pic>
         <p:nvPicPr>
-          <p:cNvPr descr="C:/Users/vge00/Desktop/JMDP/RCT-Nudge/docs/slide/221014骨髄バンク介入実験分析_files/figure-pptx/plotD-hetero-reply-within-gender-age-1.png" id="0" name="Picture 1"/>
+          <p:cNvPr id="3" name="Picture 1" descr="C:/Users/vge00/Desktop/JMDP/RCT-Nudge/docs/slide/221014骨髄バンク介入実験分析_files/figure-pptx/plotD-hetero-reply-within-gender-age-1.png"/>
           <p:cNvPicPr>
             <a:picLocks noGrp="1" noChangeAspect="1"/>
           </p:cNvPicPr>
@@ -6338,6 +5869,9 @@
       </p:pic>
     </p:spTree>
   </p:cSld>
+  <p:clrMapOvr>
+    <a:masterClrMapping/>
+  </p:clrMapOvr>
 </p:sld>
 </file>
 
@@ -6384,11 +5918,10 @@
           <a:bodyPr/>
           <a:lstStyle/>
           <a:p>
-            <a:pPr lvl="0" indent="0" marL="0">
+            <a:pPr marL="0" lvl="0" indent="0">
               <a:buNone/>
             </a:pPr>
             <a:r>
-              <a:rPr/>
               <a:t>地域による異質性の検討</a:t>
             </a:r>
           </a:p>
@@ -6417,14 +5950,12 @@
           <a:p>
             <a:pPr lvl="0"/>
             <a:r>
-              <a:rPr/>
               <a:t>メッセージBは面談施設が多い都道府県（東京・大阪・愛知・神奈川）に在住している人に対しても有効</a:t>
             </a:r>
           </a:p>
           <a:p>
             <a:pPr lvl="0"/>
             <a:r>
-              <a:rPr/>
               <a:t>性別×地域による異質性を分析すると、メッセージBは面談施設が多い地域に住む女性に対して有効ではないが、 面談施設が多い地域に住む男性に対して有効である。</a:t>
             </a:r>
           </a:p>
@@ -6432,6 +5963,9 @@
       </p:sp>
     </p:spTree>
   </p:cSld>
+  <p:clrMapOvr>
+    <a:masterClrMapping/>
+  </p:clrMapOvr>
 </p:sld>
 </file>
 
@@ -6478,11 +6012,10 @@
           <a:bodyPr/>
           <a:lstStyle/>
           <a:p>
-            <a:pPr lvl="0" indent="0" marL="0">
+            <a:pPr marL="0" lvl="0" indent="0">
               <a:buNone/>
             </a:pPr>
             <a:r>
-              <a:rPr/>
               <a:t>JMDPの問題点</a:t>
             </a:r>
           </a:p>
@@ -6504,57 +6037,74 @@
             <p:ph idx="1"/>
           </p:nvPr>
         </p:nvSpPr>
-        <p:spPr/>
+        <p:spPr>
+          <a:xfrm>
+            <a:off x="352338" y="1308683"/>
+            <a:ext cx="11484528" cy="5439250"/>
+          </a:xfrm>
+        </p:spPr>
         <p:txBody>
           <a:bodyPr/>
           <a:lstStyle/>
           <a:p>
             <a:pPr lvl="0"/>
             <a:r>
-              <a:rPr/>
+              <a:rPr dirty="0"/>
               <a:t>移植のコーディネート期間が長く、患者の死亡率が高い(Hirakawa et al, 2018)</a:t>
             </a:r>
           </a:p>
           <a:p>
             <a:pPr lvl="1"/>
             <a:r>
-              <a:rPr/>
+              <a:rPr dirty="0"/>
               <a:t>50%の登録患者は146日以内に移植を受けられるが、死亡した登録患者の58%は200日以内に死亡していた</a:t>
             </a:r>
           </a:p>
           <a:p>
             <a:pPr lvl="1"/>
             <a:r>
-              <a:rPr/>
+              <a:rPr dirty="0"/>
               <a:t>登録患者の約40%が移植を受けられず、死亡した</a:t>
             </a:r>
           </a:p>
           <a:p>
             <a:pPr lvl="0"/>
             <a:r>
-              <a:rPr/>
+              <a:rPr dirty="0"/>
               <a:t>患者の生存率を向上するためには、移植のコーディネート期間を短くする必要がある。 そのための政策は2つある。</a:t>
             </a:r>
           </a:p>
           <a:p>
             <a:pPr lvl="1"/>
             <a:r>
-              <a:rPr b="1"/>
+              <a:rPr b="1" dirty="0">
+                <a:solidFill>
+                  <a:srgbClr val="0D2659"/>
+                </a:solidFill>
+                <a:latin typeface="游ゴシック" panose="020B0400000000000000" pitchFamily="50" charset="-128"/>
+                <a:ea typeface="游ゴシック" panose="020B0400000000000000" pitchFamily="50" charset="-128"/>
+              </a:rPr>
               <a:t>ドナープールの規模を拡大する</a:t>
             </a:r>
             <a:r>
-              <a:rPr/>
+              <a:rPr dirty="0"/>
               <a:t>。2000年から2015年にかけて骨髄バンクの登録者は2倍になっているが、 HLAの一致確率は5%程度しか増えていない(Takanashi, 2016)。この政策の限界便益は小さい</a:t>
             </a:r>
           </a:p>
           <a:p>
             <a:pPr lvl="1"/>
             <a:r>
-              <a:rPr b="1"/>
+              <a:rPr b="1" dirty="0">
+                <a:solidFill>
+                  <a:srgbClr val="0D2659"/>
+                </a:solidFill>
+                <a:latin typeface="游ゴシック" panose="020B0400000000000000" pitchFamily="50" charset="-128"/>
+                <a:ea typeface="游ゴシック" panose="020B0400000000000000" pitchFamily="50" charset="-128"/>
+              </a:rPr>
               <a:t>ドナープールの質を高める</a:t>
             </a:r>
             <a:r>
-              <a:rPr/>
+              <a:rPr dirty="0"/>
               <a:t>。73%のコーディネーションは確認検査前にドナー側の理由で中断している (Hirakawa et al., 2018)。ここに改善の余地がある。</a:t>
             </a:r>
           </a:p>
@@ -6562,6 +6112,9 @@
       </p:sp>
     </p:spTree>
   </p:cSld>
+  <p:clrMapOvr>
+    <a:masterClrMapping/>
+  </p:clrMapOvr>
 </p:sld>
 </file>
 
@@ -6608,11 +6161,10 @@
           <a:bodyPr/>
           <a:lstStyle/>
           <a:p>
-            <a:pPr lvl="0" indent="0" marL="0">
+            <a:pPr marL="0" lvl="0" indent="0">
               <a:buNone/>
             </a:pPr>
             <a:r>
-              <a:rPr/>
               <a:t>Effect on Coordination Process</a:t>
             </a:r>
           </a:p>
@@ -6620,6 +6172,9 @@
       </p:sp>
     </p:spTree>
   </p:cSld>
+  <p:clrMapOvr>
+    <a:masterClrMapping/>
+  </p:clrMapOvr>
 </p:sld>
 </file>
 
@@ -6666,11 +6221,10 @@
           <a:bodyPr/>
           <a:lstStyle/>
           <a:p>
-            <a:pPr lvl="0" indent="0" marL="0">
+            <a:pPr marL="0" lvl="0" indent="0">
               <a:buNone/>
             </a:pPr>
             <a:r>
-              <a:rPr/>
               <a:t>アウトカム変数</a:t>
             </a:r>
           </a:p>
@@ -6697,93 +6251,116 @@
           <a:bodyPr/>
           <a:lstStyle/>
           <a:p>
-            <a:pPr lvl="0" indent="0" marL="0">
-              <a:buNone/>
-            </a:pPr>
-            <a:r>
-              <a:rPr/>
+            <a:pPr marL="457200" indent="-457200"/>
+            <a:r>
+              <a:rPr dirty="0"/>
               <a:t>返信以降の4工程をそれぞれアウトカム変数とする</a:t>
             </a:r>
           </a:p>
           <a:p>
-            <a:pPr lvl="0" indent="-457200" marL="457200">
+            <a:pPr marL="817200" lvl="1" indent="-457200">
               <a:buAutoNum type="arabicPeriod"/>
             </a:pPr>
             <a:r>
-              <a:rPr b="1"/>
+              <a:rPr b="1" dirty="0">
+                <a:solidFill>
+                  <a:srgbClr val="0D2659"/>
+                </a:solidFill>
+                <a:latin typeface="游ゴシック" panose="020B0400000000000000" pitchFamily="50" charset="-128"/>
+                <a:ea typeface="游ゴシック" panose="020B0400000000000000" pitchFamily="50" charset="-128"/>
+              </a:rPr>
               <a:t>CT</a:t>
             </a:r>
             <a:r>
-              <a:rPr/>
+              <a:rPr dirty="0"/>
               <a:t>: 確認検査を実施したならば1を取る二値変数</a:t>
             </a:r>
           </a:p>
           <a:p>
-            <a:pPr lvl="0" indent="-457200" marL="457200">
+            <a:pPr marL="817200" lvl="1" indent="-457200">
               <a:buAutoNum type="arabicPeriod"/>
             </a:pPr>
             <a:r>
-              <a:rPr b="1"/>
+              <a:rPr b="1" dirty="0">
+                <a:solidFill>
+                  <a:srgbClr val="0D2659"/>
+                </a:solidFill>
+                <a:latin typeface="游ゴシック" panose="020B0400000000000000" pitchFamily="50" charset="-128"/>
+                <a:ea typeface="游ゴシック" panose="020B0400000000000000" pitchFamily="50" charset="-128"/>
+              </a:rPr>
               <a:t>Candidate</a:t>
             </a:r>
             <a:r>
-              <a:rPr/>
+              <a:rPr dirty="0"/>
               <a:t>: 第一候補者に選定されたならば1を取る二値変数</a:t>
             </a:r>
           </a:p>
           <a:p>
-            <a:pPr lvl="0" indent="-457200" marL="457200">
+            <a:pPr marL="817200" lvl="1" indent="-457200">
               <a:buAutoNum type="arabicPeriod"/>
             </a:pPr>
             <a:r>
-              <a:rPr b="1"/>
+              <a:rPr b="1" dirty="0">
+                <a:solidFill>
+                  <a:srgbClr val="0D2659"/>
+                </a:solidFill>
+                <a:latin typeface="游ゴシック" panose="020B0400000000000000" pitchFamily="50" charset="-128"/>
+                <a:ea typeface="游ゴシック" panose="020B0400000000000000" pitchFamily="50" charset="-128"/>
+              </a:rPr>
               <a:t>Consent</a:t>
             </a:r>
             <a:r>
-              <a:rPr/>
+              <a:rPr dirty="0"/>
               <a:t>: 最終同意をしたならば1を取る二値変数</a:t>
             </a:r>
           </a:p>
           <a:p>
-            <a:pPr lvl="0" indent="-457200" marL="457200">
+            <a:pPr marL="817200" lvl="1" indent="-457200">
               <a:buAutoNum type="arabicPeriod"/>
             </a:pPr>
             <a:r>
-              <a:rPr b="1"/>
+              <a:rPr b="1" dirty="0">
+                <a:solidFill>
+                  <a:srgbClr val="0D2659"/>
+                </a:solidFill>
+                <a:latin typeface="游ゴシック" panose="020B0400000000000000" pitchFamily="50" charset="-128"/>
+                <a:ea typeface="游ゴシック" panose="020B0400000000000000" pitchFamily="50" charset="-128"/>
+              </a:rPr>
               <a:t>Donation</a:t>
             </a:r>
             <a:r>
-              <a:rPr/>
+              <a:rPr dirty="0"/>
               <a:t>: 採取をしたならば1を取る二値変数</a:t>
             </a:r>
           </a:p>
           <a:p>
-            <a:pPr lvl="0" indent="0" marL="0">
-              <a:buNone/>
-            </a:pPr>
-            <a:r>
-              <a:rPr/>
+            <a:pPr marL="457200" indent="-457200"/>
+            <a:r>
+              <a:rPr dirty="0"/>
               <a:t>各アウトカム変数に対するサンプルの除外条件は以下の通り</a:t>
             </a:r>
           </a:p>
           <a:p>
-            <a:pPr lvl="0"/>
-            <a:r>
-              <a:rPr/>
+            <a:pPr lvl="1"/>
+            <a:r>
+              <a:rPr dirty="0"/>
               <a:t>CT: 患者側の都合で確認検査を実施しなかった人</a:t>
             </a:r>
           </a:p>
           <a:p>
-            <a:pPr lvl="0"/>
-            <a:r>
-              <a:rPr/>
-              <a:t>Candidate～Donation: 患者側の都合で確認検査を実施しなかった人 もしくは、患者側の都合や健康上の理由で候補者選定以降にコーディネーションが中止した人</a:t>
+            <a:pPr lvl="1"/>
+            <a:r>
+              <a:rPr dirty="0"/>
+              <a:t>Candidate～Donation: 患者側の都合で確認検査を実施しなかった人もしくは、患者側の都合や健康上の理由で候補者選定以降にコーディネーションが中止した人</a:t>
             </a:r>
           </a:p>
         </p:txBody>
       </p:sp>
     </p:spTree>
   </p:cSld>
+  <p:clrMapOvr>
+    <a:masterClrMapping/>
+  </p:clrMapOvr>
 </p:sld>
 </file>
 
@@ -6830,11 +6407,10 @@
           <a:bodyPr/>
           <a:lstStyle/>
           <a:p>
-            <a:pPr lvl="0" indent="0" marL="0">
+            <a:pPr marL="0" lvl="0" indent="0">
               <a:buNone/>
             </a:pPr>
             <a:r>
-              <a:rPr/>
               <a:t>回帰分析の結果</a:t>
             </a:r>
           </a:p>
@@ -6842,9 +6418,15 @@
       </p:sp>
       <p:pic>
         <p:nvPicPr>
-          <p:cNvPr descr="C:\Users\vge00\AppData\Local\Temp\RtmpsJoy65\file2bc47dce32e7.png" id="0" name="Picture 1"/>
+          <p:cNvPr id="5" name="図 4">
+            <a:extLst>
+              <a:ext uri="{FF2B5EF4-FFF2-40B4-BE49-F238E27FC236}">
+                <a16:creationId xmlns:a16="http://schemas.microsoft.com/office/drawing/2014/main" id="{11398348-EC8F-9D6E-7D7B-9179182FD4C2}"/>
+              </a:ext>
+            </a:extLst>
+          </p:cNvPr>
           <p:cNvPicPr>
-            <a:picLocks noGrp="1" noChangeAspect="1"/>
+            <a:picLocks noChangeAspect="1"/>
           </p:cNvPicPr>
           <p:nvPr/>
         </p:nvPicPr>
@@ -6854,24 +6436,21 @@
             <a:fillRect/>
           </a:stretch>
         </p:blipFill>
-        <p:spPr bwMode="auto">
-          <a:xfrm>
-            <a:off x="4597400" y="1308100"/>
-            <a:ext cx="2971800" cy="4864100"/>
+        <p:spPr>
+          <a:xfrm>
+            <a:off x="2279307" y="1772923"/>
+            <a:ext cx="7630590" cy="4648849"/>
           </a:xfrm>
           <a:prstGeom prst="rect">
             <a:avLst/>
           </a:prstGeom>
-          <a:noFill/>
-          <a:ln w="9525">
-            <a:noFill/>
-            <a:headEnd/>
-            <a:tailEnd/>
-          </a:ln>
         </p:spPr>
       </p:pic>
     </p:spTree>
   </p:cSld>
+  <p:clrMapOvr>
+    <a:masterClrMapping/>
+  </p:clrMapOvr>
 </p:sld>
 </file>
 
@@ -6918,13 +6497,18 @@
           <a:bodyPr/>
           <a:lstStyle/>
           <a:p>
-            <a:pPr lvl="0" indent="0" marL="0">
+            <a:pPr marL="0" lvl="0" indent="0">
               <a:buNone/>
             </a:pPr>
             <a:r>
-              <a:rPr/>
-              <a:t>共変量に関する結果</a:t>
-            </a:r>
+              <a:rPr dirty="0"/>
+              <a:t>共変量</a:t>
+            </a:r>
+            <a:r>
+              <a:rPr lang="ja-JP" altLang="en-US" dirty="0"/>
+              <a:t>の影響</a:t>
+            </a:r>
+            <a:endParaRPr dirty="0"/>
           </a:p>
         </p:txBody>
       </p:sp>
@@ -6951,56 +6535,80 @@
           <a:p>
             <a:pPr lvl="0"/>
             <a:r>
-              <a:rPr/>
+              <a:rPr dirty="0" err="1"/>
               <a:t>男性は女性よりも各工程にたどり着きやすい</a:t>
             </a:r>
+            <a:endParaRPr dirty="0"/>
           </a:p>
           <a:p>
             <a:pPr lvl="1"/>
             <a:r>
-              <a:rPr/>
-              <a:t>その差は候補者選定・最終同意時点で最大となる（男性の方が選ばれやすい？）</a:t>
+              <a:rPr dirty="0" err="1"/>
+              <a:t>その差は候補者選定・最終同意時点で最大となる（男性の方が選ばれやすい</a:t>
+            </a:r>
+            <a:r>
+              <a:rPr dirty="0"/>
+              <a:t>？）</a:t>
             </a:r>
           </a:p>
           <a:p>
             <a:pPr lvl="0"/>
             <a:r>
-              <a:rPr/>
+              <a:rPr dirty="0" err="1"/>
               <a:t>若い人ほど、各工程にたどり着きやすい</a:t>
             </a:r>
+            <a:endParaRPr dirty="0"/>
           </a:p>
           <a:p>
             <a:pPr lvl="0"/>
             <a:r>
-              <a:rPr/>
+              <a:rPr dirty="0" err="1"/>
               <a:t>初めてコーディネーションを経験する人はそうでない人よりも各工程にたどり着きづらい</a:t>
             </a:r>
+            <a:endParaRPr dirty="0"/>
           </a:p>
           <a:p>
             <a:pPr lvl="1"/>
             <a:r>
-              <a:rPr/>
-              <a:t>その差は確認検査時点で大きくなり、候補者選定以降は小さくなる （初めてコーディネーションを経験する人の方が選ばれやすい？）</a:t>
+              <a:rPr dirty="0" err="1"/>
+              <a:t>その差は確認検査時点で大きくなり、候補者選定以降は小さくなる</a:t>
+            </a:r>
+            <a:r>
+              <a:rPr dirty="0"/>
+              <a:t> （</a:t>
+            </a:r>
+            <a:r>
+              <a:rPr dirty="0" err="1"/>
+              <a:t>初めてコーディネーションを経験する人の方が選ばれやすい</a:t>
+            </a:r>
+            <a:r>
+              <a:rPr dirty="0"/>
+              <a:t>？）</a:t>
             </a:r>
           </a:p>
           <a:p>
             <a:pPr lvl="0"/>
             <a:r>
-              <a:rPr/>
+              <a:rPr dirty="0" err="1"/>
               <a:t>面談施設が多い地域に住む人はそうでない人よりも各工程にたどり着きやすい</a:t>
             </a:r>
+            <a:endParaRPr dirty="0"/>
           </a:p>
           <a:p>
             <a:pPr lvl="1"/>
             <a:r>
-              <a:rPr/>
+              <a:rPr dirty="0" err="1"/>
               <a:t>その差は確認検査時点で最大となる</a:t>
             </a:r>
+            <a:endParaRPr dirty="0"/>
           </a:p>
         </p:txBody>
       </p:sp>
     </p:spTree>
   </p:cSld>
+  <p:clrMapOvr>
+    <a:masterClrMapping/>
+  </p:clrMapOvr>
 </p:sld>
 </file>
 
@@ -7047,11 +6655,10 @@
           <a:bodyPr/>
           <a:lstStyle/>
           <a:p>
-            <a:pPr lvl="0" indent="0" marL="0">
+            <a:pPr marL="0" lvl="0" indent="0">
               <a:buNone/>
             </a:pPr>
             <a:r>
-              <a:rPr/>
               <a:t>性別×年齢による効果の異質性</a:t>
             </a:r>
           </a:p>
@@ -7059,7 +6666,7 @@
       </p:sp>
       <p:pic>
         <p:nvPicPr>
-          <p:cNvPr descr="C:/Users/vge00/Desktop/JMDP/RCT-Nudge/docs/slide/221014骨髄バンク介入実験分析_files/figure-pptx/plot-hetero-process-gender-age-1.png" id="0" name="Picture 1"/>
+          <p:cNvPr id="3" name="Picture 1" descr="C:/Users/vge00/Desktop/JMDP/RCT-Nudge/docs/slide/221014骨髄バンク介入実験分析_files/figure-pptx/plot-hetero-process-gender-age-1.png"/>
           <p:cNvPicPr>
             <a:picLocks noGrp="1" noChangeAspect="1"/>
           </p:cNvPicPr>
@@ -7089,6 +6696,9 @@
       </p:pic>
     </p:spTree>
   </p:cSld>
+  <p:clrMapOvr>
+    <a:masterClrMapping/>
+  </p:clrMapOvr>
 </p:sld>
 </file>
 
@@ -7135,11 +6745,10 @@
           <a:bodyPr/>
           <a:lstStyle/>
           <a:p>
-            <a:pPr lvl="0" indent="0" marL="0">
+            <a:pPr marL="0" lvl="0" indent="0">
               <a:buNone/>
             </a:pPr>
             <a:r>
-              <a:rPr/>
               <a:t>Appendix A. Heterogeneity by Region</a:t>
             </a:r>
           </a:p>
@@ -7147,6 +6756,9 @@
       </p:sp>
     </p:spTree>
   </p:cSld>
+  <p:clrMapOvr>
+    <a:masterClrMapping/>
+  </p:clrMapOvr>
 </p:sld>
 </file>
 
@@ -7193,11 +6805,10 @@
           <a:bodyPr/>
           <a:lstStyle/>
           <a:p>
-            <a:pPr lvl="0" indent="0" marL="0">
+            <a:pPr marL="0" lvl="0" indent="0">
               <a:buNone/>
             </a:pPr>
             <a:r>
-              <a:rPr/>
               <a:t>返信・意向</a:t>
             </a:r>
           </a:p>
@@ -7205,7 +6816,7 @@
       </p:sp>
       <p:pic>
         <p:nvPicPr>
-          <p:cNvPr descr="C:/Users/vge00/Desktop/JMDP/RCT-Nudge/docs/slide/221014骨髄バンク介入実験分析_files/figure-pptx/plot-hetero-reply-geo-1.png" id="0" name="Picture 1"/>
+          <p:cNvPr id="3" name="Picture 1" descr="C:/Users/vge00/Desktop/JMDP/RCT-Nudge/docs/slide/221014骨髄バンク介入実験分析_files/figure-pptx/plot-hetero-reply-geo-1.png"/>
           <p:cNvPicPr>
             <a:picLocks noGrp="1" noChangeAspect="1"/>
           </p:cNvPicPr>
@@ -7235,6 +6846,9 @@
       </p:pic>
     </p:spTree>
   </p:cSld>
+  <p:clrMapOvr>
+    <a:masterClrMapping/>
+  </p:clrMapOvr>
 </p:sld>
 </file>
 
@@ -7281,11 +6895,10 @@
           <a:bodyPr/>
           <a:lstStyle/>
           <a:p>
-            <a:pPr lvl="0" indent="0" marL="0">
+            <a:pPr marL="0" lvl="0" indent="0">
               <a:buNone/>
             </a:pPr>
             <a:r>
-              <a:rPr/>
               <a:t>X日以内返信(メッセージB)</a:t>
             </a:r>
           </a:p>
@@ -7293,7 +6906,7 @@
       </p:sp>
       <p:pic>
         <p:nvPicPr>
-          <p:cNvPr descr="C:/Users/vge00/Desktop/JMDP/RCT-Nudge/docs/slide/221014骨髄バンク介入実験分析_files/figure-pptx/plotB-hetero-reply-within-geo-1.png" id="0" name="Picture 1"/>
+          <p:cNvPr id="3" name="Picture 1" descr="C:/Users/vge00/Desktop/JMDP/RCT-Nudge/docs/slide/221014骨髄バンク介入実験分析_files/figure-pptx/plotB-hetero-reply-within-geo-1.png"/>
           <p:cNvPicPr>
             <a:picLocks noGrp="1" noChangeAspect="1"/>
           </p:cNvPicPr>
@@ -7323,6 +6936,9 @@
       </p:pic>
     </p:spTree>
   </p:cSld>
+  <p:clrMapOvr>
+    <a:masterClrMapping/>
+  </p:clrMapOvr>
 </p:sld>
 </file>
 
@@ -7369,11 +6985,10 @@
           <a:bodyPr/>
           <a:lstStyle/>
           <a:p>
-            <a:pPr lvl="0" indent="0" marL="0">
+            <a:pPr marL="0" lvl="0" indent="0">
               <a:buNone/>
             </a:pPr>
             <a:r>
-              <a:rPr/>
               <a:t>X日以内返信(メッセージC)</a:t>
             </a:r>
           </a:p>
@@ -7381,7 +6996,7 @@
       </p:sp>
       <p:pic>
         <p:nvPicPr>
-          <p:cNvPr descr="C:/Users/vge00/Desktop/JMDP/RCT-Nudge/docs/slide/221014骨髄バンク介入実験分析_files/figure-pptx/plotC-hetero-reply-within-geo-1.png" id="0" name="Picture 1"/>
+          <p:cNvPr id="3" name="Picture 1" descr="C:/Users/vge00/Desktop/JMDP/RCT-Nudge/docs/slide/221014骨髄バンク介入実験分析_files/figure-pptx/plotC-hetero-reply-within-geo-1.png"/>
           <p:cNvPicPr>
             <a:picLocks noGrp="1" noChangeAspect="1"/>
           </p:cNvPicPr>
@@ -7411,6 +7026,9 @@
       </p:pic>
     </p:spTree>
   </p:cSld>
+  <p:clrMapOvr>
+    <a:masterClrMapping/>
+  </p:clrMapOvr>
 </p:sld>
 </file>
 
@@ -7457,11 +7075,10 @@
           <a:bodyPr/>
           <a:lstStyle/>
           <a:p>
-            <a:pPr lvl="0" indent="0" marL="0">
+            <a:pPr marL="0" lvl="0" indent="0">
               <a:buNone/>
             </a:pPr>
             <a:r>
-              <a:rPr/>
               <a:t>X日以内返信(メッセージD)</a:t>
             </a:r>
           </a:p>
@@ -7469,7 +7086,7 @@
       </p:sp>
       <p:pic>
         <p:nvPicPr>
-          <p:cNvPr descr="C:/Users/vge00/Desktop/JMDP/RCT-Nudge/docs/slide/221014骨髄バンク介入実験分析_files/figure-pptx/plotD-hetero-reply-within-geo-1.png" id="0" name="Picture 1"/>
+          <p:cNvPr id="3" name="Picture 1" descr="C:/Users/vge00/Desktop/JMDP/RCT-Nudge/docs/slide/221014骨髄バンク介入実験分析_files/figure-pptx/plotD-hetero-reply-within-geo-1.png"/>
           <p:cNvPicPr>
             <a:picLocks noGrp="1" noChangeAspect="1"/>
           </p:cNvPicPr>
@@ -7499,6 +7116,9 @@
       </p:pic>
     </p:spTree>
   </p:cSld>
+  <p:clrMapOvr>
+    <a:masterClrMapping/>
+  </p:clrMapOvr>
 </p:sld>
 </file>
 
@@ -7545,11 +7165,10 @@
           <a:bodyPr/>
           <a:lstStyle/>
           <a:p>
-            <a:pPr lvl="0" indent="0" marL="0">
+            <a:pPr marL="0" lvl="0" indent="0">
               <a:buNone/>
             </a:pPr>
             <a:r>
-              <a:rPr/>
               <a:t>公共財としての同種幹細胞移植</a:t>
             </a:r>
           </a:p>
@@ -7578,28 +7197,38 @@
           <a:p>
             <a:pPr lvl="0"/>
             <a:r>
-              <a:rPr/>
+              <a:rPr dirty="0"/>
               <a:t>JMDPを介した移植は1人の患者に対して複数のドナーが同時にコーディネーションを進める</a:t>
             </a:r>
           </a:p>
           <a:p>
             <a:pPr lvl="0"/>
             <a:r>
-              <a:rPr/>
+              <a:rPr dirty="0"/>
               <a:t>患者を助けることに効用を得る人は、他者が移植しても効用を得られるので、ただ乗り行動を取る可能性がある</a:t>
             </a:r>
           </a:p>
           <a:p>
             <a:pPr lvl="0"/>
             <a:r>
-              <a:rPr b="1"/>
-              <a:t>ドナー候補者が複数いると期待している人は、他者が移植してくれることを期待して、自身が移植することを断る。</a:t>
+              <a:rPr b="1" dirty="0">
+                <a:solidFill>
+                  <a:srgbClr val="0D2659"/>
+                </a:solidFill>
+                <a:latin typeface="游ゴシック" panose="020B0400000000000000" pitchFamily="50" charset="-128"/>
+                <a:ea typeface="游ゴシック" panose="020B0400000000000000" pitchFamily="50" charset="-128"/>
+              </a:rPr>
+              <a:t>ドナー候補者が複数いると期待している人は、他者が移植してくれることを期待して、自身が移植することを断る</a:t>
+            </a:r>
+            <a:r>
+              <a:rPr b="1" dirty="0"/>
+              <a:t>。</a:t>
             </a:r>
           </a:p>
           <a:p>
             <a:pPr lvl="1"/>
             <a:r>
-              <a:rPr/>
+              <a:rPr dirty="0"/>
               <a:t>結果として、医者が選択できるドナー候補者が少なくなり、移植に到達しない。</a:t>
             </a:r>
           </a:p>
@@ -7607,6 +7236,9 @@
       </p:sp>
     </p:spTree>
   </p:cSld>
+  <p:clrMapOvr>
+    <a:masterClrMapping/>
+  </p:clrMapOvr>
 </p:sld>
 </file>
 
@@ -7653,11 +7285,10 @@
           <a:bodyPr/>
           <a:lstStyle/>
           <a:p>
-            <a:pPr lvl="0" indent="0" marL="0">
+            <a:pPr marL="0" lvl="0" indent="0">
               <a:buNone/>
             </a:pPr>
             <a:r>
-              <a:rPr/>
               <a:t>返信・意向(性別×地域)</a:t>
             </a:r>
           </a:p>
@@ -7665,7 +7296,7 @@
       </p:sp>
       <p:pic>
         <p:nvPicPr>
-          <p:cNvPr descr="C:/Users/vge00/Desktop/JMDP/RCT-Nudge/docs/slide/221014骨髄バンク介入実験分析_files/figure-pptx/plot-hetero-reply-gender-geo-1.png" id="0" name="Picture 1"/>
+          <p:cNvPr id="3" name="Picture 1" descr="C:/Users/vge00/Desktop/JMDP/RCT-Nudge/docs/slide/221014骨髄バンク介入実験分析_files/figure-pptx/plot-hetero-reply-gender-geo-1.png"/>
           <p:cNvPicPr>
             <a:picLocks noGrp="1" noChangeAspect="1"/>
           </p:cNvPicPr>
@@ -7695,6 +7326,9 @@
       </p:pic>
     </p:spTree>
   </p:cSld>
+  <p:clrMapOvr>
+    <a:masterClrMapping/>
+  </p:clrMapOvr>
 </p:sld>
 </file>
 
@@ -7741,11 +7375,10 @@
           <a:bodyPr/>
           <a:lstStyle/>
           <a:p>
-            <a:pPr lvl="0" indent="0" marL="0">
+            <a:pPr marL="0" lvl="0" indent="0">
               <a:buNone/>
             </a:pPr>
             <a:r>
-              <a:rPr/>
               <a:t>X日以内返信(メッセージB・性別×地域)</a:t>
             </a:r>
           </a:p>
@@ -7753,7 +7386,7 @@
       </p:sp>
       <p:pic>
         <p:nvPicPr>
-          <p:cNvPr descr="C:/Users/vge00/Desktop/JMDP/RCT-Nudge/docs/slide/221014骨髄バンク介入実験分析_files/figure-pptx/plotB-hetero-reply-within-gender-geo-1.png" id="0" name="Picture 1"/>
+          <p:cNvPr id="3" name="Picture 1" descr="C:/Users/vge00/Desktop/JMDP/RCT-Nudge/docs/slide/221014骨髄バンク介入実験分析_files/figure-pptx/plotB-hetero-reply-within-gender-geo-1.png"/>
           <p:cNvPicPr>
             <a:picLocks noGrp="1" noChangeAspect="1"/>
           </p:cNvPicPr>
@@ -7783,6 +7416,9 @@
       </p:pic>
     </p:spTree>
   </p:cSld>
+  <p:clrMapOvr>
+    <a:masterClrMapping/>
+  </p:clrMapOvr>
 </p:sld>
 </file>
 
@@ -7829,11 +7465,10 @@
           <a:bodyPr/>
           <a:lstStyle/>
           <a:p>
-            <a:pPr lvl="0" indent="0" marL="0">
+            <a:pPr marL="0" lvl="0" indent="0">
               <a:buNone/>
             </a:pPr>
             <a:r>
-              <a:rPr/>
               <a:t>X日以内返信(メッセージC・性別×地域)</a:t>
             </a:r>
           </a:p>
@@ -7841,7 +7476,7 @@
       </p:sp>
       <p:pic>
         <p:nvPicPr>
-          <p:cNvPr descr="C:/Users/vge00/Desktop/JMDP/RCT-Nudge/docs/slide/221014骨髄バンク介入実験分析_files/figure-pptx/plotC-hetero-reply-within-gender-geo-1.png" id="0" name="Picture 1"/>
+          <p:cNvPr id="3" name="Picture 1" descr="C:/Users/vge00/Desktop/JMDP/RCT-Nudge/docs/slide/221014骨髄バンク介入実験分析_files/figure-pptx/plotC-hetero-reply-within-gender-geo-1.png"/>
           <p:cNvPicPr>
             <a:picLocks noGrp="1" noChangeAspect="1"/>
           </p:cNvPicPr>
@@ -7871,6 +7506,9 @@
       </p:pic>
     </p:spTree>
   </p:cSld>
+  <p:clrMapOvr>
+    <a:masterClrMapping/>
+  </p:clrMapOvr>
 </p:sld>
 </file>
 
@@ -7917,11 +7555,10 @@
           <a:bodyPr/>
           <a:lstStyle/>
           <a:p>
-            <a:pPr lvl="0" indent="0" marL="0">
+            <a:pPr marL="0" lvl="0" indent="0">
               <a:buNone/>
             </a:pPr>
             <a:r>
-              <a:rPr/>
               <a:t>X日以内返信(メッセージD・性別×地域)</a:t>
             </a:r>
           </a:p>
@@ -7929,7 +7566,7 @@
       </p:sp>
       <p:pic>
         <p:nvPicPr>
-          <p:cNvPr descr="C:/Users/vge00/Desktop/JMDP/RCT-Nudge/docs/slide/221014骨髄バンク介入実験分析_files/figure-pptx/plotD-hetero-reply-within-gender-geo-1.png" id="0" name="Picture 1"/>
+          <p:cNvPr id="3" name="Picture 1" descr="C:/Users/vge00/Desktop/JMDP/RCT-Nudge/docs/slide/221014骨髄バンク介入実験分析_files/figure-pptx/plotD-hetero-reply-within-gender-geo-1.png"/>
           <p:cNvPicPr>
             <a:picLocks noGrp="1" noChangeAspect="1"/>
           </p:cNvPicPr>
@@ -7959,6 +7596,9 @@
       </p:pic>
     </p:spTree>
   </p:cSld>
+  <p:clrMapOvr>
+    <a:masterClrMapping/>
+  </p:clrMapOvr>
 </p:sld>
 </file>
 
@@ -8005,11 +7645,10 @@
           <a:bodyPr/>
           <a:lstStyle/>
           <a:p>
-            <a:pPr lvl="0" indent="0" marL="0">
+            <a:pPr marL="0" lvl="0" indent="0">
               <a:buNone/>
             </a:pPr>
             <a:r>
-              <a:rPr/>
               <a:t>コーディネーション過程における異質性</a:t>
             </a:r>
           </a:p>
@@ -8017,7 +7656,7 @@
       </p:sp>
       <p:pic>
         <p:nvPicPr>
-          <p:cNvPr descr="C:/Users/vge00/Desktop/JMDP/RCT-Nudge/docs/slide/221014骨髄バンク介入実験分析_files/figure-pptx/plot-hetero-process-geo-1.png" id="0" name="Picture 1"/>
+          <p:cNvPr id="3" name="Picture 1" descr="C:/Users/vge00/Desktop/JMDP/RCT-Nudge/docs/slide/221014骨髄バンク介入実験分析_files/figure-pptx/plot-hetero-process-geo-1.png"/>
           <p:cNvPicPr>
             <a:picLocks noGrp="1" noChangeAspect="1"/>
           </p:cNvPicPr>
@@ -8047,6 +7686,9 @@
       </p:pic>
     </p:spTree>
   </p:cSld>
+  <p:clrMapOvr>
+    <a:masterClrMapping/>
+  </p:clrMapOvr>
 </p:sld>
 </file>
 
@@ -8090,14 +7732,15 @@
           </a:xfrm>
         </p:spPr>
         <p:txBody>
-          <a:bodyPr/>
+          <a:bodyPr>
+            <a:normAutofit fontScale="90000"/>
+          </a:bodyPr>
           <a:lstStyle/>
           <a:p>
-            <a:pPr lvl="0" indent="0" marL="0">
+            <a:pPr marL="0" lvl="0" indent="0">
               <a:buNone/>
             </a:pPr>
             <a:r>
-              <a:rPr/>
               <a:t>コーディネーション過程における異質性(性別×地域)</a:t>
             </a:r>
           </a:p>
@@ -8105,7 +7748,7 @@
       </p:sp>
       <p:pic>
         <p:nvPicPr>
-          <p:cNvPr descr="C:/Users/vge00/Desktop/JMDP/RCT-Nudge/docs/slide/221014骨髄バンク介入実験分析_files/figure-pptx/plot-hetero-process-gender-geo-1.png" id="0" name="Picture 1"/>
+          <p:cNvPr id="3" name="Picture 1" descr="C:/Users/vge00/Desktop/JMDP/RCT-Nudge/docs/slide/221014骨髄バンク介入実験分析_files/figure-pptx/plot-hetero-process-gender-geo-1.png"/>
           <p:cNvPicPr>
             <a:picLocks noGrp="1" noChangeAspect="1"/>
           </p:cNvPicPr>
@@ -8135,6 +7778,9 @@
       </p:pic>
     </p:spTree>
   </p:cSld>
+  <p:clrMapOvr>
+    <a:masterClrMapping/>
+  </p:clrMapOvr>
 </p:sld>
 </file>
 
@@ -8181,11 +7827,10 @@
           <a:bodyPr/>
           <a:lstStyle/>
           <a:p>
-            <a:pPr lvl="0" indent="0" marL="0">
+            <a:pPr marL="0" lvl="0" indent="0">
               <a:buNone/>
             </a:pPr>
             <a:r>
-              <a:rPr/>
               <a:t>本研究の概要</a:t>
             </a:r>
           </a:p>
@@ -8214,48 +7859,66 @@
           <a:p>
             <a:pPr lvl="0"/>
             <a:r>
-              <a:rPr/>
+              <a:rPr dirty="0"/>
               <a:t>ドナー候補者に選定されたことを伝える適合通知に、 ただ乗り行動を防ぐようなテキストメッセージを加えて、 その効果をフィールド実験にて検証する。</a:t>
             </a:r>
           </a:p>
           <a:p>
             <a:pPr lvl="1"/>
             <a:r>
-              <a:rPr/>
+              <a:rPr dirty="0"/>
               <a:t>関連研究：Shang and Croson (2009, EJ)</a:t>
             </a:r>
           </a:p>
           <a:p>
             <a:pPr lvl="0"/>
             <a:r>
-              <a:rPr/>
+              <a:rPr dirty="0"/>
               <a:t>主な発見</a:t>
             </a:r>
           </a:p>
           <a:p>
-            <a:pPr lvl="1" indent="-457200" marL="914400">
+            <a:pPr marL="914400" lvl="1" indent="-457200">
               <a:buAutoNum type="arabicPeriod"/>
             </a:pPr>
             <a:r>
-              <a:rPr b="1"/>
+              <a:rPr b="1" dirty="0">
+                <a:solidFill>
+                  <a:srgbClr val="0D2659"/>
+                </a:solidFill>
+                <a:latin typeface="游ゴシック" panose="020B0400000000000000" pitchFamily="50" charset="-128"/>
+                <a:ea typeface="游ゴシック" panose="020B0400000000000000" pitchFamily="50" charset="-128"/>
+              </a:rPr>
               <a:t>ただ乗りを防ぐために、移植に適したドナー登録者が少ないことを強調したメッセージは適合通知の返信率を増やす</a:t>
             </a:r>
           </a:p>
           <a:p>
-            <a:pPr lvl="1" indent="-457200" marL="914400">
+            <a:pPr marL="914400" lvl="1" indent="-457200">
               <a:buAutoNum type="arabicPeriod"/>
             </a:pPr>
             <a:r>
-              <a:rPr b="1"/>
+              <a:rPr b="1" dirty="0">
+                <a:solidFill>
+                  <a:srgbClr val="0D2659"/>
+                </a:solidFill>
+                <a:latin typeface="游ゴシック" panose="020B0400000000000000" pitchFamily="50" charset="-128"/>
+                <a:ea typeface="游ゴシック" panose="020B0400000000000000" pitchFamily="50" charset="-128"/>
+              </a:rPr>
               <a:t>特にこのメッセージは移植実績が良いとされる若年男性に対して有効である</a:t>
             </a:r>
           </a:p>
           <a:p>
-            <a:pPr lvl="1" indent="-457200" marL="914400">
+            <a:pPr marL="914400" lvl="1" indent="-457200">
               <a:buAutoNum type="arabicPeriod"/>
             </a:pPr>
             <a:r>
-              <a:rPr b="1"/>
+              <a:rPr b="1" dirty="0">
+                <a:solidFill>
+                  <a:srgbClr val="0D2659"/>
+                </a:solidFill>
+                <a:latin typeface="游ゴシック" panose="020B0400000000000000" pitchFamily="50" charset="-128"/>
+                <a:ea typeface="游ゴシック" panose="020B0400000000000000" pitchFamily="50" charset="-128"/>
+              </a:rPr>
               <a:t>返信スピードを促すメッセージは女性（特に若年女性）に対して有効である</a:t>
             </a:r>
           </a:p>
@@ -8263,6 +7926,9 @@
       </p:sp>
     </p:spTree>
   </p:cSld>
+  <p:clrMapOvr>
+    <a:masterClrMapping/>
+  </p:clrMapOvr>
 </p:sld>
 </file>
 
@@ -8309,11 +7975,10 @@
           <a:bodyPr/>
           <a:lstStyle/>
           <a:p>
-            <a:pPr lvl="0" indent="0" marL="0">
+            <a:pPr marL="0" lvl="0" indent="0">
               <a:buNone/>
             </a:pPr>
             <a:r>
-              <a:rPr/>
               <a:t>Field Experiment</a:t>
             </a:r>
           </a:p>
@@ -8321,6 +7986,9 @@
       </p:sp>
     </p:spTree>
   </p:cSld>
+  <p:clrMapOvr>
+    <a:masterClrMapping/>
+  </p:clrMapOvr>
 </p:sld>
 </file>
 
@@ -8367,94 +8035,79 @@
           <a:bodyPr/>
           <a:lstStyle/>
           <a:p>
-            <a:pPr lvl="0" indent="0" marL="0">
+            <a:pPr marL="0" lvl="0" indent="0">
               <a:buNone/>
             </a:pPr>
             <a:r>
-              <a:rPr/>
               <a:t>介入対象とタイミング</a:t>
             </a:r>
           </a:p>
         </p:txBody>
       </p:sp>
-      <mc:AlternateContent xmlns:mc="http://schemas.openxmlformats.org/markup-compatibility/2006">
-        <mc:Choice xmlns:a14="http://schemas.microsoft.com/office/drawing/2010/main" Requires="a14">
-          <p:sp>
-            <p:nvSpPr>
-              <p:cNvPr id="3" name="コンテンツ プレースホルダー 2">
-                <a:extLst>
-                  <a:ext uri="{FF2B5EF4-FFF2-40B4-BE49-F238E27FC236}">
-                    <a16:creationId xmlns:a16="http://schemas.microsoft.com/office/drawing/2014/main" id="{29CB1BB5-CF30-D8DC-0EA9-79805907379B}"/>
-                  </a:ext>
-                </a:extLst>
-              </p:cNvPr>
-              <p:cNvSpPr>
-                <a:spLocks noGrp="1"/>
-              </p:cNvSpPr>
-              <p:nvPr>
-                <p:ph idx="1"/>
-              </p:nvPr>
-            </p:nvSpPr>
-            <p:spPr/>
-            <p:txBody>
-              <a:bodyPr/>
-              <a:lstStyle/>
-              <a:p>
-                <a:pPr lvl="0"/>
-                <a:r>
-                  <a:rPr/>
-                  <a:t>対象：骨髄バンクドナー確定後に「適合通知」を受け取るドナー候補者（</a:t>
-                </a:r>
-                <a14:m>
-                  <m:oMath xmlns:m="http://schemas.openxmlformats.org/officeDocument/2006/math">
-                    <m:r>
-                      <m:t>N</m:t>
-                    </m:r>
-                    <m:r>
-                      <m:rPr>
-                        <m:sty m:val="p"/>
-                      </m:rPr>
-                      <m:t>=</m:t>
-                    </m:r>
-                    <m:r>
-                      <m:t>11</m:t>
-                    </m:r>
-                    <m:r>
-                      <m:rPr>
-                        <m:sty m:val="p"/>
-                      </m:rPr>
-                      <m:t>,</m:t>
-                    </m:r>
-                    <m:r>
-                      <m:t>154</m:t>
-                    </m:r>
-                  </m:oMath>
-                </a14:m>
-                <a:r>
-                  <a:rPr/>
-                  <a:t>）</a:t>
-                </a:r>
-              </a:p>
-              <a:p>
-                <a:pPr lvl="0"/>
-                <a:r>
-                  <a:rPr/>
-                  <a:t>ドナー候補者確定後、骨髄バンクは対象者に幹細胞提供を依頼する「適合通知」および それを郵送した旨を伝えるSNSメーセージを送付</a:t>
-                </a:r>
-              </a:p>
-              <a:p>
-                <a:pPr lvl="0"/>
-                <a:r>
-                  <a:rPr/>
-                  <a:t>行動科学の知見に基づいたメッセージを適合通知に加える介入を実施</a:t>
-                </a:r>
-              </a:p>
-            </p:txBody>
-          </p:sp>
-        </mc:Choice>
-      </mc:AlternateContent>
+      <p:sp>
+        <p:nvSpPr>
+          <p:cNvPr id="3" name="コンテンツ プレースホルダー 2">
+            <a:extLst>
+              <a:ext uri="{FF2B5EF4-FFF2-40B4-BE49-F238E27FC236}">
+                <a16:creationId xmlns:a16="http://schemas.microsoft.com/office/drawing/2014/main" id="{29CB1BB5-CF30-D8DC-0EA9-79805907379B}"/>
+              </a:ext>
+            </a:extLst>
+          </p:cNvPr>
+          <p:cNvSpPr>
+            <a:spLocks noGrp="1"/>
+          </p:cNvSpPr>
+          <p:nvPr>
+            <p:ph idx="1"/>
+          </p:nvPr>
+        </p:nvSpPr>
+        <p:spPr/>
+        <p:txBody>
+          <a:bodyPr/>
+          <a:lstStyle/>
+          <a:p>
+            <a:pPr lvl="0"/>
+            <a:r>
+              <a:t>対象：骨髄バンクドナー確定後に「適合通知」を受け取るドナー候補者（</a:t>
+            </a:r>
+            <a14:m xmlns:a14="http://schemas.microsoft.com/office/drawing/2010/main">
+              <m:oMath xmlns:m="http://schemas.openxmlformats.org/officeDocument/2006/math">
+                <m:r>
+                  <a:rPr>
+                    <a:latin typeface="Cambria Math" panose="02040503050406030204" pitchFamily="18" charset="0"/>
+                  </a:rPr>
+                  <m:t>𝑁</m:t>
+                </m:r>
+                <m:r>
+                  <a:rPr>
+                    <a:latin typeface="Cambria Math" panose="02040503050406030204" pitchFamily="18" charset="0"/>
+                  </a:rPr>
+                  <m:t>=11,154</m:t>
+                </m:r>
+              </m:oMath>
+            </a14:m>
+            <a:r>
+              <a:t>）</a:t>
+            </a:r>
+          </a:p>
+          <a:p>
+            <a:pPr lvl="0"/>
+            <a:r>
+              <a:t>ドナー候補者確定後、骨髄バンクは対象者に幹細胞提供を依頼する「適合通知」および それを郵送した旨を伝えるSNSメーセージを送付</a:t>
+            </a:r>
+          </a:p>
+          <a:p>
+            <a:pPr lvl="0"/>
+            <a:r>
+              <a:t>行動科学の知見に基づいたメッセージを適合通知に加える介入を実施</a:t>
+            </a:r>
+          </a:p>
+        </p:txBody>
+      </p:sp>
     </p:spTree>
   </p:cSld>
+  <p:clrMapOvr>
+    <a:masterClrMapping/>
+  </p:clrMapOvr>
 </p:sld>
 </file>
 
@@ -8501,11 +8154,10 @@
           <a:bodyPr/>
           <a:lstStyle/>
           <a:p>
-            <a:pPr lvl="0" indent="0" marL="0">
+            <a:pPr marL="0" lvl="0" indent="0">
               <a:buNone/>
             </a:pPr>
             <a:r>
-              <a:rPr/>
               <a:t>通常の適合通知の内容</a:t>
             </a:r>
           </a:p>
@@ -8532,11 +8184,10 @@
           <a:bodyPr/>
           <a:lstStyle/>
           <a:p>
-            <a:pPr lvl="0" indent="0" marL="0">
+            <a:pPr marL="0" lvl="0" indent="0">
               <a:buNone/>
             </a:pPr>
             <a:r>
-              <a:rPr/>
               <a:t>「この度、あなたと骨髄バンクの登録患者さんのHLA型（白血球の型）が一致し、ドナー候補者のおひとりに選ばれました。今後、ご提供に向け詳しい検査や面談を希望されるかをお伺いしたく連絡させていただきました。同封の資料をよくお読みいただき、コーディネートが可能かどうか検討の上、この案内が届いてから7日以内に返信用紙ほかをご返送ください。返送後、コーディネートを進めさせていただく場合は、担当者よりご相談のお電話を差し上げますのでよろしくお願い申し上げます。」</a:t>
             </a:r>
           </a:p>
@@ -8544,6 +8195,9 @@
       </p:sp>
     </p:spTree>
   </p:cSld>
+  <p:clrMapOvr>
+    <a:masterClrMapping/>
+  </p:clrMapOvr>
 </p:sld>
 </file>
 
@@ -8590,11 +8244,10 @@
           <a:bodyPr/>
           <a:lstStyle/>
           <a:p>
-            <a:pPr lvl="0" indent="0" marL="0">
+            <a:pPr marL="0" lvl="0" indent="0">
               <a:buNone/>
             </a:pPr>
             <a:r>
-              <a:rPr/>
               <a:t>介入①：確率メッセージ</a:t>
             </a:r>
           </a:p>
@@ -8621,33 +8274,50 @@
           <a:bodyPr/>
           <a:lstStyle/>
           <a:p>
-            <a:pPr lvl="0" indent="0" marL="0">
+            <a:pPr marL="0" lvl="0" indent="0">
               <a:buNone/>
             </a:pPr>
             <a:r>
-              <a:rPr/>
+              <a:rPr dirty="0"/>
               <a:t>「1人の登録患者さんとHLA型が一致するドナー登録者は</a:t>
             </a:r>
             <a:r>
-              <a:rPr b="1"/>
+              <a:rPr b="1" dirty="0">
+                <a:solidFill>
+                  <a:srgbClr val="0D2659"/>
+                </a:solidFill>
+                <a:latin typeface="游ゴシック" panose="020B0400000000000000" pitchFamily="50" charset="-128"/>
+                <a:ea typeface="游ゴシック" panose="020B0400000000000000" pitchFamily="50" charset="-128"/>
+              </a:rPr>
               <a:t>数百〜数万人に1人</a:t>
             </a:r>
             <a:r>
-              <a:rPr/>
+              <a:rPr dirty="0"/>
               <a:t>です。ドナー候補者が複数みつかる場合もありますが、多くはないこともご理解頂ければ幸いです。」</a:t>
             </a:r>
           </a:p>
           <a:p>
             <a:pPr lvl="0"/>
             <a:r>
-              <a:rPr/>
-              <a:t>他のドナー候補者が多くいるという過大推定によるクラウディング・アウト効果を解消することを目的としたもの</a:t>
+              <a:rPr dirty="0"/>
+              <a:t>他のドナー候補者が多くいるという過大推定による</a:t>
+            </a:r>
+            <a:r>
+              <a:rPr lang="ja-JP" altLang="en-US" dirty="0"/>
+              <a:t>「ただ乗り」行動</a:t>
+            </a:r>
+            <a:r>
+              <a:rPr dirty="0"/>
+              <a:t>を解消することを目的としたもの</a:t>
             </a:r>
           </a:p>
         </p:txBody>
       </p:sp>
     </p:spTree>
   </p:cSld>
+  <p:clrMapOvr>
+    <a:masterClrMapping/>
+  </p:clrMapOvr>
 </p:sld>
 </file>
 
@@ -8850,265 +8520,4 @@
     </a:ext>
   </a:extLst>
 </a:theme>
-</file>
-
-<file path=ppt/theme/theme2.xml><?xml version="1.0" encoding="utf-8"?>
-<a:theme xmlns:a="http://schemas.openxmlformats.org/drawingml/2006/main" name="Office Theme">
-  <a:themeElements>
-    <a:clrScheme name="Office">
-      <a:dk1>
-        <a:sysClr val="windowText" lastClr="000000"/>
-      </a:dk1>
-      <a:lt1>
-        <a:sysClr val="window" lastClr="FFFFFF"/>
-      </a:lt1>
-      <a:dk2>
-        <a:srgbClr val="44546A"/>
-      </a:dk2>
-      <a:lt2>
-        <a:srgbClr val="E7E6E6"/>
-      </a:lt2>
-      <a:accent1>
-        <a:srgbClr val="5B9BD5"/>
-      </a:accent1>
-      <a:accent2>
-        <a:srgbClr val="ED7D31"/>
-      </a:accent2>
-      <a:accent3>
-        <a:srgbClr val="A5A5A5"/>
-      </a:accent3>
-      <a:accent4>
-        <a:srgbClr val="FFC000"/>
-      </a:accent4>
-      <a:accent5>
-        <a:srgbClr val="4472C4"/>
-      </a:accent5>
-      <a:accent6>
-        <a:srgbClr val="70AD47"/>
-      </a:accent6>
-      <a:hlink>
-        <a:srgbClr val="0563C1"/>
-      </a:hlink>
-      <a:folHlink>
-        <a:srgbClr val="954F72"/>
-      </a:folHlink>
-    </a:clrScheme>
-    <a:fontScheme name="Office">
-      <a:majorFont>
-        <a:latin typeface="Calibri Light" panose="020F0302020204030204"/>
-        <a:ea typeface=""/>
-        <a:cs typeface=""/>
-        <a:font script="Jpan" typeface="ＭＳ Ｐゴシック"/>
-        <a:font script="Hang" typeface="맑은 고딕"/>
-        <a:font script="Hans" typeface="宋体"/>
-        <a:font script="Hant" typeface="新細明體"/>
-        <a:font script="Arab" typeface="Times New Roman"/>
-        <a:font script="Hebr" typeface="Times New Roman"/>
-        <a:font script="Thai" typeface="Angsana New"/>
-        <a:font script="Ethi" typeface="Nyala"/>
-        <a:font script="Beng" typeface="Vrinda"/>
-        <a:font script="Gujr" typeface="Shruti"/>
-        <a:font script="Khmr" typeface="MoolBoran"/>
-        <a:font script="Knda" typeface="Tunga"/>
-        <a:font script="Guru" typeface="Raavi"/>
-        <a:font script="Cans" typeface="Euphemia"/>
-        <a:font script="Cher" typeface="Plantagenet Cherokee"/>
-        <a:font script="Yiii" typeface="Microsoft Yi Baiti"/>
-        <a:font script="Tibt" typeface="Microsoft Himalaya"/>
-        <a:font script="Thaa" typeface="MV Boli"/>
-        <a:font script="Deva" typeface="Mangal"/>
-        <a:font script="Telu" typeface="Gautami"/>
-        <a:font script="Taml" typeface="Latha"/>
-        <a:font script="Syrc" typeface="Estrangelo Edessa"/>
-        <a:font script="Orya" typeface="Kalinga"/>
-        <a:font script="Mlym" typeface="Kartika"/>
-        <a:font script="Laoo" typeface="DokChampa"/>
-        <a:font script="Sinh" typeface="Iskoola Pota"/>
-        <a:font script="Mong" typeface="Mongolian Baiti"/>
-        <a:font script="Viet" typeface="Times New Roman"/>
-        <a:font script="Uigh" typeface="Microsoft Uighur"/>
-        <a:font script="Geor" typeface="Sylfaen"/>
-      </a:majorFont>
-      <a:minorFont>
-        <a:latin typeface="Calibri" panose="020F0502020204030204"/>
-        <a:ea typeface=""/>
-        <a:cs typeface=""/>
-        <a:font script="Jpan" typeface="ＭＳ Ｐゴシック"/>
-        <a:font script="Hang" typeface="맑은 고딕"/>
-        <a:font script="Hans" typeface="宋体"/>
-        <a:font script="Hant" typeface="新細明體"/>
-        <a:font script="Arab" typeface="Arial"/>
-        <a:font script="Hebr" typeface="Arial"/>
-        <a:font script="Thai" typeface="Cordia New"/>
-        <a:font script="Ethi" typeface="Nyala"/>
-        <a:font script="Beng" typeface="Vrinda"/>
-        <a:font script="Gujr" typeface="Shruti"/>
-        <a:font script="Khmr" typeface="DaunPenh"/>
-        <a:font script="Knda" typeface="Tunga"/>
-        <a:font script="Guru" typeface="Raavi"/>
-        <a:font script="Cans" typeface="Euphemia"/>
-        <a:font script="Cher" typeface="Plantagenet Cherokee"/>
-        <a:font script="Yiii" typeface="Microsoft Yi Baiti"/>
-        <a:font script="Tibt" typeface="Microsoft Himalaya"/>
-        <a:font script="Thaa" typeface="MV Boli"/>
-        <a:font script="Deva" typeface="Mangal"/>
-        <a:font script="Telu" typeface="Gautami"/>
-        <a:font script="Taml" typeface="Latha"/>
-        <a:font script="Syrc" typeface="Estrangelo Edessa"/>
-        <a:font script="Orya" typeface="Kalinga"/>
-        <a:font script="Mlym" typeface="Kartika"/>
-        <a:font script="Laoo" typeface="DokChampa"/>
-        <a:font script="Sinh" typeface="Iskoola Pota"/>
-        <a:font script="Mong" typeface="Mongolian Baiti"/>
-        <a:font script="Viet" typeface="Arial"/>
-        <a:font script="Uigh" typeface="Microsoft Uighur"/>
-        <a:font script="Geor" typeface="Sylfaen"/>
-      </a:minorFont>
-    </a:fontScheme>
-    <a:fmtScheme name="Office">
-      <a:fillStyleLst>
-        <a:solidFill>
-          <a:schemeClr val="phClr"/>
-        </a:solidFill>
-        <a:gradFill rotWithShape="1">
-          <a:gsLst>
-            <a:gs pos="0">
-              <a:schemeClr val="phClr">
-                <a:lumMod val="110000"/>
-                <a:satMod val="105000"/>
-                <a:tint val="67000"/>
-              </a:schemeClr>
-            </a:gs>
-            <a:gs pos="50000">
-              <a:schemeClr val="phClr">
-                <a:lumMod val="105000"/>
-                <a:satMod val="103000"/>
-                <a:tint val="73000"/>
-              </a:schemeClr>
-            </a:gs>
-            <a:gs pos="100000">
-              <a:schemeClr val="phClr">
-                <a:lumMod val="105000"/>
-                <a:satMod val="109000"/>
-                <a:tint val="81000"/>
-              </a:schemeClr>
-            </a:gs>
-          </a:gsLst>
-          <a:lin ang="5400000" scaled="0"/>
-        </a:gradFill>
-        <a:gradFill rotWithShape="1">
-          <a:gsLst>
-            <a:gs pos="0">
-              <a:schemeClr val="phClr">
-                <a:satMod val="103000"/>
-                <a:lumMod val="102000"/>
-                <a:tint val="94000"/>
-              </a:schemeClr>
-            </a:gs>
-            <a:gs pos="50000">
-              <a:schemeClr val="phClr">
-                <a:satMod val="110000"/>
-                <a:lumMod val="100000"/>
-                <a:shade val="100000"/>
-              </a:schemeClr>
-            </a:gs>
-            <a:gs pos="100000">
-              <a:schemeClr val="phClr">
-                <a:lumMod val="99000"/>
-                <a:satMod val="120000"/>
-                <a:shade val="78000"/>
-              </a:schemeClr>
-            </a:gs>
-          </a:gsLst>
-          <a:lin ang="5400000" scaled="0"/>
-        </a:gradFill>
-      </a:fillStyleLst>
-      <a:lnStyleLst>
-        <a:ln w="6350" cap="flat" cmpd="sng" algn="ctr">
-          <a:solidFill>
-            <a:schemeClr val="phClr"/>
-          </a:solidFill>
-          <a:prstDash val="solid"/>
-          <a:miter lim="800000"/>
-        </a:ln>
-        <a:ln w="12700" cap="flat" cmpd="sng" algn="ctr">
-          <a:solidFill>
-            <a:schemeClr val="phClr"/>
-          </a:solidFill>
-          <a:prstDash val="solid"/>
-          <a:miter lim="800000"/>
-        </a:ln>
-        <a:ln w="19050" cap="flat" cmpd="sng" algn="ctr">
-          <a:solidFill>
-            <a:schemeClr val="phClr"/>
-          </a:solidFill>
-          <a:prstDash val="solid"/>
-          <a:miter lim="800000"/>
-        </a:ln>
-      </a:lnStyleLst>
-      <a:effectStyleLst>
-        <a:effectStyle>
-          <a:effectLst/>
-        </a:effectStyle>
-        <a:effectStyle>
-          <a:effectLst/>
-        </a:effectStyle>
-        <a:effectStyle>
-          <a:effectLst>
-            <a:outerShdw blurRad="57150" dist="19050" dir="5400000" algn="ctr" rotWithShape="0">
-              <a:srgbClr val="000000">
-                <a:alpha val="63000"/>
-              </a:srgbClr>
-            </a:outerShdw>
-          </a:effectLst>
-        </a:effectStyle>
-      </a:effectStyleLst>
-      <a:bgFillStyleLst>
-        <a:solidFill>
-          <a:schemeClr val="phClr"/>
-        </a:solidFill>
-        <a:solidFill>
-          <a:schemeClr val="phClr">
-            <a:tint val="95000"/>
-            <a:satMod val="170000"/>
-          </a:schemeClr>
-        </a:solidFill>
-        <a:gradFill rotWithShape="1">
-          <a:gsLst>
-            <a:gs pos="0">
-              <a:schemeClr val="phClr">
-                <a:tint val="93000"/>
-                <a:satMod val="150000"/>
-                <a:shade val="98000"/>
-                <a:lumMod val="102000"/>
-              </a:schemeClr>
-            </a:gs>
-            <a:gs pos="50000">
-              <a:schemeClr val="phClr">
-                <a:tint val="98000"/>
-                <a:satMod val="130000"/>
-                <a:shade val="90000"/>
-                <a:lumMod val="103000"/>
-              </a:schemeClr>
-            </a:gs>
-            <a:gs pos="100000">
-              <a:schemeClr val="phClr">
-                <a:shade val="63000"/>
-                <a:satMod val="120000"/>
-              </a:schemeClr>
-            </a:gs>
-          </a:gsLst>
-          <a:lin ang="5400000" scaled="0"/>
-        </a:gradFill>
-      </a:bgFillStyleLst>
-    </a:fmtScheme>
-  </a:themeElements>
-  <a:objectDefaults/>
-  <a:extraClrSchemeLst/>
-  <a:extLst>
-    <a:ext uri="{05A4C25C-085E-4340-85A3-A5531E510DB2}">
-      <thm15:themeFamily xmlns:thm15="http://schemas.microsoft.com/office/thememl/2012/main" name="Office Theme" id="{62F939B6-93AF-4DB8-9C6B-D6C7DFDC589F}" vid="{4A3C46E8-61CC-4603-A589-7422A47A8E4A}"/>
-    </a:ext>
-  </a:extLst>
-</a:theme>
 </file>